--- a/Разработка информационной системы колледжа.pptx
+++ b/Разработка информационной системы колледжа.pptx
@@ -7,39 +7,38 @@
   <p:sldIdLst>
     <p:sldId id="256" r:id="rId2"/>
     <p:sldId id="257" r:id="rId3"/>
-    <p:sldId id="258" r:id="rId4"/>
+    <p:sldId id="291" r:id="rId4"/>
     <p:sldId id="259" r:id="rId5"/>
-    <p:sldId id="260" r:id="rId6"/>
-    <p:sldId id="261" r:id="rId7"/>
-    <p:sldId id="262" r:id="rId8"/>
-    <p:sldId id="263" r:id="rId9"/>
-    <p:sldId id="264" r:id="rId10"/>
-    <p:sldId id="265" r:id="rId11"/>
-    <p:sldId id="266" r:id="rId12"/>
-    <p:sldId id="267" r:id="rId13"/>
-    <p:sldId id="268" r:id="rId14"/>
-    <p:sldId id="269" r:id="rId15"/>
-    <p:sldId id="270" r:id="rId16"/>
-    <p:sldId id="271" r:id="rId17"/>
-    <p:sldId id="272" r:id="rId18"/>
-    <p:sldId id="273" r:id="rId19"/>
-    <p:sldId id="274" r:id="rId20"/>
-    <p:sldId id="275" r:id="rId21"/>
-    <p:sldId id="276" r:id="rId22"/>
-    <p:sldId id="277" r:id="rId23"/>
-    <p:sldId id="278" r:id="rId24"/>
-    <p:sldId id="279" r:id="rId25"/>
-    <p:sldId id="280" r:id="rId26"/>
-    <p:sldId id="281" r:id="rId27"/>
-    <p:sldId id="282" r:id="rId28"/>
-    <p:sldId id="283" r:id="rId29"/>
-    <p:sldId id="284" r:id="rId30"/>
-    <p:sldId id="285" r:id="rId31"/>
-    <p:sldId id="286" r:id="rId32"/>
-    <p:sldId id="287" r:id="rId33"/>
-    <p:sldId id="288" r:id="rId34"/>
-    <p:sldId id="289" r:id="rId35"/>
-    <p:sldId id="290" r:id="rId36"/>
+    <p:sldId id="261" r:id="rId6"/>
+    <p:sldId id="262" r:id="rId7"/>
+    <p:sldId id="263" r:id="rId8"/>
+    <p:sldId id="264" r:id="rId9"/>
+    <p:sldId id="265" r:id="rId10"/>
+    <p:sldId id="266" r:id="rId11"/>
+    <p:sldId id="267" r:id="rId12"/>
+    <p:sldId id="268" r:id="rId13"/>
+    <p:sldId id="269" r:id="rId14"/>
+    <p:sldId id="270" r:id="rId15"/>
+    <p:sldId id="271" r:id="rId16"/>
+    <p:sldId id="272" r:id="rId17"/>
+    <p:sldId id="273" r:id="rId18"/>
+    <p:sldId id="274" r:id="rId19"/>
+    <p:sldId id="275" r:id="rId20"/>
+    <p:sldId id="276" r:id="rId21"/>
+    <p:sldId id="277" r:id="rId22"/>
+    <p:sldId id="278" r:id="rId23"/>
+    <p:sldId id="279" r:id="rId24"/>
+    <p:sldId id="280" r:id="rId25"/>
+    <p:sldId id="281" r:id="rId26"/>
+    <p:sldId id="282" r:id="rId27"/>
+    <p:sldId id="283" r:id="rId28"/>
+    <p:sldId id="284" r:id="rId29"/>
+    <p:sldId id="285" r:id="rId30"/>
+    <p:sldId id="286" r:id="rId31"/>
+    <p:sldId id="287" r:id="rId32"/>
+    <p:sldId id="288" r:id="rId33"/>
+    <p:sldId id="289" r:id="rId34"/>
+    <p:sldId id="290" r:id="rId35"/>
   </p:sldIdLst>
   <p:sldSz cx="9144000" cy="6858000" type="screen4x3"/>
   <p:notesSz cx="6858000" cy="9144000"/>
@@ -322,7 +321,7 @@
           <a:p>
             <a:fld id="{A2DA5810-F6D9-49AF-B21B-4BAED2CD66C9}" type="datetimeFigureOut">
               <a:rPr lang="ru-RU" smtClean="0"/>
-              <a:t>25.05.2020</a:t>
+              <a:t>26.05.2020</a:t>
             </a:fld>
             <a:endParaRPr lang="ru-RU"/>
           </a:p>
@@ -495,7 +494,7 @@
           <a:p>
             <a:fld id="{A2DA5810-F6D9-49AF-B21B-4BAED2CD66C9}" type="datetimeFigureOut">
               <a:rPr lang="ru-RU" smtClean="0"/>
-              <a:t>25.05.2020</a:t>
+              <a:t>26.05.2020</a:t>
             </a:fld>
             <a:endParaRPr lang="ru-RU"/>
           </a:p>
@@ -678,7 +677,7 @@
           <a:p>
             <a:fld id="{A2DA5810-F6D9-49AF-B21B-4BAED2CD66C9}" type="datetimeFigureOut">
               <a:rPr lang="ru-RU" smtClean="0"/>
-              <a:t>25.05.2020</a:t>
+              <a:t>26.05.2020</a:t>
             </a:fld>
             <a:endParaRPr lang="ru-RU"/>
           </a:p>
@@ -851,7 +850,7 @@
           <a:p>
             <a:fld id="{A2DA5810-F6D9-49AF-B21B-4BAED2CD66C9}" type="datetimeFigureOut">
               <a:rPr lang="ru-RU" smtClean="0"/>
-              <a:t>25.05.2020</a:t>
+              <a:t>26.05.2020</a:t>
             </a:fld>
             <a:endParaRPr lang="ru-RU"/>
           </a:p>
@@ -1100,7 +1099,7 @@
           <a:p>
             <a:fld id="{A2DA5810-F6D9-49AF-B21B-4BAED2CD66C9}" type="datetimeFigureOut">
               <a:rPr lang="ru-RU" smtClean="0"/>
-              <a:t>25.05.2020</a:t>
+              <a:t>26.05.2020</a:t>
             </a:fld>
             <a:endParaRPr lang="ru-RU"/>
           </a:p>
@@ -1391,7 +1390,7 @@
           <a:p>
             <a:fld id="{A2DA5810-F6D9-49AF-B21B-4BAED2CD66C9}" type="datetimeFigureOut">
               <a:rPr lang="ru-RU" smtClean="0"/>
-              <a:t>25.05.2020</a:t>
+              <a:t>26.05.2020</a:t>
             </a:fld>
             <a:endParaRPr lang="ru-RU"/>
           </a:p>
@@ -1816,7 +1815,7 @@
           <a:p>
             <a:fld id="{A2DA5810-F6D9-49AF-B21B-4BAED2CD66C9}" type="datetimeFigureOut">
               <a:rPr lang="ru-RU" smtClean="0"/>
-              <a:t>25.05.2020</a:t>
+              <a:t>26.05.2020</a:t>
             </a:fld>
             <a:endParaRPr lang="ru-RU"/>
           </a:p>
@@ -1937,7 +1936,7 @@
           <a:p>
             <a:fld id="{A2DA5810-F6D9-49AF-B21B-4BAED2CD66C9}" type="datetimeFigureOut">
               <a:rPr lang="ru-RU" smtClean="0"/>
-              <a:t>25.05.2020</a:t>
+              <a:t>26.05.2020</a:t>
             </a:fld>
             <a:endParaRPr lang="ru-RU"/>
           </a:p>
@@ -2035,7 +2034,7 @@
           <a:p>
             <a:fld id="{A2DA5810-F6D9-49AF-B21B-4BAED2CD66C9}" type="datetimeFigureOut">
               <a:rPr lang="ru-RU" smtClean="0"/>
-              <a:t>25.05.2020</a:t>
+              <a:t>26.05.2020</a:t>
             </a:fld>
             <a:endParaRPr lang="ru-RU"/>
           </a:p>
@@ -2315,7 +2314,7 @@
           <a:p>
             <a:fld id="{A2DA5810-F6D9-49AF-B21B-4BAED2CD66C9}" type="datetimeFigureOut">
               <a:rPr lang="ru-RU" smtClean="0"/>
-              <a:t>25.05.2020</a:t>
+              <a:t>26.05.2020</a:t>
             </a:fld>
             <a:endParaRPr lang="ru-RU"/>
           </a:p>
@@ -2571,7 +2570,7 @@
           <a:p>
             <a:fld id="{A2DA5810-F6D9-49AF-B21B-4BAED2CD66C9}" type="datetimeFigureOut">
               <a:rPr lang="ru-RU" smtClean="0"/>
-              <a:t>25.05.2020</a:t>
+              <a:t>26.05.2020</a:t>
             </a:fld>
             <a:endParaRPr lang="ru-RU"/>
           </a:p>
@@ -2790,7 +2789,7 @@
           <a:p>
             <a:fld id="{A2DA5810-F6D9-49AF-B21B-4BAED2CD66C9}" type="datetimeFigureOut">
               <a:rPr lang="ru-RU" smtClean="0"/>
-              <a:t>25.05.2020</a:t>
+              <a:t>26.05.2020</a:t>
             </a:fld>
             <a:endParaRPr lang="ru-RU"/>
           </a:p>
@@ -3180,13 +3179,13 @@
         </p:nvSpPr>
         <p:spPr>
           <a:xfrm>
-            <a:off x="1547664" y="1748408"/>
+            <a:off x="1043608" y="308248"/>
             <a:ext cx="7056784" cy="1470025"/>
           </a:xfrm>
         </p:spPr>
         <p:txBody>
           <a:bodyPr>
-            <a:normAutofit/>
+            <a:normAutofit fontScale="90000"/>
           </a:bodyPr>
           <a:lstStyle/>
           <a:p>
@@ -3199,7 +3198,17 @@
                 <a:latin typeface="Arial" pitchFamily="34" charset="0"/>
                 <a:cs typeface="Arial" pitchFamily="34" charset="0"/>
               </a:rPr>
-              <a:t>Разработка информационной системы колледжа</a:t>
+              <a:t>Разработка </a:t>
+            </a:r>
+            <a:r>
+              <a:rPr lang="ru-RU" sz="3600" dirty="0" smtClean="0">
+                <a:solidFill>
+                  <a:schemeClr val="bg1"/>
+                </a:solidFill>
+                <a:latin typeface="Arial" pitchFamily="34" charset="0"/>
+                <a:cs typeface="Arial" pitchFamily="34" charset="0"/>
+              </a:rPr>
+              <a:t>информационного портала КГП на ПХВ «Колледж информационных технологий»</a:t>
             </a:r>
             <a:endParaRPr lang="ru-RU" sz="3600" dirty="0">
               <a:solidFill>
@@ -3223,17 +3232,19 @@
         </p:nvSpPr>
         <p:spPr>
           <a:xfrm>
-            <a:off x="1547664" y="3404592"/>
+            <a:off x="1043608" y="1892424"/>
             <a:ext cx="6400800" cy="1752600"/>
           </a:xfrm>
         </p:spPr>
         <p:txBody>
-          <a:bodyPr/>
+          <a:bodyPr>
+            <a:normAutofit/>
+          </a:bodyPr>
           <a:lstStyle/>
           <a:p>
             <a:pPr algn="l"/>
             <a:r>
-              <a:rPr lang="ru-RU" dirty="0" smtClean="0">
+              <a:rPr lang="ru-RU" sz="2800" dirty="0" smtClean="0">
                 <a:solidFill>
                   <a:schemeClr val="bg1">
                     <a:lumMod val="75000"/>
@@ -3242,9 +3253,9 @@
                 <a:latin typeface="Arial" pitchFamily="34" charset="0"/>
                 <a:cs typeface="Arial" pitchFamily="34" charset="0"/>
               </a:rPr>
-              <a:t>Афанасьева Дина, ИС-426</a:t>
-            </a:r>
-            <a:endParaRPr lang="ru-RU" dirty="0">
+              <a:t>Афанасьева Дина Темирканатовна, ИС-426</a:t>
+            </a:r>
+            <a:endParaRPr lang="ru-RU" sz="2800" dirty="0">
               <a:solidFill>
                 <a:schemeClr val="bg1">
                   <a:lumMod val="75000"/>
@@ -3264,8 +3275,8 @@
         </p:nvSpPr>
         <p:spPr>
           <a:xfrm>
-            <a:off x="1259632" y="1964432"/>
-            <a:ext cx="72008" cy="2088232"/>
+            <a:off x="781864" y="380256"/>
+            <a:ext cx="45719" cy="2376264"/>
           </a:xfrm>
           <a:prstGeom prst="rect">
             <a:avLst/>
@@ -3302,6 +3313,66 @@
           </a:p>
         </p:txBody>
       </p:sp>
+      <p:pic>
+        <p:nvPicPr>
+          <p:cNvPr id="2050" name="Picture 2"/>
+          <p:cNvPicPr>
+            <a:picLocks noChangeAspect="1" noChangeArrowheads="1"/>
+          </p:cNvPicPr>
+          <p:nvPr/>
+        </p:nvPicPr>
+        <p:blipFill>
+          <a:blip r:embed="rId2">
+            <a:extLst>
+              <a:ext uri="{28A0092B-C50C-407E-A947-70E740481C1C}">
+                <a14:useLocalDpi xmlns:a14="http://schemas.microsoft.com/office/drawing/2010/main" val="0"/>
+              </a:ext>
+            </a:extLst>
+          </a:blip>
+          <a:srcRect/>
+          <a:stretch>
+            <a:fillRect/>
+          </a:stretch>
+        </p:blipFill>
+        <p:spPr bwMode="auto">
+          <a:xfrm>
+            <a:off x="765356" y="3133857"/>
+            <a:ext cx="7623068" cy="3391487"/>
+          </a:xfrm>
+          <a:prstGeom prst="rect">
+            <a:avLst/>
+          </a:prstGeom>
+          <a:ln>
+            <a:noFill/>
+          </a:ln>
+          <a:effectLst>
+            <a:outerShdw blurRad="190500" algn="tl" rotWithShape="0">
+              <a:srgbClr val="000000">
+                <a:alpha val="70000"/>
+              </a:srgbClr>
+            </a:outerShdw>
+          </a:effectLst>
+          <a:extLst>
+            <a:ext uri="{909E8E84-426E-40DD-AFC4-6F175D3DCCD1}">
+              <a14:hiddenFill xmlns:a14="http://schemas.microsoft.com/office/drawing/2010/main">
+                <a:solidFill>
+                  <a:schemeClr val="accent1"/>
+                </a:solidFill>
+              </a14:hiddenFill>
+            </a:ext>
+            <a:ext uri="{91240B29-F687-4F45-9708-019B960494DF}">
+              <a14:hiddenLine xmlns:a14="http://schemas.microsoft.com/office/drawing/2010/main" w="9525">
+                <a:solidFill>
+                  <a:schemeClr val="tx1"/>
+                </a:solidFill>
+                <a:miter lim="800000"/>
+                <a:headEnd/>
+                <a:tailEnd/>
+              </a14:hiddenLine>
+            </a:ext>
+          </a:extLst>
+        </p:spPr>
+      </p:pic>
     </p:spTree>
     <p:extLst>
       <p:ext uri="{BB962C8B-B14F-4D97-AF65-F5344CB8AC3E}">
@@ -3342,103 +3413,21 @@
           <a:chExt cx="0" cy="0"/>
         </a:xfrm>
       </p:grpSpPr>
-      <p:sp>
-        <p:nvSpPr>
-          <p:cNvPr id="3" name="Прямоугольник 2"/>
-          <p:cNvSpPr/>
-          <p:nvPr/>
-        </p:nvSpPr>
-        <p:spPr>
-          <a:xfrm>
-            <a:off x="1187624" y="4581128"/>
-            <a:ext cx="7056784" cy="2031325"/>
-          </a:xfrm>
-          <a:prstGeom prst="rect">
-            <a:avLst/>
-          </a:prstGeom>
-        </p:spPr>
-        <p:txBody>
-          <a:bodyPr wrap="square">
-            <a:spAutoFit/>
-          </a:bodyPr>
-          <a:lstStyle/>
-          <a:p>
-            <a:r>
-              <a:rPr lang="ru-RU" dirty="0">
-                <a:solidFill>
-                  <a:schemeClr val="bg1">
-                    <a:lumMod val="95000"/>
-                  </a:schemeClr>
-                </a:solidFill>
-                <a:latin typeface="Arial" pitchFamily="34" charset="0"/>
-                <a:cs typeface="Arial" pitchFamily="34" charset="0"/>
-              </a:rPr>
-              <a:t>На странице списка групп имеется фильтр по специальности, курсу, базе и языку обучения. Для группы указывается название, база, год поступления и выпуска, курс, специальность, язык обучения и куратор. Ссылка «Студенты» открывает список студентов данной группы, где можно также добавить нового, создать учетные записи и сформировать подгруппы.</a:t>
-            </a:r>
-          </a:p>
-        </p:txBody>
-      </p:sp>
-      <p:sp>
-        <p:nvSpPr>
-          <p:cNvPr id="4" name="Прямоугольник 3"/>
-          <p:cNvSpPr/>
-          <p:nvPr/>
-        </p:nvSpPr>
-        <p:spPr>
-          <a:xfrm>
-            <a:off x="971600" y="4653136"/>
-            <a:ext cx="45719" cy="1959317"/>
-          </a:xfrm>
-          <a:prstGeom prst="rect">
-            <a:avLst/>
-          </a:prstGeom>
-          <a:solidFill>
-            <a:srgbClr val="D608CC"/>
-          </a:solidFill>
-          <a:ln>
-            <a:noFill/>
-          </a:ln>
-        </p:spPr>
-        <p:style>
-          <a:lnRef idx="2">
-            <a:schemeClr val="accent1">
-              <a:shade val="50000"/>
-            </a:schemeClr>
-          </a:lnRef>
-          <a:fillRef idx="1">
-            <a:schemeClr val="accent1"/>
-          </a:fillRef>
-          <a:effectRef idx="0">
-            <a:schemeClr val="accent1"/>
-          </a:effectRef>
-          <a:fontRef idx="minor">
-            <a:schemeClr val="lt1"/>
-          </a:fontRef>
-        </p:style>
-        <p:txBody>
-          <a:bodyPr rtlCol="0" anchor="ctr"/>
-          <a:lstStyle/>
-          <a:p>
-            <a:pPr algn="ctr"/>
-            <a:endParaRPr lang="ru-RU"/>
-          </a:p>
-        </p:txBody>
-      </p:sp>
       <p:pic>
         <p:nvPicPr>
-          <p:cNvPr id="5" name="Рисунок 4"/>
+          <p:cNvPr id="2" name="Рисунок 1"/>
           <p:cNvPicPr/>
           <p:nvPr/>
         </p:nvPicPr>
         <p:blipFill rotWithShape="1">
           <a:blip r:embed="rId2"/>
-          <a:srcRect t="9167" r="1617" b="5000"/>
+          <a:srcRect l="21011" r="34343"/>
           <a:stretch/>
         </p:blipFill>
         <p:spPr bwMode="auto">
           <a:xfrm>
-            <a:off x="1017319" y="692696"/>
-            <a:ext cx="7227089" cy="3544686"/>
+            <a:off x="611560" y="404664"/>
+            <a:ext cx="3816424" cy="3384376"/>
           </a:xfrm>
           <a:prstGeom prst="rect">
             <a:avLst/>
@@ -3460,10 +3449,206 @@
           </a:extLst>
         </p:spPr>
       </p:pic>
+      <p:pic>
+        <p:nvPicPr>
+          <p:cNvPr id="3" name="Рисунок 2"/>
+          <p:cNvPicPr/>
+          <p:nvPr/>
+        </p:nvPicPr>
+        <p:blipFill>
+          <a:blip r:embed="rId3"/>
+          <a:stretch>
+            <a:fillRect/>
+          </a:stretch>
+        </p:blipFill>
+        <p:spPr>
+          <a:xfrm>
+            <a:off x="5508104" y="3140968"/>
+            <a:ext cx="3096344" cy="3312368"/>
+          </a:xfrm>
+          <a:prstGeom prst="rect">
+            <a:avLst/>
+          </a:prstGeom>
+          <a:ln>
+            <a:noFill/>
+          </a:ln>
+          <a:effectLst>
+            <a:outerShdw blurRad="190500" algn="tl" rotWithShape="0">
+              <a:srgbClr val="000000">
+                <a:alpha val="70000"/>
+              </a:srgbClr>
+            </a:outerShdw>
+          </a:effectLst>
+        </p:spPr>
+      </p:pic>
+      <p:sp>
+        <p:nvSpPr>
+          <p:cNvPr id="4" name="Прямоугольник 3"/>
+          <p:cNvSpPr/>
+          <p:nvPr/>
+        </p:nvSpPr>
+        <p:spPr>
+          <a:xfrm>
+            <a:off x="5148064" y="692696"/>
+            <a:ext cx="3816424" cy="1477328"/>
+          </a:xfrm>
+          <a:prstGeom prst="rect">
+            <a:avLst/>
+          </a:prstGeom>
+        </p:spPr>
+        <p:txBody>
+          <a:bodyPr wrap="square">
+            <a:spAutoFit/>
+          </a:bodyPr>
+          <a:lstStyle/>
+          <a:p>
+            <a:r>
+              <a:rPr lang="ru-RU" dirty="0">
+                <a:solidFill>
+                  <a:schemeClr val="bg1">
+                    <a:lumMod val="95000"/>
+                  </a:schemeClr>
+                </a:solidFill>
+                <a:latin typeface="Arial" pitchFamily="34" charset="0"/>
+                <a:cs typeface="Arial" pitchFamily="34" charset="0"/>
+              </a:rPr>
+              <a:t>Чтобы добавить или отредактировать специальность, нужно ввести шифр, названия на русском и казахском языках и указать отделение.</a:t>
+            </a:r>
+          </a:p>
+        </p:txBody>
+      </p:sp>
+      <p:sp>
+        <p:nvSpPr>
+          <p:cNvPr id="5" name="Прямоугольник 4"/>
+          <p:cNvSpPr/>
+          <p:nvPr/>
+        </p:nvSpPr>
+        <p:spPr>
+          <a:xfrm>
+            <a:off x="4932040" y="692696"/>
+            <a:ext cx="45719" cy="1477328"/>
+          </a:xfrm>
+          <a:prstGeom prst="rect">
+            <a:avLst/>
+          </a:prstGeom>
+          <a:solidFill>
+            <a:srgbClr val="D608CC"/>
+          </a:solidFill>
+          <a:ln>
+            <a:noFill/>
+          </a:ln>
+        </p:spPr>
+        <p:style>
+          <a:lnRef idx="2">
+            <a:schemeClr val="accent1">
+              <a:shade val="50000"/>
+            </a:schemeClr>
+          </a:lnRef>
+          <a:fillRef idx="1">
+            <a:schemeClr val="accent1"/>
+          </a:fillRef>
+          <a:effectRef idx="0">
+            <a:schemeClr val="accent1"/>
+          </a:effectRef>
+          <a:fontRef idx="minor">
+            <a:schemeClr val="lt1"/>
+          </a:fontRef>
+        </p:style>
+        <p:txBody>
+          <a:bodyPr rtlCol="0" anchor="ctr"/>
+          <a:lstStyle/>
+          <a:p>
+            <a:pPr algn="ctr"/>
+            <a:endParaRPr lang="ru-RU"/>
+          </a:p>
+        </p:txBody>
+      </p:sp>
+      <p:sp>
+        <p:nvSpPr>
+          <p:cNvPr id="6" name="Прямоугольник 5"/>
+          <p:cNvSpPr/>
+          <p:nvPr/>
+        </p:nvSpPr>
+        <p:spPr>
+          <a:xfrm>
+            <a:off x="827584" y="4820959"/>
+            <a:ext cx="4572000" cy="923330"/>
+          </a:xfrm>
+          <a:prstGeom prst="rect">
+            <a:avLst/>
+          </a:prstGeom>
+        </p:spPr>
+        <p:txBody>
+          <a:bodyPr>
+            <a:spAutoFit/>
+          </a:bodyPr>
+          <a:lstStyle/>
+          <a:p>
+            <a:r>
+              <a:rPr lang="ru-RU" dirty="0">
+                <a:solidFill>
+                  <a:schemeClr val="bg1">
+                    <a:lumMod val="95000"/>
+                  </a:schemeClr>
+                </a:solidFill>
+                <a:latin typeface="Arial" pitchFamily="34" charset="0"/>
+                <a:cs typeface="Arial" pitchFamily="34" charset="0"/>
+              </a:rPr>
+              <a:t>В справочнике аудиторий указывается номер, название, корпус, вместимость и описание.</a:t>
+            </a:r>
+          </a:p>
+        </p:txBody>
+      </p:sp>
+      <p:sp>
+        <p:nvSpPr>
+          <p:cNvPr id="7" name="Прямоугольник 6"/>
+          <p:cNvSpPr/>
+          <p:nvPr/>
+        </p:nvSpPr>
+        <p:spPr>
+          <a:xfrm>
+            <a:off x="611560" y="4820960"/>
+            <a:ext cx="45719" cy="923330"/>
+          </a:xfrm>
+          <a:prstGeom prst="rect">
+            <a:avLst/>
+          </a:prstGeom>
+          <a:solidFill>
+            <a:srgbClr val="D608CC"/>
+          </a:solidFill>
+          <a:ln>
+            <a:noFill/>
+          </a:ln>
+        </p:spPr>
+        <p:style>
+          <a:lnRef idx="2">
+            <a:schemeClr val="accent1">
+              <a:shade val="50000"/>
+            </a:schemeClr>
+          </a:lnRef>
+          <a:fillRef idx="1">
+            <a:schemeClr val="accent1"/>
+          </a:fillRef>
+          <a:effectRef idx="0">
+            <a:schemeClr val="accent1"/>
+          </a:effectRef>
+          <a:fontRef idx="minor">
+            <a:schemeClr val="lt1"/>
+          </a:fontRef>
+        </p:style>
+        <p:txBody>
+          <a:bodyPr rtlCol="0" anchor="ctr"/>
+          <a:lstStyle/>
+          <a:p>
+            <a:pPr algn="ctr"/>
+            <a:endParaRPr lang="ru-RU"/>
+          </a:p>
+        </p:txBody>
+      </p:sp>
     </p:spTree>
     <p:extLst>
       <p:ext uri="{BB962C8B-B14F-4D97-AF65-F5344CB8AC3E}">
-        <p14:creationId xmlns:p14="http://schemas.microsoft.com/office/powerpoint/2010/main" val="191485690"/>
+        <p14:creationId xmlns:p14="http://schemas.microsoft.com/office/powerpoint/2010/main" val="2941508566"/>
       </p:ext>
     </p:extLst>
   </p:cSld>
@@ -3500,88 +3685,20 @@
           <a:chExt cx="0" cy="0"/>
         </a:xfrm>
       </p:grpSpPr>
-      <p:pic>
-        <p:nvPicPr>
-          <p:cNvPr id="2" name="Рисунок 1"/>
-          <p:cNvPicPr/>
+      <p:sp>
+        <p:nvSpPr>
+          <p:cNvPr id="4" name="Прямоугольник 3"/>
+          <p:cNvSpPr/>
           <p:nvPr/>
-        </p:nvPicPr>
-        <p:blipFill rotWithShape="1">
-          <a:blip r:embed="rId2"/>
-          <a:srcRect l="21011" r="34343"/>
-          <a:stretch/>
-        </p:blipFill>
-        <p:spPr bwMode="auto">
-          <a:xfrm>
-            <a:off x="611560" y="404664"/>
-            <a:ext cx="3816424" cy="3384376"/>
+        </p:nvSpPr>
+        <p:spPr>
+          <a:xfrm>
+            <a:off x="5148064" y="404664"/>
+            <a:ext cx="3816424" cy="2800767"/>
           </a:xfrm>
           <a:prstGeom prst="rect">
             <a:avLst/>
           </a:prstGeom>
-          <a:ln>
-            <a:noFill/>
-          </a:ln>
-          <a:effectLst>
-            <a:outerShdw blurRad="190500" algn="tl" rotWithShape="0">
-              <a:srgbClr val="000000">
-                <a:alpha val="70000"/>
-              </a:srgbClr>
-            </a:outerShdw>
-          </a:effectLst>
-          <a:extLst>
-            <a:ext uri="{53640926-AAD7-44D8-BBD7-CCE9431645EC}">
-              <a14:shadowObscured xmlns:a14="http://schemas.microsoft.com/office/drawing/2010/main"/>
-            </a:ext>
-          </a:extLst>
-        </p:spPr>
-      </p:pic>
-      <p:pic>
-        <p:nvPicPr>
-          <p:cNvPr id="3" name="Рисунок 2"/>
-          <p:cNvPicPr/>
-          <p:nvPr/>
-        </p:nvPicPr>
-        <p:blipFill>
-          <a:blip r:embed="rId3"/>
-          <a:stretch>
-            <a:fillRect/>
-          </a:stretch>
-        </p:blipFill>
-        <p:spPr>
-          <a:xfrm>
-            <a:off x="5508104" y="3140968"/>
-            <a:ext cx="3096344" cy="3312368"/>
-          </a:xfrm>
-          <a:prstGeom prst="rect">
-            <a:avLst/>
-          </a:prstGeom>
-          <a:ln>
-            <a:noFill/>
-          </a:ln>
-          <a:effectLst>
-            <a:outerShdw blurRad="190500" algn="tl" rotWithShape="0">
-              <a:srgbClr val="000000">
-                <a:alpha val="70000"/>
-              </a:srgbClr>
-            </a:outerShdw>
-          </a:effectLst>
-        </p:spPr>
-      </p:pic>
-      <p:sp>
-        <p:nvSpPr>
-          <p:cNvPr id="4" name="Прямоугольник 3"/>
-          <p:cNvSpPr/>
-          <p:nvPr/>
-        </p:nvSpPr>
-        <p:spPr>
-          <a:xfrm>
-            <a:off x="5148064" y="692696"/>
-            <a:ext cx="3816424" cy="1477328"/>
-          </a:xfrm>
-          <a:prstGeom prst="rect">
-            <a:avLst/>
-          </a:prstGeom>
         </p:spPr>
         <p:txBody>
           <a:bodyPr wrap="square">
@@ -3590,16 +3707,16 @@
           <a:lstStyle/>
           <a:p>
             <a:r>
-              <a:rPr lang="ru-RU" dirty="0">
-                <a:solidFill>
-                  <a:schemeClr val="bg1">
-                    <a:lumMod val="95000"/>
-                  </a:schemeClr>
-                </a:solidFill>
-                <a:latin typeface="Arial" pitchFamily="34" charset="0"/>
-                <a:cs typeface="Arial" pitchFamily="34" charset="0"/>
-              </a:rPr>
-              <a:t>Чтобы добавить или отредактировать специальность, нужно ввести шифр, названия на русском и казахском языках и указать отделение.</a:t>
+              <a:rPr lang="ru-RU" sz="1600" dirty="0">
+                <a:solidFill>
+                  <a:schemeClr val="bg1">
+                    <a:lumMod val="95000"/>
+                  </a:schemeClr>
+                </a:solidFill>
+                <a:latin typeface="Arial" pitchFamily="34" charset="0"/>
+                <a:cs typeface="Arial" pitchFamily="34" charset="0"/>
+              </a:rPr>
+              <a:t>При редактировании дисциплины указываются название и сокращение на 2 языках и признак делимости: не формировать подгруппы, формировать всегда или только на практики. Это нужно для корректного формирования учебного плана и расписания. При нажатии кнопки «Загрузить» открывается модальное окно выбора файла для загрузки списка дисциплин.</a:t>
             </a:r>
           </a:p>
         </p:txBody>
@@ -3612,8 +3729,8 @@
         </p:nvSpPr>
         <p:spPr>
           <a:xfrm>
-            <a:off x="4932040" y="692696"/>
-            <a:ext cx="45719" cy="1477328"/>
+            <a:off x="4932040" y="476672"/>
+            <a:ext cx="45719" cy="2664296"/>
           </a:xfrm>
           <a:prstGeom prst="rect">
             <a:avLst/>
@@ -3659,7 +3776,7 @@
         <p:spPr>
           <a:xfrm>
             <a:off x="827584" y="4820959"/>
-            <a:ext cx="4572000" cy="923330"/>
+            <a:ext cx="4572000" cy="646331"/>
           </a:xfrm>
           <a:prstGeom prst="rect">
             <a:avLst/>
@@ -3681,7 +3798,7 @@
                 <a:latin typeface="Arial" pitchFamily="34" charset="0"/>
                 <a:cs typeface="Arial" pitchFamily="34" charset="0"/>
               </a:rPr>
-              <a:t>В справочнике аудиторий указывается номер, название, корпус, вместимость и описание.</a:t>
+              <a:t>Для циклов дисциплин указываются название и сокращение на 2 языках.</a:t>
             </a:r>
           </a:p>
         </p:txBody>
@@ -3695,7 +3812,7 @@
         <p:spPr>
           <a:xfrm>
             <a:off x="611560" y="4820960"/>
-            <a:ext cx="45719" cy="923330"/>
+            <a:ext cx="45719" cy="646330"/>
           </a:xfrm>
           <a:prstGeom prst="rect">
             <a:avLst/>
@@ -3732,10 +3849,74 @@
           </a:p>
         </p:txBody>
       </p:sp>
+      <p:pic>
+        <p:nvPicPr>
+          <p:cNvPr id="8" name="Рисунок 7"/>
+          <p:cNvPicPr/>
+          <p:nvPr/>
+        </p:nvPicPr>
+        <p:blipFill>
+          <a:blip r:embed="rId2"/>
+          <a:stretch>
+            <a:fillRect/>
+          </a:stretch>
+        </p:blipFill>
+        <p:spPr>
+          <a:xfrm>
+            <a:off x="805702" y="332656"/>
+            <a:ext cx="3622282" cy="4179258"/>
+          </a:xfrm>
+          <a:prstGeom prst="rect">
+            <a:avLst/>
+          </a:prstGeom>
+          <a:ln>
+            <a:noFill/>
+          </a:ln>
+          <a:effectLst>
+            <a:outerShdw blurRad="190500" algn="tl" rotWithShape="0">
+              <a:srgbClr val="000000">
+                <a:alpha val="70000"/>
+              </a:srgbClr>
+            </a:outerShdw>
+          </a:effectLst>
+        </p:spPr>
+      </p:pic>
+      <p:pic>
+        <p:nvPicPr>
+          <p:cNvPr id="9" name="Рисунок 8"/>
+          <p:cNvPicPr/>
+          <p:nvPr/>
+        </p:nvPicPr>
+        <p:blipFill>
+          <a:blip r:embed="rId3"/>
+          <a:stretch>
+            <a:fillRect/>
+          </a:stretch>
+        </p:blipFill>
+        <p:spPr>
+          <a:xfrm>
+            <a:off x="5399584" y="3501008"/>
+            <a:ext cx="3199502" cy="2973355"/>
+          </a:xfrm>
+          <a:prstGeom prst="rect">
+            <a:avLst/>
+          </a:prstGeom>
+          <a:ln>
+            <a:noFill/>
+          </a:ln>
+          <a:effectLst>
+            <a:outerShdw blurRad="190500" algn="tl" rotWithShape="0">
+              <a:srgbClr val="000000">
+                <a:alpha val="70000"/>
+              </a:srgbClr>
+            </a:outerShdw>
+          </a:effectLst>
+        </p:spPr>
+      </p:pic>
     </p:spTree>
     <p:extLst>
       <p:ext uri="{BB962C8B-B14F-4D97-AF65-F5344CB8AC3E}">
-        <p14:creationId xmlns:p14="http://schemas.microsoft.com/office/powerpoint/2010/main" val="2941508566"/>
+        <p14:creationId xmlns:p14="http://schemas.microsoft.com/office/powerpoint/2010/main" val="3169960200"/>
       </p:ext>
     </p:extLst>
   </p:cSld>
@@ -3774,50 +3955,112 @@
       </p:grpSpPr>
       <p:sp>
         <p:nvSpPr>
+          <p:cNvPr id="3" name="Прямоугольник 2"/>
+          <p:cNvSpPr/>
+          <p:nvPr/>
+        </p:nvSpPr>
+        <p:spPr>
+          <a:xfrm>
+            <a:off x="1187624" y="4391233"/>
+            <a:ext cx="7056784" cy="2062103"/>
+          </a:xfrm>
+          <a:prstGeom prst="rect">
+            <a:avLst/>
+          </a:prstGeom>
+        </p:spPr>
+        <p:txBody>
+          <a:bodyPr wrap="square">
+            <a:spAutoFit/>
+          </a:bodyPr>
+          <a:lstStyle/>
+          <a:p>
+            <a:r>
+              <a:rPr lang="ru-RU" sz="1600" dirty="0">
+                <a:solidFill>
+                  <a:schemeClr val="bg1">
+                    <a:lumMod val="95000"/>
+                  </a:schemeClr>
+                </a:solidFill>
+                <a:latin typeface="Arial" pitchFamily="34" charset="0"/>
+                <a:cs typeface="Arial" pitchFamily="34" charset="0"/>
+              </a:rPr>
+              <a:t>В разделе «Просмотр расписания» есть ссылки на основное расписание, изменения в расписании на дату и график экзаменов.</a:t>
+            </a:r>
+          </a:p>
+          <a:p>
+            <a:r>
+              <a:rPr lang="ru-RU" sz="1600" dirty="0">
+                <a:solidFill>
+                  <a:schemeClr val="bg1">
+                    <a:lumMod val="95000"/>
+                  </a:schemeClr>
+                </a:solidFill>
+                <a:latin typeface="Arial" pitchFamily="34" charset="0"/>
+                <a:cs typeface="Arial" pitchFamily="34" charset="0"/>
+              </a:rPr>
+              <a:t>На странице «Основное расписание» можно просмотреть сетку расписания, указав учебный год и семестр, также есть фильтр по отделению, курсу и языку </a:t>
+            </a:r>
+            <a:r>
+              <a:rPr lang="ru-RU" sz="1600" dirty="0" smtClean="0">
+                <a:solidFill>
+                  <a:schemeClr val="bg1">
+                    <a:lumMod val="95000"/>
+                  </a:schemeClr>
+                </a:solidFill>
+                <a:latin typeface="Arial" pitchFamily="34" charset="0"/>
+                <a:cs typeface="Arial" pitchFamily="34" charset="0"/>
+              </a:rPr>
+              <a:t>обучения. </a:t>
+            </a:r>
+            <a:r>
+              <a:rPr lang="ru-RU" sz="1600" dirty="0">
+                <a:solidFill>
+                  <a:schemeClr val="bg1">
+                    <a:lumMod val="95000"/>
+                  </a:schemeClr>
+                </a:solidFill>
+                <a:latin typeface="Arial" pitchFamily="34" charset="0"/>
+                <a:cs typeface="Arial" pitchFamily="34" charset="0"/>
+              </a:rPr>
+              <a:t>Можно просмотреть отдельно расписание группы, преподавателя или занятость аудитории. При нажатии на кнопку «Экспорт в </a:t>
+            </a:r>
+            <a:r>
+              <a:rPr lang="en-US" sz="1600" dirty="0">
+                <a:solidFill>
+                  <a:schemeClr val="bg1">
+                    <a:lumMod val="95000"/>
+                  </a:schemeClr>
+                </a:solidFill>
+                <a:latin typeface="Arial" pitchFamily="34" charset="0"/>
+                <a:cs typeface="Arial" pitchFamily="34" charset="0"/>
+              </a:rPr>
+              <a:t>Excel</a:t>
+            </a:r>
+            <a:r>
+              <a:rPr lang="ru-RU" sz="1600" dirty="0">
+                <a:solidFill>
+                  <a:schemeClr val="bg1">
+                    <a:lumMod val="95000"/>
+                  </a:schemeClr>
+                </a:solidFill>
+                <a:latin typeface="Arial" pitchFamily="34" charset="0"/>
+                <a:cs typeface="Arial" pitchFamily="34" charset="0"/>
+              </a:rPr>
+              <a:t>» будет загружен файл с сеткой расписания.</a:t>
+            </a:r>
+          </a:p>
+        </p:txBody>
+      </p:sp>
+      <p:sp>
+        <p:nvSpPr>
           <p:cNvPr id="4" name="Прямоугольник 3"/>
           <p:cNvSpPr/>
           <p:nvPr/>
         </p:nvSpPr>
         <p:spPr>
           <a:xfrm>
-            <a:off x="5148064" y="404664"/>
-            <a:ext cx="3816424" cy="2800767"/>
-          </a:xfrm>
-          <a:prstGeom prst="rect">
-            <a:avLst/>
-          </a:prstGeom>
-        </p:spPr>
-        <p:txBody>
-          <a:bodyPr wrap="square">
-            <a:spAutoFit/>
-          </a:bodyPr>
-          <a:lstStyle/>
-          <a:p>
-            <a:r>
-              <a:rPr lang="ru-RU" sz="1600" dirty="0">
-                <a:solidFill>
-                  <a:schemeClr val="bg1">
-                    <a:lumMod val="95000"/>
-                  </a:schemeClr>
-                </a:solidFill>
-                <a:latin typeface="Arial" pitchFamily="34" charset="0"/>
-                <a:cs typeface="Arial" pitchFamily="34" charset="0"/>
-              </a:rPr>
-              <a:t>При редактировании дисциплины указываются название и сокращение на 2 языках и признак делимости: не формировать подгруппы, формировать всегда или только на практики. Это нужно для корректного формирования учебного плана и расписания. При нажатии кнопки «Загрузить» открывается модальное окно выбора файла для загрузки списка дисциплин.</a:t>
-            </a:r>
-          </a:p>
-        </p:txBody>
-      </p:sp>
-      <p:sp>
-        <p:nvSpPr>
-          <p:cNvPr id="5" name="Прямоугольник 4"/>
-          <p:cNvSpPr/>
-          <p:nvPr/>
-        </p:nvSpPr>
-        <p:spPr>
-          <a:xfrm>
-            <a:off x="4932040" y="476672"/>
-            <a:ext cx="45719" cy="2664296"/>
+            <a:off x="971600" y="4391233"/>
+            <a:ext cx="45719" cy="2062103"/>
           </a:xfrm>
           <a:prstGeom prst="rect">
             <a:avLst/>
@@ -3854,91 +4097,9 @@
           </a:p>
         </p:txBody>
       </p:sp>
-      <p:sp>
-        <p:nvSpPr>
-          <p:cNvPr id="6" name="Прямоугольник 5"/>
-          <p:cNvSpPr/>
-          <p:nvPr/>
-        </p:nvSpPr>
-        <p:spPr>
-          <a:xfrm>
-            <a:off x="827584" y="4820959"/>
-            <a:ext cx="4572000" cy="646331"/>
-          </a:xfrm>
-          <a:prstGeom prst="rect">
-            <a:avLst/>
-          </a:prstGeom>
-        </p:spPr>
-        <p:txBody>
-          <a:bodyPr>
-            <a:spAutoFit/>
-          </a:bodyPr>
-          <a:lstStyle/>
-          <a:p>
-            <a:r>
-              <a:rPr lang="ru-RU" dirty="0">
-                <a:solidFill>
-                  <a:schemeClr val="bg1">
-                    <a:lumMod val="95000"/>
-                  </a:schemeClr>
-                </a:solidFill>
-                <a:latin typeface="Arial" pitchFamily="34" charset="0"/>
-                <a:cs typeface="Arial" pitchFamily="34" charset="0"/>
-              </a:rPr>
-              <a:t>Для циклов дисциплин указываются название и сокращение на 2 языках.</a:t>
-            </a:r>
-          </a:p>
-        </p:txBody>
-      </p:sp>
-      <p:sp>
-        <p:nvSpPr>
-          <p:cNvPr id="7" name="Прямоугольник 6"/>
-          <p:cNvSpPr/>
-          <p:nvPr/>
-        </p:nvSpPr>
-        <p:spPr>
-          <a:xfrm>
-            <a:off x="611560" y="4820960"/>
-            <a:ext cx="45719" cy="646330"/>
-          </a:xfrm>
-          <a:prstGeom prst="rect">
-            <a:avLst/>
-          </a:prstGeom>
-          <a:solidFill>
-            <a:srgbClr val="D608CC"/>
-          </a:solidFill>
-          <a:ln>
-            <a:noFill/>
-          </a:ln>
-        </p:spPr>
-        <p:style>
-          <a:lnRef idx="2">
-            <a:schemeClr val="accent1">
-              <a:shade val="50000"/>
-            </a:schemeClr>
-          </a:lnRef>
-          <a:fillRef idx="1">
-            <a:schemeClr val="accent1"/>
-          </a:fillRef>
-          <a:effectRef idx="0">
-            <a:schemeClr val="accent1"/>
-          </a:effectRef>
-          <a:fontRef idx="minor">
-            <a:schemeClr val="lt1"/>
-          </a:fontRef>
-        </p:style>
-        <p:txBody>
-          <a:bodyPr rtlCol="0" anchor="ctr"/>
-          <a:lstStyle/>
-          <a:p>
-            <a:pPr algn="ctr"/>
-            <a:endParaRPr lang="ru-RU"/>
-          </a:p>
-        </p:txBody>
-      </p:sp>
       <p:pic>
         <p:nvPicPr>
-          <p:cNvPr id="8" name="Рисунок 7"/>
+          <p:cNvPr id="6" name="Рисунок 5"/>
           <p:cNvPicPr/>
           <p:nvPr/>
         </p:nvPicPr>
@@ -3950,8 +4111,8 @@
         </p:blipFill>
         <p:spPr>
           <a:xfrm>
-            <a:off x="805702" y="332656"/>
-            <a:ext cx="3622282" cy="4179258"/>
+            <a:off x="966663" y="404664"/>
+            <a:ext cx="7290389" cy="3744416"/>
           </a:xfrm>
           <a:prstGeom prst="rect">
             <a:avLst/>
@@ -3968,42 +4129,10 @@
           </a:effectLst>
         </p:spPr>
       </p:pic>
-      <p:pic>
-        <p:nvPicPr>
-          <p:cNvPr id="9" name="Рисунок 8"/>
-          <p:cNvPicPr/>
-          <p:nvPr/>
-        </p:nvPicPr>
-        <p:blipFill>
-          <a:blip r:embed="rId3"/>
-          <a:stretch>
-            <a:fillRect/>
-          </a:stretch>
-        </p:blipFill>
-        <p:spPr>
-          <a:xfrm>
-            <a:off x="5399584" y="3501008"/>
-            <a:ext cx="3199502" cy="2973355"/>
-          </a:xfrm>
-          <a:prstGeom prst="rect">
-            <a:avLst/>
-          </a:prstGeom>
-          <a:ln>
-            <a:noFill/>
-          </a:ln>
-          <a:effectLst>
-            <a:outerShdw blurRad="190500" algn="tl" rotWithShape="0">
-              <a:srgbClr val="000000">
-                <a:alpha val="70000"/>
-              </a:srgbClr>
-            </a:outerShdw>
-          </a:effectLst>
-        </p:spPr>
-      </p:pic>
     </p:spTree>
     <p:extLst>
       <p:ext uri="{BB962C8B-B14F-4D97-AF65-F5344CB8AC3E}">
-        <p14:creationId xmlns:p14="http://schemas.microsoft.com/office/powerpoint/2010/main" val="3169960200"/>
+        <p14:creationId xmlns:p14="http://schemas.microsoft.com/office/powerpoint/2010/main" val="358942533"/>
       </p:ext>
     </p:extLst>
   </p:cSld>
@@ -4048,8 +4177,8 @@
         </p:nvSpPr>
         <p:spPr>
           <a:xfrm>
-            <a:off x="1187624" y="4391233"/>
-            <a:ext cx="7056784" cy="2062103"/>
+            <a:off x="1187624" y="4615967"/>
+            <a:ext cx="7056784" cy="1477328"/>
           </a:xfrm>
           <a:prstGeom prst="rect">
             <a:avLst/>
@@ -4062,78 +4191,88 @@
           <a:lstStyle/>
           <a:p>
             <a:r>
-              <a:rPr lang="ru-RU" sz="1600" dirty="0">
-                <a:solidFill>
-                  <a:schemeClr val="bg1">
-                    <a:lumMod val="95000"/>
-                  </a:schemeClr>
-                </a:solidFill>
-                <a:latin typeface="Arial" pitchFamily="34" charset="0"/>
-                <a:cs typeface="Arial" pitchFamily="34" charset="0"/>
-              </a:rPr>
-              <a:t>В разделе «Просмотр расписания» есть ссылки на основное расписание, изменения в расписании на дату и график экзаменов.</a:t>
-            </a:r>
-          </a:p>
-          <a:p>
-            <a:r>
-              <a:rPr lang="ru-RU" sz="1600" dirty="0">
-                <a:solidFill>
-                  <a:schemeClr val="bg1">
-                    <a:lumMod val="95000"/>
-                  </a:schemeClr>
-                </a:solidFill>
-                <a:latin typeface="Arial" pitchFamily="34" charset="0"/>
-                <a:cs typeface="Arial" pitchFamily="34" charset="0"/>
-              </a:rPr>
-              <a:t>На странице «Основное расписание» можно просмотреть сетку расписания, указав учебный год и семестр, также есть фильтр по отделению, курсу и языку </a:t>
-            </a:r>
-            <a:r>
-              <a:rPr lang="ru-RU" sz="1600" dirty="0" smtClean="0">
-                <a:solidFill>
-                  <a:schemeClr val="bg1">
-                    <a:lumMod val="95000"/>
-                  </a:schemeClr>
-                </a:solidFill>
-                <a:latin typeface="Arial" pitchFamily="34" charset="0"/>
-                <a:cs typeface="Arial" pitchFamily="34" charset="0"/>
-              </a:rPr>
-              <a:t>обучения. </a:t>
-            </a:r>
-            <a:r>
-              <a:rPr lang="ru-RU" sz="1600" dirty="0">
-                <a:solidFill>
-                  <a:schemeClr val="bg1">
-                    <a:lumMod val="95000"/>
-                  </a:schemeClr>
-                </a:solidFill>
-                <a:latin typeface="Arial" pitchFamily="34" charset="0"/>
-                <a:cs typeface="Arial" pitchFamily="34" charset="0"/>
-              </a:rPr>
-              <a:t>Можно просмотреть отдельно расписание группы, преподавателя или занятость аудитории. При нажатии на кнопку «Экспорт в </a:t>
-            </a:r>
-            <a:r>
-              <a:rPr lang="en-US" sz="1600" dirty="0">
-                <a:solidFill>
-                  <a:schemeClr val="bg1">
-                    <a:lumMod val="95000"/>
-                  </a:schemeClr>
-                </a:solidFill>
-                <a:latin typeface="Arial" pitchFamily="34" charset="0"/>
-                <a:cs typeface="Arial" pitchFamily="34" charset="0"/>
-              </a:rPr>
-              <a:t>Excel</a:t>
-            </a:r>
-            <a:r>
-              <a:rPr lang="ru-RU" sz="1600" dirty="0">
-                <a:solidFill>
-                  <a:schemeClr val="bg1">
-                    <a:lumMod val="95000"/>
-                  </a:schemeClr>
-                </a:solidFill>
-                <a:latin typeface="Arial" pitchFamily="34" charset="0"/>
-                <a:cs typeface="Arial" pitchFamily="34" charset="0"/>
-              </a:rPr>
-              <a:t>» будет загружен файл с сеткой расписания.</a:t>
+              <a:rPr lang="ru-RU" dirty="0">
+                <a:solidFill>
+                  <a:schemeClr val="bg1">
+                    <a:lumMod val="95000"/>
+                  </a:schemeClr>
+                </a:solidFill>
+                <a:latin typeface="Arial" pitchFamily="34" charset="0"/>
+                <a:cs typeface="Arial" pitchFamily="34" charset="0"/>
+              </a:rPr>
+              <a:t>На странице «Изменения в расписании» можно просмотреть </a:t>
+            </a:r>
+            <a:r>
+              <a:rPr lang="ru-RU" dirty="0" smtClean="0">
+                <a:solidFill>
+                  <a:schemeClr val="bg1">
+                    <a:lumMod val="95000"/>
+                  </a:schemeClr>
+                </a:solidFill>
+                <a:latin typeface="Arial" pitchFamily="34" charset="0"/>
+                <a:cs typeface="Arial" pitchFamily="34" charset="0"/>
+              </a:rPr>
+              <a:t>фактическое </a:t>
+            </a:r>
+            <a:r>
+              <a:rPr lang="ru-RU" dirty="0">
+                <a:solidFill>
+                  <a:schemeClr val="bg1">
+                    <a:lumMod val="95000"/>
+                  </a:schemeClr>
+                </a:solidFill>
+                <a:latin typeface="Arial" pitchFamily="34" charset="0"/>
+                <a:cs typeface="Arial" pitchFamily="34" charset="0"/>
+              </a:rPr>
+              <a:t>расписание на дату с учетом </a:t>
+            </a:r>
+            <a:r>
+              <a:rPr lang="ru-RU" dirty="0" smtClean="0">
+                <a:solidFill>
+                  <a:schemeClr val="bg1">
+                    <a:lumMod val="95000"/>
+                  </a:schemeClr>
+                </a:solidFill>
+                <a:latin typeface="Arial" pitchFamily="34" charset="0"/>
+                <a:cs typeface="Arial" pitchFamily="34" charset="0"/>
+              </a:rPr>
+              <a:t>изменений. </a:t>
+            </a:r>
+            <a:r>
+              <a:rPr lang="ru-RU" dirty="0">
+                <a:solidFill>
+                  <a:schemeClr val="bg1">
+                    <a:lumMod val="95000"/>
+                  </a:schemeClr>
+                </a:solidFill>
+                <a:latin typeface="Arial" pitchFamily="34" charset="0"/>
+                <a:cs typeface="Arial" pitchFamily="34" charset="0"/>
+              </a:rPr>
+              <a:t>Фильтр аналогичен основному. Также есть возможность посмотреть изменения для группы или преподавателя и распечатать или сохранить в </a:t>
+            </a:r>
+            <a:r>
+              <a:rPr lang="en-US" dirty="0">
+                <a:solidFill>
+                  <a:schemeClr val="bg1">
+                    <a:lumMod val="95000"/>
+                  </a:schemeClr>
+                </a:solidFill>
+                <a:latin typeface="Arial" pitchFamily="34" charset="0"/>
+                <a:cs typeface="Arial" pitchFamily="34" charset="0"/>
+              </a:rPr>
+              <a:t>PDF</a:t>
+            </a:r>
+            <a:r>
+              <a:rPr lang="ru-RU" dirty="0">
+                <a:solidFill>
+                  <a:schemeClr val="bg1">
+                    <a:lumMod val="95000"/>
+                  </a:schemeClr>
+                </a:solidFill>
+                <a:latin typeface="Arial" pitchFamily="34" charset="0"/>
+                <a:cs typeface="Arial" pitchFamily="34" charset="0"/>
+              </a:rPr>
+              <a:t>.</a:t>
             </a:r>
           </a:p>
         </p:txBody>
@@ -4146,8 +4285,8 @@
         </p:nvSpPr>
         <p:spPr>
           <a:xfrm>
-            <a:off x="971600" y="4391233"/>
-            <a:ext cx="45719" cy="2062103"/>
+            <a:off x="971600" y="4615968"/>
+            <a:ext cx="45719" cy="1477328"/>
           </a:xfrm>
           <a:prstGeom prst="rect">
             <a:avLst/>
@@ -4186,7 +4325,7 @@
       </p:sp>
       <p:pic>
         <p:nvPicPr>
-          <p:cNvPr id="6" name="Рисунок 5"/>
+          <p:cNvPr id="5" name="Рисунок 4"/>
           <p:cNvPicPr/>
           <p:nvPr/>
         </p:nvPicPr>
@@ -4198,8 +4337,8 @@
         </p:blipFill>
         <p:spPr>
           <a:xfrm>
-            <a:off x="966663" y="404664"/>
-            <a:ext cx="7290389" cy="3744416"/>
+            <a:off x="967284" y="667457"/>
+            <a:ext cx="7277124" cy="3625639"/>
           </a:xfrm>
           <a:prstGeom prst="rect">
             <a:avLst/>
@@ -4219,7 +4358,7 @@
     </p:spTree>
     <p:extLst>
       <p:ext uri="{BB962C8B-B14F-4D97-AF65-F5344CB8AC3E}">
-        <p14:creationId xmlns:p14="http://schemas.microsoft.com/office/powerpoint/2010/main" val="358942533"/>
+        <p14:creationId xmlns:p14="http://schemas.microsoft.com/office/powerpoint/2010/main" val="145643408"/>
       </p:ext>
     </p:extLst>
   </p:cSld>
@@ -4265,7 +4404,7 @@
         <p:spPr>
           <a:xfrm>
             <a:off x="1187624" y="4615967"/>
-            <a:ext cx="7056784" cy="1477328"/>
+            <a:ext cx="7056784" cy="923330"/>
           </a:xfrm>
           <a:prstGeom prst="rect">
             <a:avLst/>
@@ -4287,7 +4426,7 @@
                 <a:latin typeface="Arial" pitchFamily="34" charset="0"/>
                 <a:cs typeface="Arial" pitchFamily="34" charset="0"/>
               </a:rPr>
-              <a:t>На странице «Изменения в расписании» можно просмотреть </a:t>
+              <a:t>На странице «График экзаменов» можно просмотреть расписание сессии, выбрав группу и семестр, а также распечатать или сохранить </a:t>
             </a:r>
             <a:r>
               <a:rPr lang="ru-RU" dirty="0" smtClean="0">
@@ -4299,68 +4438,17 @@
                 <a:latin typeface="Arial" pitchFamily="34" charset="0"/>
                 <a:cs typeface="Arial" pitchFamily="34" charset="0"/>
               </a:rPr>
-              <a:t>фактическое </a:t>
-            </a:r>
-            <a:r>
-              <a:rPr lang="ru-RU" dirty="0">
-                <a:solidFill>
-                  <a:schemeClr val="bg1">
-                    <a:lumMod val="95000"/>
-                  </a:schemeClr>
-                </a:solidFill>
-                <a:latin typeface="Arial" pitchFamily="34" charset="0"/>
-                <a:cs typeface="Arial" pitchFamily="34" charset="0"/>
-              </a:rPr>
-              <a:t>расписание на дату с учетом </a:t>
-            </a:r>
-            <a:r>
-              <a:rPr lang="ru-RU" dirty="0" smtClean="0">
-                <a:solidFill>
-                  <a:schemeClr val="bg1">
-                    <a:lumMod val="95000"/>
-                  </a:schemeClr>
-                </a:solidFill>
-                <a:latin typeface="Arial" pitchFamily="34" charset="0"/>
-                <a:cs typeface="Arial" pitchFamily="34" charset="0"/>
-              </a:rPr>
-              <a:t>изменений. </a:t>
-            </a:r>
-            <a:r>
-              <a:rPr lang="ru-RU" dirty="0">
-                <a:solidFill>
-                  <a:schemeClr val="bg1">
-                    <a:lumMod val="95000"/>
-                  </a:schemeClr>
-                </a:solidFill>
-                <a:latin typeface="Arial" pitchFamily="34" charset="0"/>
-                <a:cs typeface="Arial" pitchFamily="34" charset="0"/>
-              </a:rPr>
-              <a:t>Фильтр аналогичен основному. Также есть возможность посмотреть изменения для группы или преподавателя и распечатать или сохранить в </a:t>
-            </a:r>
-            <a:r>
-              <a:rPr lang="en-US" dirty="0">
-                <a:solidFill>
-                  <a:schemeClr val="bg1">
-                    <a:lumMod val="95000"/>
-                  </a:schemeClr>
-                </a:solidFill>
-                <a:latin typeface="Arial" pitchFamily="34" charset="0"/>
-                <a:cs typeface="Arial" pitchFamily="34" charset="0"/>
-              </a:rPr>
-              <a:t>PDF</a:t>
-            </a:r>
-            <a:r>
-              <a:rPr lang="ru-RU" dirty="0">
-                <a:solidFill>
-                  <a:schemeClr val="bg1">
-                    <a:lumMod val="95000"/>
-                  </a:schemeClr>
-                </a:solidFill>
-                <a:latin typeface="Arial" pitchFamily="34" charset="0"/>
-                <a:cs typeface="Arial" pitchFamily="34" charset="0"/>
-              </a:rPr>
               <a:t>.</a:t>
             </a:r>
+            <a:endParaRPr lang="ru-RU" dirty="0">
+              <a:solidFill>
+                <a:schemeClr val="bg1">
+                  <a:lumMod val="95000"/>
+                </a:schemeClr>
+              </a:solidFill>
+              <a:latin typeface="Arial" pitchFamily="34" charset="0"/>
+              <a:cs typeface="Arial" pitchFamily="34" charset="0"/>
+            </a:endParaRPr>
           </a:p>
         </p:txBody>
       </p:sp>
@@ -4373,7 +4461,7 @@
         <p:spPr>
           <a:xfrm>
             <a:off x="971600" y="4615968"/>
-            <a:ext cx="45719" cy="1477328"/>
+            <a:ext cx="45719" cy="923329"/>
           </a:xfrm>
           <a:prstGeom prst="rect">
             <a:avLst/>
@@ -4412,20 +4500,19 @@
       </p:sp>
       <p:pic>
         <p:nvPicPr>
-          <p:cNvPr id="5" name="Рисунок 4"/>
+          <p:cNvPr id="6" name="Рисунок 5"/>
           <p:cNvPicPr/>
           <p:nvPr/>
         </p:nvPicPr>
-        <p:blipFill>
+        <p:blipFill rotWithShape="1">
           <a:blip r:embed="rId2"/>
-          <a:stretch>
-            <a:fillRect/>
-          </a:stretch>
+          <a:srcRect b="4016"/>
+          <a:stretch/>
         </p:blipFill>
-        <p:spPr>
-          <a:xfrm>
-            <a:off x="967284" y="667457"/>
-            <a:ext cx="7277124" cy="3625639"/>
+        <p:spPr bwMode="auto">
+          <a:xfrm>
+            <a:off x="971601" y="776904"/>
+            <a:ext cx="7272808" cy="3372176"/>
           </a:xfrm>
           <a:prstGeom prst="rect">
             <a:avLst/>
@@ -4440,12 +4527,17 @@
               </a:srgbClr>
             </a:outerShdw>
           </a:effectLst>
+          <a:extLst>
+            <a:ext uri="{53640926-AAD7-44D8-BBD7-CCE9431645EC}">
+              <a14:shadowObscured xmlns:a14="http://schemas.microsoft.com/office/drawing/2010/main"/>
+            </a:ext>
+          </a:extLst>
         </p:spPr>
       </p:pic>
     </p:spTree>
     <p:extLst>
       <p:ext uri="{BB962C8B-B14F-4D97-AF65-F5344CB8AC3E}">
-        <p14:creationId xmlns:p14="http://schemas.microsoft.com/office/powerpoint/2010/main" val="145643408"/>
+        <p14:creationId xmlns:p14="http://schemas.microsoft.com/office/powerpoint/2010/main" val="1034410769"/>
       </p:ext>
     </p:extLst>
   </p:cSld>
@@ -4490,8 +4582,8 @@
         </p:nvSpPr>
         <p:spPr>
           <a:xfrm>
-            <a:off x="1187624" y="4615967"/>
-            <a:ext cx="7056784" cy="923330"/>
+            <a:off x="1187624" y="4149080"/>
+            <a:ext cx="7056784" cy="2554545"/>
           </a:xfrm>
           <a:prstGeom prst="rect">
             <a:avLst/>
@@ -4504,38 +4596,41 @@
           <a:lstStyle/>
           <a:p>
             <a:r>
-              <a:rPr lang="ru-RU" dirty="0">
-                <a:solidFill>
-                  <a:schemeClr val="bg1">
-                    <a:lumMod val="95000"/>
-                  </a:schemeClr>
-                </a:solidFill>
-                <a:latin typeface="Arial" pitchFamily="34" charset="0"/>
-                <a:cs typeface="Arial" pitchFamily="34" charset="0"/>
-              </a:rPr>
-              <a:t>На странице «График экзаменов» можно просмотреть расписание сессии, выбрав группу и семестр, а также распечатать или сохранить </a:t>
-            </a:r>
-            <a:r>
-              <a:rPr lang="ru-RU" dirty="0" smtClean="0">
-                <a:solidFill>
-                  <a:schemeClr val="bg1">
-                    <a:lumMod val="95000"/>
-                  </a:schemeClr>
-                </a:solidFill>
-                <a:latin typeface="Arial" pitchFamily="34" charset="0"/>
-                <a:cs typeface="Arial" pitchFamily="34" charset="0"/>
-              </a:rPr>
-              <a:t>.</a:t>
-            </a:r>
-            <a:endParaRPr lang="ru-RU" dirty="0">
-              <a:solidFill>
-                <a:schemeClr val="bg1">
-                  <a:lumMod val="95000"/>
-                </a:schemeClr>
-              </a:solidFill>
-              <a:latin typeface="Arial" pitchFamily="34" charset="0"/>
-              <a:cs typeface="Arial" pitchFamily="34" charset="0"/>
-            </a:endParaRPr>
+              <a:rPr lang="ru-RU" sz="1600" dirty="0">
+                <a:solidFill>
+                  <a:schemeClr val="bg1">
+                    <a:lumMod val="95000"/>
+                  </a:schemeClr>
+                </a:solidFill>
+                <a:latin typeface="Arial" pitchFamily="34" charset="0"/>
+                <a:cs typeface="Arial" pitchFamily="34" charset="0"/>
+              </a:rPr>
+              <a:t>В левой части окна отображается список изучаемых дисциплин, в правой – сетка расписания. Дисциплины перетаскиваются мышкой в нужную ячейку таблицы, при делении на числитель/знаменатель ячейку можно разбить. Для назначения кабинета необходимо кликнуть по его ячейке и выбрать кабинет в модальном окне. При формировании расписания показывается количество часов в неделю по плану и количество назначенных в расписание, таким образом, по мере распределения по дням дисциплины пропадают из списка. Если при назначении в расписание возникает наложение, выдается </a:t>
+            </a:r>
+            <a:r>
+              <a:rPr lang="ru-RU" sz="1600" dirty="0" smtClean="0">
+                <a:solidFill>
+                  <a:schemeClr val="bg1">
+                    <a:lumMod val="95000"/>
+                  </a:schemeClr>
+                </a:solidFill>
+                <a:latin typeface="Arial" pitchFamily="34" charset="0"/>
+                <a:cs typeface="Arial" pitchFamily="34" charset="0"/>
+              </a:rPr>
+              <a:t>соответствующее </a:t>
+            </a:r>
+            <a:r>
+              <a:rPr lang="ru-RU" sz="1600" dirty="0">
+                <a:solidFill>
+                  <a:schemeClr val="bg1">
+                    <a:lumMod val="95000"/>
+                  </a:schemeClr>
+                </a:solidFill>
+                <a:latin typeface="Arial" pitchFamily="34" charset="0"/>
+                <a:cs typeface="Arial" pitchFamily="34" charset="0"/>
+              </a:rPr>
+              <a:t>сообщение. Также проверяется занятость кабинетов.</a:t>
+            </a:r>
           </a:p>
         </p:txBody>
       </p:sp>
@@ -4547,8 +4642,8 @@
         </p:nvSpPr>
         <p:spPr>
           <a:xfrm>
-            <a:off x="971600" y="4615968"/>
-            <a:ext cx="45719" cy="923329"/>
+            <a:off x="971600" y="4149081"/>
+            <a:ext cx="45719" cy="2554544"/>
           </a:xfrm>
           <a:prstGeom prst="rect">
             <a:avLst/>
@@ -4587,19 +4682,20 @@
       </p:sp>
       <p:pic>
         <p:nvPicPr>
-          <p:cNvPr id="6" name="Рисунок 5"/>
+          <p:cNvPr id="5" name="Рисунок 4"/>
           <p:cNvPicPr/>
           <p:nvPr/>
         </p:nvPicPr>
-        <p:blipFill rotWithShape="1">
+        <p:blipFill>
           <a:blip r:embed="rId2"/>
-          <a:srcRect b="4016"/>
-          <a:stretch/>
+          <a:stretch>
+            <a:fillRect/>
+          </a:stretch>
         </p:blipFill>
-        <p:spPr bwMode="auto">
-          <a:xfrm>
-            <a:off x="971601" y="776904"/>
-            <a:ext cx="7272808" cy="3372176"/>
+        <p:spPr>
+          <a:xfrm>
+            <a:off x="971600" y="404664"/>
+            <a:ext cx="7272808" cy="3648818"/>
           </a:xfrm>
           <a:prstGeom prst="rect">
             <a:avLst/>
@@ -4614,17 +4710,12 @@
               </a:srgbClr>
             </a:outerShdw>
           </a:effectLst>
-          <a:extLst>
-            <a:ext uri="{53640926-AAD7-44D8-BBD7-CCE9431645EC}">
-              <a14:shadowObscured xmlns:a14="http://schemas.microsoft.com/office/drawing/2010/main"/>
-            </a:ext>
-          </a:extLst>
         </p:spPr>
       </p:pic>
     </p:spTree>
     <p:extLst>
       <p:ext uri="{BB962C8B-B14F-4D97-AF65-F5344CB8AC3E}">
-        <p14:creationId xmlns:p14="http://schemas.microsoft.com/office/powerpoint/2010/main" val="1034410769"/>
+        <p14:creationId xmlns:p14="http://schemas.microsoft.com/office/powerpoint/2010/main" val="1728716941"/>
       </p:ext>
     </p:extLst>
   </p:cSld>
@@ -4669,8 +4760,8 @@
         </p:nvSpPr>
         <p:spPr>
           <a:xfrm>
-            <a:off x="1187624" y="4149080"/>
-            <a:ext cx="7056784" cy="2554545"/>
+            <a:off x="1187624" y="4402847"/>
+            <a:ext cx="7056784" cy="1477328"/>
           </a:xfrm>
           <a:prstGeom prst="rect">
             <a:avLst/>
@@ -4683,40 +4774,42 @@
           <a:lstStyle/>
           <a:p>
             <a:r>
-              <a:rPr lang="ru-RU" sz="1600" dirty="0">
-                <a:solidFill>
-                  <a:schemeClr val="bg1">
-                    <a:lumMod val="95000"/>
-                  </a:schemeClr>
-                </a:solidFill>
-                <a:latin typeface="Arial" pitchFamily="34" charset="0"/>
-                <a:cs typeface="Arial" pitchFamily="34" charset="0"/>
-              </a:rPr>
-              <a:t>В левой части окна отображается список изучаемых дисциплин, в правой – сетка расписания. Дисциплины перетаскиваются мышкой в нужную ячейку таблицы, при делении на числитель/знаменатель ячейку можно разбить. Для назначения кабинета необходимо кликнуть по его ячейке и выбрать кабинет в модальном окне. При формировании расписания показывается количество часов в неделю по плану и количество назначенных в расписание, таким образом, по мере распределения по дням дисциплины пропадают из списка. Если при назначении в расписание возникает наложение, выдается </a:t>
-            </a:r>
-            <a:r>
-              <a:rPr lang="ru-RU" sz="1600" dirty="0" smtClean="0">
-                <a:solidFill>
-                  <a:schemeClr val="bg1">
-                    <a:lumMod val="95000"/>
-                  </a:schemeClr>
-                </a:solidFill>
-                <a:latin typeface="Arial" pitchFamily="34" charset="0"/>
-                <a:cs typeface="Arial" pitchFamily="34" charset="0"/>
-              </a:rPr>
-              <a:t>соответствующее </a:t>
-            </a:r>
-            <a:r>
-              <a:rPr lang="ru-RU" sz="1600" dirty="0">
-                <a:solidFill>
-                  <a:schemeClr val="bg1">
-                    <a:lumMod val="95000"/>
-                  </a:schemeClr>
-                </a:solidFill>
-                <a:latin typeface="Arial" pitchFamily="34" charset="0"/>
-                <a:cs typeface="Arial" pitchFamily="34" charset="0"/>
-              </a:rPr>
-              <a:t>сообщение. Также проверяется занятость кабинетов.</a:t>
+              <a:rPr lang="ru-RU" dirty="0">
+                <a:solidFill>
+                  <a:schemeClr val="bg1">
+                    <a:lumMod val="95000"/>
+                  </a:schemeClr>
+                </a:solidFill>
+                <a:latin typeface="Arial" pitchFamily="34" charset="0"/>
+                <a:cs typeface="Arial" pitchFamily="34" charset="0"/>
+              </a:rPr>
+              <a:t>На странице «Изменения в расписании» можно внести изменения на определенную дату </a:t>
+            </a:r>
+            <a:r>
+              <a:rPr lang="ru-RU" dirty="0" smtClean="0">
+                <a:solidFill>
+                  <a:schemeClr val="bg1">
+                    <a:lumMod val="95000"/>
+                  </a:schemeClr>
+                </a:solidFill>
+                <a:latin typeface="Arial" pitchFamily="34" charset="0"/>
+                <a:cs typeface="Arial" pitchFamily="34" charset="0"/>
+              </a:rPr>
+              <a:t>.</a:t>
+            </a:r>
+          </a:p>
+          <a:p>
+            <a:r>
+              <a:rPr lang="ru-RU" dirty="0">
+                <a:solidFill>
+                  <a:schemeClr val="bg1">
+                    <a:lumMod val="95000"/>
+                  </a:schemeClr>
+                </a:solidFill>
+                <a:latin typeface="Arial" pitchFamily="34" charset="0"/>
+                <a:cs typeface="Arial" pitchFamily="34" charset="0"/>
+              </a:rPr>
+              <a:t>Весь функционал аналогичен основному, также можно заменить преподавателя, кликнув по имени и выбрав нужного в модальном окне.</a:t>
             </a:r>
           </a:p>
         </p:txBody>
@@ -4729,8 +4822,8 @@
         </p:nvSpPr>
         <p:spPr>
           <a:xfrm>
-            <a:off x="971600" y="4149081"/>
-            <a:ext cx="45719" cy="2554544"/>
+            <a:off x="971600" y="4402848"/>
+            <a:ext cx="45719" cy="1477327"/>
           </a:xfrm>
           <a:prstGeom prst="rect">
             <a:avLst/>
@@ -4769,7 +4862,7 @@
       </p:sp>
       <p:pic>
         <p:nvPicPr>
-          <p:cNvPr id="5" name="Рисунок 4"/>
+          <p:cNvPr id="6" name="Рисунок 5"/>
           <p:cNvPicPr/>
           <p:nvPr/>
         </p:nvPicPr>
@@ -4781,8 +4874,8 @@
         </p:blipFill>
         <p:spPr>
           <a:xfrm>
-            <a:off x="971600" y="404664"/>
-            <a:ext cx="7272808" cy="3648818"/>
+            <a:off x="953166" y="548680"/>
+            <a:ext cx="7291242" cy="3579533"/>
           </a:xfrm>
           <a:prstGeom prst="rect">
             <a:avLst/>
@@ -4802,7 +4895,7 @@
     </p:spTree>
     <p:extLst>
       <p:ext uri="{BB962C8B-B14F-4D97-AF65-F5344CB8AC3E}">
-        <p14:creationId xmlns:p14="http://schemas.microsoft.com/office/powerpoint/2010/main" val="1728716941"/>
+        <p14:creationId xmlns:p14="http://schemas.microsoft.com/office/powerpoint/2010/main" val="2713284453"/>
       </p:ext>
     </p:extLst>
   </p:cSld>
@@ -4847,8 +4940,8 @@
         </p:nvSpPr>
         <p:spPr>
           <a:xfrm>
-            <a:off x="1187624" y="4402847"/>
-            <a:ext cx="7056784" cy="1477328"/>
+            <a:off x="1187624" y="4532926"/>
+            <a:ext cx="7056784" cy="1200329"/>
           </a:xfrm>
           <a:prstGeom prst="rect">
             <a:avLst/>
@@ -4870,7 +4963,7 @@
                 <a:latin typeface="Arial" pitchFamily="34" charset="0"/>
                 <a:cs typeface="Arial" pitchFamily="34" charset="0"/>
               </a:rPr>
-              <a:t>На странице «Изменения в расписании» можно внести изменения на определенную дату </a:t>
+              <a:t>На странице «График экзаменов» назначаются даты, время и кабинет для экзаменов и </a:t>
             </a:r>
             <a:r>
               <a:rPr lang="ru-RU" dirty="0" smtClean="0">
@@ -4882,10 +4975,8 @@
                 <a:latin typeface="Arial" pitchFamily="34" charset="0"/>
                 <a:cs typeface="Arial" pitchFamily="34" charset="0"/>
               </a:rPr>
-              <a:t>.</a:t>
-            </a:r>
-          </a:p>
-          <a:p>
+              <a:t>консультаций. </a:t>
+            </a:r>
             <a:r>
               <a:rPr lang="ru-RU" dirty="0">
                 <a:solidFill>
@@ -4896,7 +4987,7 @@
                 <a:latin typeface="Arial" pitchFamily="34" charset="0"/>
                 <a:cs typeface="Arial" pitchFamily="34" charset="0"/>
               </a:rPr>
-              <a:t>Весь функционал аналогичен основному, также можно заменить преподавателя, кликнув по имени и выбрав нужного в модальном окне.</a:t>
+              <a:t>Необходимо выбрать группу и семестр и отобразятся дисциплины, по которым будет экзамен.</a:t>
             </a:r>
           </a:p>
         </p:txBody>
@@ -4909,8 +5000,8 @@
         </p:nvSpPr>
         <p:spPr>
           <a:xfrm>
-            <a:off x="971600" y="4402848"/>
-            <a:ext cx="45719" cy="1477327"/>
+            <a:off x="971600" y="4532928"/>
+            <a:ext cx="45719" cy="1200328"/>
           </a:xfrm>
           <a:prstGeom prst="rect">
             <a:avLst/>
@@ -4949,7 +5040,7 @@
       </p:sp>
       <p:pic>
         <p:nvPicPr>
-          <p:cNvPr id="6" name="Рисунок 5"/>
+          <p:cNvPr id="5" name="Рисунок 4"/>
           <p:cNvPicPr/>
           <p:nvPr/>
         </p:nvPicPr>
@@ -4961,8 +5052,8 @@
         </p:blipFill>
         <p:spPr>
           <a:xfrm>
-            <a:off x="953166" y="548680"/>
-            <a:ext cx="7291242" cy="3579533"/>
+            <a:off x="995172" y="756348"/>
+            <a:ext cx="7249236" cy="3536748"/>
           </a:xfrm>
           <a:prstGeom prst="rect">
             <a:avLst/>
@@ -4982,7 +5073,7 @@
     </p:spTree>
     <p:extLst>
       <p:ext uri="{BB962C8B-B14F-4D97-AF65-F5344CB8AC3E}">
-        <p14:creationId xmlns:p14="http://schemas.microsoft.com/office/powerpoint/2010/main" val="2713284453"/>
+        <p14:creationId xmlns:p14="http://schemas.microsoft.com/office/powerpoint/2010/main" val="3951755520"/>
       </p:ext>
     </p:extLst>
   </p:cSld>
@@ -5027,8 +5118,8 @@
         </p:nvSpPr>
         <p:spPr>
           <a:xfrm>
-            <a:off x="1187624" y="4532926"/>
-            <a:ext cx="7056784" cy="1200329"/>
+            <a:off x="1187624" y="4149080"/>
+            <a:ext cx="7056784" cy="1754326"/>
           </a:xfrm>
           <a:prstGeom prst="rect">
             <a:avLst/>
@@ -5050,7 +5141,7 @@
                 <a:latin typeface="Arial" pitchFamily="34" charset="0"/>
                 <a:cs typeface="Arial" pitchFamily="34" charset="0"/>
               </a:rPr>
-              <a:t>На странице «График экзаменов» назначаются даты, время и кабинет для экзаменов и </a:t>
+              <a:t>В разделе меню «Выходные данные» находятся ссылки на выходные документы. Для загрузки Формы 2 нужно выбрать группу, учебный год, семестр и месяц. Для Формы 3 выбирается преподаватель и учебный год. Для просмотра и скачивания нагрузки преподавателя нужно также выбрать ФИО и учебный </a:t>
             </a:r>
             <a:r>
               <a:rPr lang="ru-RU" dirty="0" smtClean="0">
@@ -5062,20 +5153,17 @@
                 <a:latin typeface="Arial" pitchFamily="34" charset="0"/>
                 <a:cs typeface="Arial" pitchFamily="34" charset="0"/>
               </a:rPr>
-              <a:t>консультаций. </a:t>
-            </a:r>
-            <a:r>
-              <a:rPr lang="ru-RU" dirty="0">
-                <a:solidFill>
-                  <a:schemeClr val="bg1">
-                    <a:lumMod val="95000"/>
-                  </a:schemeClr>
-                </a:solidFill>
-                <a:latin typeface="Arial" pitchFamily="34" charset="0"/>
-                <a:cs typeface="Arial" pitchFamily="34" charset="0"/>
-              </a:rPr>
-              <a:t>Необходимо выбрать группу и семестр и отобразятся дисциплины, по которым будет экзамен.</a:t>
-            </a:r>
+              <a:t>год.</a:t>
+            </a:r>
+            <a:endParaRPr lang="ru-RU" dirty="0">
+              <a:solidFill>
+                <a:schemeClr val="bg1">
+                  <a:lumMod val="95000"/>
+                </a:schemeClr>
+              </a:solidFill>
+              <a:latin typeface="Arial" pitchFamily="34" charset="0"/>
+              <a:cs typeface="Arial" pitchFamily="34" charset="0"/>
+            </a:endParaRPr>
           </a:p>
         </p:txBody>
       </p:sp>
@@ -5087,8 +5175,8 @@
         </p:nvSpPr>
         <p:spPr>
           <a:xfrm>
-            <a:off x="971600" y="4532928"/>
-            <a:ext cx="45719" cy="1200328"/>
+            <a:off x="971600" y="4149082"/>
+            <a:ext cx="45719" cy="1754324"/>
           </a:xfrm>
           <a:prstGeom prst="rect">
             <a:avLst/>
@@ -5127,7 +5215,7 @@
       </p:sp>
       <p:pic>
         <p:nvPicPr>
-          <p:cNvPr id="5" name="Рисунок 4"/>
+          <p:cNvPr id="6" name="Рисунок 5"/>
           <p:cNvPicPr/>
           <p:nvPr/>
         </p:nvPicPr>
@@ -5139,8 +5227,8 @@
         </p:blipFill>
         <p:spPr>
           <a:xfrm>
-            <a:off x="995172" y="756348"/>
-            <a:ext cx="7249236" cy="3536748"/>
+            <a:off x="971600" y="908720"/>
+            <a:ext cx="7416726" cy="2664296"/>
           </a:xfrm>
           <a:prstGeom prst="rect">
             <a:avLst/>
@@ -5160,7 +5248,7 @@
     </p:spTree>
     <p:extLst>
       <p:ext uri="{BB962C8B-B14F-4D97-AF65-F5344CB8AC3E}">
-        <p14:creationId xmlns:p14="http://schemas.microsoft.com/office/powerpoint/2010/main" val="3951755520"/>
+        <p14:creationId xmlns:p14="http://schemas.microsoft.com/office/powerpoint/2010/main" val="2126528307"/>
       </p:ext>
     </p:extLst>
   </p:cSld>
@@ -5206,7 +5294,7 @@
         <p:spPr>
           <a:xfrm>
             <a:off x="1187624" y="4149080"/>
-            <a:ext cx="7056784" cy="1754326"/>
+            <a:ext cx="7056784" cy="2031325"/>
           </a:xfrm>
           <a:prstGeom prst="rect">
             <a:avLst/>
@@ -5228,7 +5316,7 @@
                 <a:latin typeface="Arial" pitchFamily="34" charset="0"/>
                 <a:cs typeface="Arial" pitchFamily="34" charset="0"/>
               </a:rPr>
-              <a:t>В разделе меню «Выходные данные» находятся ссылки на выходные документы. Для загрузки Формы 2 нужно выбрать группу, учебный год, семестр и месяц. Для Формы 3 выбирается преподаватель и учебный год. Для просмотра и скачивания нагрузки преподавателя нужно также выбрать ФИО и учебный </a:t>
+              <a:t>На странице «Рабочий учебный план» формируется учебный план группы на весь период </a:t>
             </a:r>
             <a:r>
               <a:rPr lang="ru-RU" dirty="0" smtClean="0">
@@ -5240,7 +5328,33 @@
                 <a:latin typeface="Arial" pitchFamily="34" charset="0"/>
                 <a:cs typeface="Arial" pitchFamily="34" charset="0"/>
               </a:rPr>
-              <a:t>год.</a:t>
+              <a:t>обучения.</a:t>
+            </a:r>
+          </a:p>
+          <a:p>
+            <a:r>
+              <a:rPr lang="ru-RU" dirty="0">
+                <a:solidFill>
+                  <a:schemeClr val="bg1">
+                    <a:lumMod val="95000"/>
+                  </a:schemeClr>
+                </a:solidFill>
+                <a:latin typeface="Arial" pitchFamily="34" charset="0"/>
+                <a:cs typeface="Arial" pitchFamily="34" charset="0"/>
+              </a:rPr>
+              <a:t>Для импорта плана из файла необходимо нажать «Загрузить» и выбрать файл для загрузки. Для копирования из существующего плана нужно нажать «Добавить копированием» и выбрать нужный план. Для ручного добавления дисциплины нажать «Добавить» и заполнить форму</a:t>
+            </a:r>
+            <a:r>
+              <a:rPr lang="ru-RU" dirty="0" smtClean="0">
+                <a:solidFill>
+                  <a:schemeClr val="bg1">
+                    <a:lumMod val="95000"/>
+                  </a:schemeClr>
+                </a:solidFill>
+                <a:latin typeface="Arial" pitchFamily="34" charset="0"/>
+                <a:cs typeface="Arial" pitchFamily="34" charset="0"/>
+              </a:rPr>
+              <a:t>.</a:t>
             </a:r>
             <a:endParaRPr lang="ru-RU" dirty="0">
               <a:solidFill>
@@ -5262,8 +5376,8 @@
         </p:nvSpPr>
         <p:spPr>
           <a:xfrm>
-            <a:off x="971600" y="4149082"/>
-            <a:ext cx="45719" cy="1754324"/>
+            <a:off x="971600" y="4149081"/>
+            <a:ext cx="45719" cy="2031323"/>
           </a:xfrm>
           <a:prstGeom prst="rect">
             <a:avLst/>
@@ -5302,20 +5416,19 @@
       </p:sp>
       <p:pic>
         <p:nvPicPr>
-          <p:cNvPr id="6" name="Рисунок 5"/>
+          <p:cNvPr id="5" name="Рисунок 4"/>
           <p:cNvPicPr/>
           <p:nvPr/>
         </p:nvPicPr>
-        <p:blipFill>
+        <p:blipFill rotWithShape="1">
           <a:blip r:embed="rId2"/>
-          <a:stretch>
-            <a:fillRect/>
-          </a:stretch>
+          <a:srcRect r="1381"/>
+          <a:stretch/>
         </p:blipFill>
-        <p:spPr>
-          <a:xfrm>
-            <a:off x="971600" y="908720"/>
-            <a:ext cx="7416726" cy="2664296"/>
+        <p:spPr bwMode="auto">
+          <a:xfrm>
+            <a:off x="971600" y="476672"/>
+            <a:ext cx="7257966" cy="3240360"/>
           </a:xfrm>
           <a:prstGeom prst="rect">
             <a:avLst/>
@@ -5330,12 +5443,17 @@
               </a:srgbClr>
             </a:outerShdw>
           </a:effectLst>
+          <a:extLst>
+            <a:ext uri="{53640926-AAD7-44D8-BBD7-CCE9431645EC}">
+              <a14:shadowObscured xmlns:a14="http://schemas.microsoft.com/office/drawing/2010/main"/>
+            </a:ext>
+          </a:extLst>
         </p:spPr>
       </p:pic>
     </p:spTree>
     <p:extLst>
       <p:ext uri="{BB962C8B-B14F-4D97-AF65-F5344CB8AC3E}">
-        <p14:creationId xmlns:p14="http://schemas.microsoft.com/office/powerpoint/2010/main" val="2126528307"/>
+        <p14:creationId xmlns:p14="http://schemas.microsoft.com/office/powerpoint/2010/main" val="4211903438"/>
       </p:ext>
     </p:extLst>
   </p:cSld>
@@ -5540,8 +5658,8 @@
         </p:nvSpPr>
         <p:spPr>
           <a:xfrm>
-            <a:off x="1187624" y="4149080"/>
-            <a:ext cx="7056784" cy="2031325"/>
+            <a:off x="1187624" y="4581128"/>
+            <a:ext cx="7056784" cy="1477328"/>
           </a:xfrm>
           <a:prstGeom prst="rect">
             <a:avLst/>
@@ -5563,7 +5681,7 @@
                 <a:latin typeface="Arial" pitchFamily="34" charset="0"/>
                 <a:cs typeface="Arial" pitchFamily="34" charset="0"/>
               </a:rPr>
-              <a:t>На странице «Рабочий учебный план» формируется учебный план группы на весь период </a:t>
+              <a:t>Для пунктов плана доступно редактирование формы контроля, количества недель практики, распределение часов по видам занятий. Для редактирования нужно нажать на строку таблицы, изменить значения и </a:t>
             </a:r>
             <a:r>
               <a:rPr lang="ru-RU" dirty="0" smtClean="0">
@@ -5575,10 +5693,8 @@
                 <a:latin typeface="Arial" pitchFamily="34" charset="0"/>
                 <a:cs typeface="Arial" pitchFamily="34" charset="0"/>
               </a:rPr>
-              <a:t>обучения.</a:t>
-            </a:r>
-          </a:p>
-          <a:p>
+              <a:t>сохранить. </a:t>
+            </a:r>
             <a:r>
               <a:rPr lang="ru-RU" dirty="0">
                 <a:solidFill>
@@ -5589,29 +5705,8 @@
                 <a:latin typeface="Arial" pitchFamily="34" charset="0"/>
                 <a:cs typeface="Arial" pitchFamily="34" charset="0"/>
               </a:rPr>
-              <a:t>Для импорта плана из файла необходимо нажать «Загрузить» и выбрать файл для загрузки. Для копирования из существующего плана нужно нажать «Добавить копированием» и выбрать нужный план. Для ручного добавления дисциплины нажать «Добавить» и заполнить форму</a:t>
-            </a:r>
-            <a:r>
-              <a:rPr lang="ru-RU" dirty="0" smtClean="0">
-                <a:solidFill>
-                  <a:schemeClr val="bg1">
-                    <a:lumMod val="95000"/>
-                  </a:schemeClr>
-                </a:solidFill>
-                <a:latin typeface="Arial" pitchFamily="34" charset="0"/>
-                <a:cs typeface="Arial" pitchFamily="34" charset="0"/>
-              </a:rPr>
-              <a:t>.</a:t>
-            </a:r>
-            <a:endParaRPr lang="ru-RU" dirty="0">
-              <a:solidFill>
-                <a:schemeClr val="bg1">
-                  <a:lumMod val="95000"/>
-                </a:schemeClr>
-              </a:solidFill>
-              <a:latin typeface="Arial" pitchFamily="34" charset="0"/>
-              <a:cs typeface="Arial" pitchFamily="34" charset="0"/>
-            </a:endParaRPr>
+              <a:t>Сумма часов автоматически подсчитывается.</a:t>
+            </a:r>
           </a:p>
         </p:txBody>
       </p:sp>
@@ -5623,8 +5718,8 @@
         </p:nvSpPr>
         <p:spPr>
           <a:xfrm>
-            <a:off x="971600" y="4149081"/>
-            <a:ext cx="45719" cy="2031323"/>
+            <a:off x="971600" y="4581129"/>
+            <a:ext cx="45719" cy="1477327"/>
           </a:xfrm>
           <a:prstGeom prst="rect">
             <a:avLst/>
@@ -5663,19 +5758,20 @@
       </p:sp>
       <p:pic>
         <p:nvPicPr>
-          <p:cNvPr id="5" name="Рисунок 4"/>
+          <p:cNvPr id="6" name="Рисунок 5"/>
           <p:cNvPicPr/>
           <p:nvPr/>
         </p:nvPicPr>
-        <p:blipFill rotWithShape="1">
+        <p:blipFill>
           <a:blip r:embed="rId2"/>
-          <a:srcRect r="1381"/>
-          <a:stretch/>
+          <a:stretch>
+            <a:fillRect/>
+          </a:stretch>
         </p:blipFill>
-        <p:spPr bwMode="auto">
-          <a:xfrm>
-            <a:off x="971600" y="476672"/>
-            <a:ext cx="7257966" cy="3240360"/>
+        <p:spPr>
+          <a:xfrm>
+            <a:off x="1017318" y="692695"/>
+            <a:ext cx="7155082" cy="3629833"/>
           </a:xfrm>
           <a:prstGeom prst="rect">
             <a:avLst/>
@@ -5690,17 +5786,12 @@
               </a:srgbClr>
             </a:outerShdw>
           </a:effectLst>
-          <a:extLst>
-            <a:ext uri="{53640926-AAD7-44D8-BBD7-CCE9431645EC}">
-              <a14:shadowObscured xmlns:a14="http://schemas.microsoft.com/office/drawing/2010/main"/>
-            </a:ext>
-          </a:extLst>
         </p:spPr>
       </p:pic>
     </p:spTree>
     <p:extLst>
       <p:ext uri="{BB962C8B-B14F-4D97-AF65-F5344CB8AC3E}">
-        <p14:creationId xmlns:p14="http://schemas.microsoft.com/office/powerpoint/2010/main" val="4211903438"/>
+        <p14:creationId xmlns:p14="http://schemas.microsoft.com/office/powerpoint/2010/main" val="3069576317"/>
       </p:ext>
     </p:extLst>
   </p:cSld>
@@ -5745,8 +5836,8 @@
         </p:nvSpPr>
         <p:spPr>
           <a:xfrm>
-            <a:off x="1187624" y="4581128"/>
-            <a:ext cx="7056784" cy="1477328"/>
+            <a:off x="1187624" y="3573016"/>
+            <a:ext cx="3816424" cy="2862322"/>
           </a:xfrm>
           <a:prstGeom prst="rect">
             <a:avLst/>
@@ -5768,7 +5859,7 @@
                 <a:latin typeface="Arial" pitchFamily="34" charset="0"/>
                 <a:cs typeface="Arial" pitchFamily="34" charset="0"/>
               </a:rPr>
-              <a:t>Для пунктов плана доступно редактирование формы контроля, количества недель практики, распределение часов по видам занятий. Для редактирования нужно нажать на строку таблицы, изменить значения и </a:t>
+              <a:t>На странице «График учебного процесса» определяются временные рамки семестров и количество недель (общее и теоретическое </a:t>
             </a:r>
             <a:r>
               <a:rPr lang="ru-RU" dirty="0" smtClean="0">
@@ -5780,7 +5871,7 @@
                 <a:latin typeface="Arial" pitchFamily="34" charset="0"/>
                 <a:cs typeface="Arial" pitchFamily="34" charset="0"/>
               </a:rPr>
-              <a:t>сохранить. </a:t>
+              <a:t>обучение). На </a:t>
             </a:r>
             <a:r>
               <a:rPr lang="ru-RU" dirty="0">
@@ -5792,7 +5883,7 @@
                 <a:latin typeface="Arial" pitchFamily="34" charset="0"/>
                 <a:cs typeface="Arial" pitchFamily="34" charset="0"/>
               </a:rPr>
-              <a:t>Сумма часов автоматически подсчитывается.</a:t>
+              <a:t>каждый учебный год добавляются графики и к ним прикрепляются группы. У группы может быть только один график на каждый год.</a:t>
             </a:r>
           </a:p>
         </p:txBody>
@@ -5805,8 +5896,8 @@
         </p:nvSpPr>
         <p:spPr>
           <a:xfrm>
-            <a:off x="971600" y="4581129"/>
-            <a:ext cx="45719" cy="1477327"/>
+            <a:off x="971600" y="3573017"/>
+            <a:ext cx="45719" cy="2862321"/>
           </a:xfrm>
           <a:prstGeom prst="rect">
             <a:avLst/>
@@ -5845,20 +5936,19 @@
       </p:sp>
       <p:pic>
         <p:nvPicPr>
-          <p:cNvPr id="6" name="Рисунок 5"/>
+          <p:cNvPr id="5" name="Рисунок 4"/>
           <p:cNvPicPr/>
           <p:nvPr/>
         </p:nvPicPr>
-        <p:blipFill>
+        <p:blipFill rotWithShape="1">
           <a:blip r:embed="rId2"/>
-          <a:stretch>
-            <a:fillRect/>
-          </a:stretch>
+          <a:srcRect r="7121"/>
+          <a:stretch/>
         </p:blipFill>
-        <p:spPr>
-          <a:xfrm>
-            <a:off x="1017318" y="692695"/>
-            <a:ext cx="7155082" cy="3629833"/>
+        <p:spPr bwMode="auto">
+          <a:xfrm>
+            <a:off x="971600" y="530541"/>
+            <a:ext cx="5112568" cy="2577597"/>
           </a:xfrm>
           <a:prstGeom prst="rect">
             <a:avLst/>
@@ -5873,12 +5963,53 @@
               </a:srgbClr>
             </a:outerShdw>
           </a:effectLst>
+          <a:extLst>
+            <a:ext uri="{53640926-AAD7-44D8-BBD7-CCE9431645EC}">
+              <a14:shadowObscured xmlns:a14="http://schemas.microsoft.com/office/drawing/2010/main"/>
+            </a:ext>
+          </a:extLst>
+        </p:spPr>
+      </p:pic>
+      <p:pic>
+        <p:nvPicPr>
+          <p:cNvPr id="7" name="Рисунок 6"/>
+          <p:cNvPicPr/>
+          <p:nvPr/>
+        </p:nvPicPr>
+        <p:blipFill rotWithShape="1">
+          <a:blip r:embed="rId3"/>
+          <a:srcRect l="3187" r="3779"/>
+          <a:stretch/>
+        </p:blipFill>
+        <p:spPr bwMode="auto">
+          <a:xfrm>
+            <a:off x="6228184" y="3265858"/>
+            <a:ext cx="2304256" cy="3125454"/>
+          </a:xfrm>
+          <a:prstGeom prst="rect">
+            <a:avLst/>
+          </a:prstGeom>
+          <a:ln>
+            <a:noFill/>
+          </a:ln>
+          <a:effectLst>
+            <a:outerShdw blurRad="190500" algn="tl" rotWithShape="0">
+              <a:srgbClr val="000000">
+                <a:alpha val="70000"/>
+              </a:srgbClr>
+            </a:outerShdw>
+          </a:effectLst>
+          <a:extLst>
+            <a:ext uri="{53640926-AAD7-44D8-BBD7-CCE9431645EC}">
+              <a14:shadowObscured xmlns:a14="http://schemas.microsoft.com/office/drawing/2010/main"/>
+            </a:ext>
+          </a:extLst>
         </p:spPr>
       </p:pic>
     </p:spTree>
     <p:extLst>
       <p:ext uri="{BB962C8B-B14F-4D97-AF65-F5344CB8AC3E}">
-        <p14:creationId xmlns:p14="http://schemas.microsoft.com/office/powerpoint/2010/main" val="3069576317"/>
+        <p14:creationId xmlns:p14="http://schemas.microsoft.com/office/powerpoint/2010/main" val="1223338910"/>
       </p:ext>
     </p:extLst>
   </p:cSld>
@@ -5923,8 +6054,8 @@
         </p:nvSpPr>
         <p:spPr>
           <a:xfrm>
-            <a:off x="1187624" y="3573016"/>
-            <a:ext cx="3816424" cy="2862322"/>
+            <a:off x="1187624" y="3789040"/>
+            <a:ext cx="7078456" cy="2585323"/>
           </a:xfrm>
           <a:prstGeom prst="rect">
             <a:avLst/>
@@ -5946,7 +6077,7 @@
                 <a:latin typeface="Arial" pitchFamily="34" charset="0"/>
                 <a:cs typeface="Arial" pitchFamily="34" charset="0"/>
               </a:rPr>
-              <a:t>На странице «График учебного процесса» определяются временные рамки семестров и количество недель (общее и теоретическое </a:t>
+              <a:t>На странице «Годовой план» при выборе группы и курса показываются дисциплины данного учебного года по </a:t>
             </a:r>
             <a:r>
               <a:rPr lang="ru-RU" dirty="0" smtClean="0">
@@ -5958,7 +6089,7 @@
                 <a:latin typeface="Arial" pitchFamily="34" charset="0"/>
                 <a:cs typeface="Arial" pitchFamily="34" charset="0"/>
               </a:rPr>
-              <a:t>обучение). На </a:t>
+              <a:t>плану. </a:t>
             </a:r>
             <a:r>
               <a:rPr lang="ru-RU" dirty="0">
@@ -5970,7 +6101,31 @@
                 <a:latin typeface="Arial" pitchFamily="34" charset="0"/>
                 <a:cs typeface="Arial" pitchFamily="34" charset="0"/>
               </a:rPr>
-              <a:t>каждый учебный год добавляются графики и к ним прикрепляются группы. У группы может быть только один график на каждый год.</a:t>
+              <a:t>В данном модуле выполняется назначение преподавателей на занятия. При нажатии кнопки «Обновить подгруппы» для дисциплин, имеющих признак делимости, появится вторая подгруппа в случае, если количество студентов превышает 24. Количество часов будет распределено в зависимости от того, делится ли по этому предмету группа на все занятия или только на практические. Данный план можно экспортировать в </a:t>
+            </a:r>
+            <a:r>
+              <a:rPr lang="en-US" dirty="0">
+                <a:solidFill>
+                  <a:schemeClr val="bg1">
+                    <a:lumMod val="95000"/>
+                  </a:schemeClr>
+                </a:solidFill>
+                <a:latin typeface="Arial" pitchFamily="34" charset="0"/>
+                <a:cs typeface="Arial" pitchFamily="34" charset="0"/>
+              </a:rPr>
+              <a:t>Excel</a:t>
+            </a:r>
+            <a:r>
+              <a:rPr lang="ru-RU" dirty="0">
+                <a:solidFill>
+                  <a:schemeClr val="bg1">
+                    <a:lumMod val="95000"/>
+                  </a:schemeClr>
+                </a:solidFill>
+                <a:latin typeface="Arial" pitchFamily="34" charset="0"/>
+                <a:cs typeface="Arial" pitchFamily="34" charset="0"/>
+              </a:rPr>
+              <a:t>.</a:t>
             </a:r>
           </a:p>
         </p:txBody>
@@ -5983,8 +6138,8 @@
         </p:nvSpPr>
         <p:spPr>
           <a:xfrm>
-            <a:off x="971600" y="3573017"/>
-            <a:ext cx="45719" cy="2862321"/>
+            <a:off x="971600" y="3789040"/>
+            <a:ext cx="54815" cy="2585323"/>
           </a:xfrm>
           <a:prstGeom prst="rect">
             <a:avLst/>
@@ -6023,19 +6178,19 @@
       </p:sp>
       <p:pic>
         <p:nvPicPr>
-          <p:cNvPr id="5" name="Рисунок 4"/>
+          <p:cNvPr id="6" name="Рисунок 5"/>
           <p:cNvPicPr/>
           <p:nvPr/>
         </p:nvPicPr>
         <p:blipFill rotWithShape="1">
           <a:blip r:embed="rId2"/>
-          <a:srcRect r="7121"/>
+          <a:srcRect b="5389"/>
           <a:stretch/>
         </p:blipFill>
         <p:spPr bwMode="auto">
           <a:xfrm>
-            <a:off x="971600" y="530541"/>
-            <a:ext cx="5112568" cy="2577597"/>
+            <a:off x="1026415" y="620688"/>
+            <a:ext cx="7239665" cy="2952329"/>
           </a:xfrm>
           <a:prstGeom prst="rect">
             <a:avLst/>
@@ -6057,46 +6212,10 @@
           </a:extLst>
         </p:spPr>
       </p:pic>
-      <p:pic>
-        <p:nvPicPr>
-          <p:cNvPr id="7" name="Рисунок 6"/>
-          <p:cNvPicPr/>
-          <p:nvPr/>
-        </p:nvPicPr>
-        <p:blipFill rotWithShape="1">
-          <a:blip r:embed="rId3"/>
-          <a:srcRect l="3187" r="3779"/>
-          <a:stretch/>
-        </p:blipFill>
-        <p:spPr bwMode="auto">
-          <a:xfrm>
-            <a:off x="6228184" y="3265858"/>
-            <a:ext cx="2304256" cy="3125454"/>
-          </a:xfrm>
-          <a:prstGeom prst="rect">
-            <a:avLst/>
-          </a:prstGeom>
-          <a:ln>
-            <a:noFill/>
-          </a:ln>
-          <a:effectLst>
-            <a:outerShdw blurRad="190500" algn="tl" rotWithShape="0">
-              <a:srgbClr val="000000">
-                <a:alpha val="70000"/>
-              </a:srgbClr>
-            </a:outerShdw>
-          </a:effectLst>
-          <a:extLst>
-            <a:ext uri="{53640926-AAD7-44D8-BBD7-CCE9431645EC}">
-              <a14:shadowObscured xmlns:a14="http://schemas.microsoft.com/office/drawing/2010/main"/>
-            </a:ext>
-          </a:extLst>
-        </p:spPr>
-      </p:pic>
     </p:spTree>
     <p:extLst>
       <p:ext uri="{BB962C8B-B14F-4D97-AF65-F5344CB8AC3E}">
-        <p14:creationId xmlns:p14="http://schemas.microsoft.com/office/powerpoint/2010/main" val="1223338910"/>
+        <p14:creationId xmlns:p14="http://schemas.microsoft.com/office/powerpoint/2010/main" val="2997150344"/>
       </p:ext>
     </p:extLst>
   </p:cSld>
@@ -6141,8 +6260,8 @@
         </p:nvSpPr>
         <p:spPr>
           <a:xfrm>
-            <a:off x="1187624" y="3789040"/>
-            <a:ext cx="7078456" cy="2585323"/>
+            <a:off x="1229475" y="332656"/>
+            <a:ext cx="7078456" cy="6186309"/>
           </a:xfrm>
           <a:prstGeom prst="rect">
             <a:avLst/>
@@ -6164,7 +6283,7 @@
                 <a:latin typeface="Arial" pitchFamily="34" charset="0"/>
                 <a:cs typeface="Arial" pitchFamily="34" charset="0"/>
               </a:rPr>
-              <a:t>На странице «Годовой план» при выборе группы и курса показываются дисциплины данного учебного года по </a:t>
+              <a:t>В разделе «Рабочая учебная программа» формируется тематический план по предмету и определяется количество часов на каждый урок. На начальной странице отображен список дисциплин каждой группы и фильтр по группам и дисциплинам. При выборе дисциплины группы из списка открывается страница с распределением видов занятий по семестрам </a:t>
             </a:r>
             <a:r>
               <a:rPr lang="ru-RU" dirty="0" smtClean="0">
@@ -6176,7 +6295,7 @@
                 <a:latin typeface="Arial" pitchFamily="34" charset="0"/>
                 <a:cs typeface="Arial" pitchFamily="34" charset="0"/>
               </a:rPr>
-              <a:t>плану. </a:t>
+              <a:t> и </a:t>
             </a:r>
             <a:r>
               <a:rPr lang="ru-RU" dirty="0">
@@ -6188,20 +6307,22 @@
                 <a:latin typeface="Arial" pitchFamily="34" charset="0"/>
                 <a:cs typeface="Arial" pitchFamily="34" charset="0"/>
               </a:rPr>
-              <a:t>В данном модуле выполняется назначение преподавателей на занятия. При нажатии кнопки «Обновить подгруппы» для дисциплин, имеющих признак делимости, появится вторая подгруппа в случае, если количество студентов превышает 24. Количество часов будет распределено в зависимости от того, делится ли по этому предмету группа на все занятия или только на практические. Данный план можно экспортировать в </a:t>
-            </a:r>
-            <a:r>
-              <a:rPr lang="en-US" dirty="0">
-                <a:solidFill>
-                  <a:schemeClr val="bg1">
-                    <a:lumMod val="95000"/>
-                  </a:schemeClr>
-                </a:solidFill>
-                <a:latin typeface="Arial" pitchFamily="34" charset="0"/>
-                <a:cs typeface="Arial" pitchFamily="34" charset="0"/>
-              </a:rPr>
-              <a:t>Excel</a:t>
-            </a:r>
+              <a:t>редактором тематического </a:t>
+            </a:r>
+            <a:r>
+              <a:rPr lang="ru-RU" dirty="0" smtClean="0">
+                <a:solidFill>
+                  <a:schemeClr val="bg1">
+                    <a:lumMod val="95000"/>
+                  </a:schemeClr>
+                </a:solidFill>
+                <a:latin typeface="Arial" pitchFamily="34" charset="0"/>
+                <a:cs typeface="Arial" pitchFamily="34" charset="0"/>
+              </a:rPr>
+              <a:t>плана.</a:t>
+            </a:r>
+          </a:p>
+          <a:p>
             <a:r>
               <a:rPr lang="ru-RU" dirty="0">
                 <a:solidFill>
@@ -6212,8 +6333,105 @@
                 <a:latin typeface="Arial" pitchFamily="34" charset="0"/>
                 <a:cs typeface="Arial" pitchFamily="34" charset="0"/>
               </a:rPr>
+              <a:t>С помощью соответствующих кнопок добавляются и удаляются разделы плана и темы. Для каждой темы определяется общее количество часов (по умолчанию 2) и количество часов ЛПЗ. При этом подсчитывается итог. Если сумма часов в таблице превышает количество часов по плану, добавление новых строк блокируется. Также проверяется количество часов ЛПЗ в каждом семестре и работает ограничение при вводе чисел в таблицу.</a:t>
+            </a:r>
+          </a:p>
+          <a:p>
+            <a:r>
+              <a:rPr lang="ru-RU" dirty="0" smtClean="0">
+                <a:solidFill>
+                  <a:schemeClr val="bg1">
+                    <a:lumMod val="95000"/>
+                  </a:schemeClr>
+                </a:solidFill>
+                <a:latin typeface="Arial" pitchFamily="34" charset="0"/>
+                <a:cs typeface="Arial" pitchFamily="34" charset="0"/>
+              </a:rPr>
+              <a:t>Готовую </a:t>
+            </a:r>
+            <a:r>
+              <a:rPr lang="ru-RU" dirty="0">
+                <a:solidFill>
+                  <a:schemeClr val="bg1">
+                    <a:lumMod val="95000"/>
+                  </a:schemeClr>
+                </a:solidFill>
+                <a:latin typeface="Arial" pitchFamily="34" charset="0"/>
+                <a:cs typeface="Arial" pitchFamily="34" charset="0"/>
+              </a:rPr>
+              <a:t>программу можно скачать в формате .</a:t>
+            </a:r>
+            <a:r>
+              <a:rPr lang="en-US" dirty="0" err="1">
+                <a:solidFill>
+                  <a:schemeClr val="bg1">
+                    <a:lumMod val="95000"/>
+                  </a:schemeClr>
+                </a:solidFill>
+                <a:latin typeface="Arial" pitchFamily="34" charset="0"/>
+                <a:cs typeface="Arial" pitchFamily="34" charset="0"/>
+              </a:rPr>
+              <a:t>docx</a:t>
+            </a:r>
+            <a:r>
+              <a:rPr lang="ru-RU" dirty="0">
+                <a:solidFill>
+                  <a:schemeClr val="bg1">
+                    <a:lumMod val="95000"/>
+                  </a:schemeClr>
+                </a:solidFill>
+                <a:latin typeface="Arial" pitchFamily="34" charset="0"/>
+                <a:cs typeface="Arial" pitchFamily="34" charset="0"/>
+              </a:rPr>
               <a:t>.</a:t>
             </a:r>
+          </a:p>
+          <a:p>
+            <a:r>
+              <a:rPr lang="ru-RU" dirty="0" smtClean="0">
+                <a:solidFill>
+                  <a:schemeClr val="bg1">
+                    <a:lumMod val="95000"/>
+                  </a:schemeClr>
+                </a:solidFill>
+                <a:latin typeface="Arial" pitchFamily="34" charset="0"/>
+                <a:cs typeface="Arial" pitchFamily="34" charset="0"/>
+              </a:rPr>
+              <a:t>При </a:t>
+            </a:r>
+            <a:r>
+              <a:rPr lang="ru-RU" dirty="0">
+                <a:solidFill>
+                  <a:schemeClr val="bg1">
+                    <a:lumMod val="95000"/>
+                  </a:schemeClr>
+                </a:solidFill>
+                <a:latin typeface="Arial" pitchFamily="34" charset="0"/>
+                <a:cs typeface="Arial" pitchFamily="34" charset="0"/>
+              </a:rPr>
+              <a:t>нажатии «Скопировать» откроется список групп, также изучающих эту дисциплину по плану. Можно просмотреть каждую из них. Для копирования программы нужно кликнуть «Скопировать» и все темы, разделы и часы перенесутся в целевую группу. Скопированную программу можно впоследствии редактировать</a:t>
+            </a:r>
+            <a:r>
+              <a:rPr lang="ru-RU" dirty="0" smtClean="0">
+                <a:solidFill>
+                  <a:schemeClr val="bg1">
+                    <a:lumMod val="95000"/>
+                  </a:schemeClr>
+                </a:solidFill>
+                <a:latin typeface="Arial" pitchFamily="34" charset="0"/>
+                <a:cs typeface="Arial" pitchFamily="34" charset="0"/>
+              </a:rPr>
+              <a:t>.</a:t>
+            </a:r>
+            <a:endParaRPr lang="ru-RU" dirty="0">
+              <a:solidFill>
+                <a:schemeClr val="bg1">
+                  <a:lumMod val="95000"/>
+                </a:schemeClr>
+              </a:solidFill>
+              <a:latin typeface="Arial" pitchFamily="34" charset="0"/>
+              <a:cs typeface="Arial" pitchFamily="34" charset="0"/>
+            </a:endParaRPr>
           </a:p>
         </p:txBody>
       </p:sp>
@@ -6225,8 +6443,8 @@
         </p:nvSpPr>
         <p:spPr>
           <a:xfrm>
-            <a:off x="971600" y="3789040"/>
-            <a:ext cx="54815" cy="2585323"/>
+            <a:off x="1013451" y="332655"/>
+            <a:ext cx="54815" cy="6186309"/>
           </a:xfrm>
           <a:prstGeom prst="rect">
             <a:avLst/>
@@ -6263,46 +6481,10 @@
           </a:p>
         </p:txBody>
       </p:sp>
-      <p:pic>
-        <p:nvPicPr>
-          <p:cNvPr id="6" name="Рисунок 5"/>
-          <p:cNvPicPr/>
-          <p:nvPr/>
-        </p:nvPicPr>
-        <p:blipFill rotWithShape="1">
-          <a:blip r:embed="rId2"/>
-          <a:srcRect b="5389"/>
-          <a:stretch/>
-        </p:blipFill>
-        <p:spPr bwMode="auto">
-          <a:xfrm>
-            <a:off x="1026415" y="620688"/>
-            <a:ext cx="7239665" cy="2952329"/>
-          </a:xfrm>
-          <a:prstGeom prst="rect">
-            <a:avLst/>
-          </a:prstGeom>
-          <a:ln>
-            <a:noFill/>
-          </a:ln>
-          <a:effectLst>
-            <a:outerShdw blurRad="190500" algn="tl" rotWithShape="0">
-              <a:srgbClr val="000000">
-                <a:alpha val="70000"/>
-              </a:srgbClr>
-            </a:outerShdw>
-          </a:effectLst>
-          <a:extLst>
-            <a:ext uri="{53640926-AAD7-44D8-BBD7-CCE9431645EC}">
-              <a14:shadowObscured xmlns:a14="http://schemas.microsoft.com/office/drawing/2010/main"/>
-            </a:ext>
-          </a:extLst>
-        </p:spPr>
-      </p:pic>
     </p:spTree>
     <p:extLst>
       <p:ext uri="{BB962C8B-B14F-4D97-AF65-F5344CB8AC3E}">
-        <p14:creationId xmlns:p14="http://schemas.microsoft.com/office/powerpoint/2010/main" val="2997150344"/>
+        <p14:creationId xmlns:p14="http://schemas.microsoft.com/office/powerpoint/2010/main" val="2781189500"/>
       </p:ext>
     </p:extLst>
   </p:cSld>
@@ -6339,239 +6521,74 @@
           <a:chExt cx="0" cy="0"/>
         </a:xfrm>
       </p:grpSpPr>
-      <p:sp>
-        <p:nvSpPr>
-          <p:cNvPr id="3" name="Прямоугольник 2"/>
-          <p:cNvSpPr/>
+      <p:pic>
+        <p:nvPicPr>
+          <p:cNvPr id="5" name="Рисунок 4"/>
+          <p:cNvPicPr/>
           <p:nvPr/>
-        </p:nvSpPr>
-        <p:spPr>
-          <a:xfrm>
-            <a:off x="1229475" y="332656"/>
-            <a:ext cx="7078456" cy="6186309"/>
+        </p:nvPicPr>
+        <p:blipFill>
+          <a:blip r:embed="rId2"/>
+          <a:stretch>
+            <a:fillRect/>
+          </a:stretch>
+        </p:blipFill>
+        <p:spPr>
+          <a:xfrm>
+            <a:off x="1115616" y="188640"/>
+            <a:ext cx="6912768" cy="3060184"/>
           </a:xfrm>
           <a:prstGeom prst="rect">
             <a:avLst/>
           </a:prstGeom>
-        </p:spPr>
-        <p:txBody>
-          <a:bodyPr wrap="square">
-            <a:spAutoFit/>
-          </a:bodyPr>
-          <a:lstStyle/>
-          <a:p>
-            <a:r>
-              <a:rPr lang="ru-RU" dirty="0">
-                <a:solidFill>
-                  <a:schemeClr val="bg1">
-                    <a:lumMod val="95000"/>
-                  </a:schemeClr>
-                </a:solidFill>
-                <a:latin typeface="Arial" pitchFamily="34" charset="0"/>
-                <a:cs typeface="Arial" pitchFamily="34" charset="0"/>
-              </a:rPr>
-              <a:t>В разделе «Рабочая учебная программа» формируется тематический план по предмету и определяется количество часов на каждый урок. На начальной странице отображен список дисциплин каждой группы и фильтр по группам и дисциплинам. При выборе дисциплины группы из списка открывается страница с распределением видов занятий по семестрам </a:t>
-            </a:r>
-            <a:r>
-              <a:rPr lang="ru-RU" dirty="0" smtClean="0">
-                <a:solidFill>
-                  <a:schemeClr val="bg1">
-                    <a:lumMod val="95000"/>
-                  </a:schemeClr>
-                </a:solidFill>
-                <a:latin typeface="Arial" pitchFamily="34" charset="0"/>
-                <a:cs typeface="Arial" pitchFamily="34" charset="0"/>
-              </a:rPr>
-              <a:t> и </a:t>
-            </a:r>
-            <a:r>
-              <a:rPr lang="ru-RU" dirty="0">
-                <a:solidFill>
-                  <a:schemeClr val="bg1">
-                    <a:lumMod val="95000"/>
-                  </a:schemeClr>
-                </a:solidFill>
-                <a:latin typeface="Arial" pitchFamily="34" charset="0"/>
-                <a:cs typeface="Arial" pitchFamily="34" charset="0"/>
-              </a:rPr>
-              <a:t>редактором тематического </a:t>
-            </a:r>
-            <a:r>
-              <a:rPr lang="ru-RU" dirty="0" smtClean="0">
-                <a:solidFill>
-                  <a:schemeClr val="bg1">
-                    <a:lumMod val="95000"/>
-                  </a:schemeClr>
-                </a:solidFill>
-                <a:latin typeface="Arial" pitchFamily="34" charset="0"/>
-                <a:cs typeface="Arial" pitchFamily="34" charset="0"/>
-              </a:rPr>
-              <a:t>плана.</a:t>
-            </a:r>
-          </a:p>
-          <a:p>
-            <a:r>
-              <a:rPr lang="ru-RU" dirty="0">
-                <a:solidFill>
-                  <a:schemeClr val="bg1">
-                    <a:lumMod val="95000"/>
-                  </a:schemeClr>
-                </a:solidFill>
-                <a:latin typeface="Arial" pitchFamily="34" charset="0"/>
-                <a:cs typeface="Arial" pitchFamily="34" charset="0"/>
-              </a:rPr>
-              <a:t>С помощью соответствующих кнопок добавляются и удаляются разделы плана и темы. Для каждой темы определяется общее количество часов (по умолчанию 2) и количество часов ЛПЗ. При этом подсчитывается итог. Если сумма часов в таблице превышает количество часов по плану, добавление новых строк блокируется. Также проверяется количество часов ЛПЗ в каждом семестре и работает ограничение при вводе чисел в таблицу.</a:t>
-            </a:r>
-          </a:p>
-          <a:p>
-            <a:r>
-              <a:rPr lang="ru-RU" dirty="0" smtClean="0">
-                <a:solidFill>
-                  <a:schemeClr val="bg1">
-                    <a:lumMod val="95000"/>
-                  </a:schemeClr>
-                </a:solidFill>
-                <a:latin typeface="Arial" pitchFamily="34" charset="0"/>
-                <a:cs typeface="Arial" pitchFamily="34" charset="0"/>
-              </a:rPr>
-              <a:t>Готовую </a:t>
-            </a:r>
-            <a:r>
-              <a:rPr lang="ru-RU" dirty="0">
-                <a:solidFill>
-                  <a:schemeClr val="bg1">
-                    <a:lumMod val="95000"/>
-                  </a:schemeClr>
-                </a:solidFill>
-                <a:latin typeface="Arial" pitchFamily="34" charset="0"/>
-                <a:cs typeface="Arial" pitchFamily="34" charset="0"/>
-              </a:rPr>
-              <a:t>программу можно скачать в формате .</a:t>
-            </a:r>
-            <a:r>
-              <a:rPr lang="en-US" dirty="0" err="1">
-                <a:solidFill>
-                  <a:schemeClr val="bg1">
-                    <a:lumMod val="95000"/>
-                  </a:schemeClr>
-                </a:solidFill>
-                <a:latin typeface="Arial" pitchFamily="34" charset="0"/>
-                <a:cs typeface="Arial" pitchFamily="34" charset="0"/>
-              </a:rPr>
-              <a:t>docx</a:t>
-            </a:r>
-            <a:r>
-              <a:rPr lang="ru-RU" dirty="0">
-                <a:solidFill>
-                  <a:schemeClr val="bg1">
-                    <a:lumMod val="95000"/>
-                  </a:schemeClr>
-                </a:solidFill>
-                <a:latin typeface="Arial" pitchFamily="34" charset="0"/>
-                <a:cs typeface="Arial" pitchFamily="34" charset="0"/>
-              </a:rPr>
-              <a:t>.</a:t>
-            </a:r>
-          </a:p>
-          <a:p>
-            <a:r>
-              <a:rPr lang="ru-RU" dirty="0" smtClean="0">
-                <a:solidFill>
-                  <a:schemeClr val="bg1">
-                    <a:lumMod val="95000"/>
-                  </a:schemeClr>
-                </a:solidFill>
-                <a:latin typeface="Arial" pitchFamily="34" charset="0"/>
-                <a:cs typeface="Arial" pitchFamily="34" charset="0"/>
-              </a:rPr>
-              <a:t>При </a:t>
-            </a:r>
-            <a:r>
-              <a:rPr lang="ru-RU" dirty="0">
-                <a:solidFill>
-                  <a:schemeClr val="bg1">
-                    <a:lumMod val="95000"/>
-                  </a:schemeClr>
-                </a:solidFill>
-                <a:latin typeface="Arial" pitchFamily="34" charset="0"/>
-                <a:cs typeface="Arial" pitchFamily="34" charset="0"/>
-              </a:rPr>
-              <a:t>нажатии «Скопировать» откроется список групп, также изучающих эту дисциплину по плану. Можно просмотреть каждую из них. Для копирования программы нужно кликнуть «Скопировать» и все темы, разделы и часы перенесутся в целевую группу. Скопированную программу можно впоследствии редактировать</a:t>
-            </a:r>
-            <a:r>
-              <a:rPr lang="ru-RU" dirty="0" smtClean="0">
-                <a:solidFill>
-                  <a:schemeClr val="bg1">
-                    <a:lumMod val="95000"/>
-                  </a:schemeClr>
-                </a:solidFill>
-                <a:latin typeface="Arial" pitchFamily="34" charset="0"/>
-                <a:cs typeface="Arial" pitchFamily="34" charset="0"/>
-              </a:rPr>
-              <a:t>.</a:t>
-            </a:r>
-            <a:endParaRPr lang="ru-RU" dirty="0">
-              <a:solidFill>
-                <a:schemeClr val="bg1">
-                  <a:lumMod val="95000"/>
-                </a:schemeClr>
-              </a:solidFill>
-              <a:latin typeface="Arial" pitchFamily="34" charset="0"/>
-              <a:cs typeface="Arial" pitchFamily="34" charset="0"/>
-            </a:endParaRPr>
-          </a:p>
-        </p:txBody>
-      </p:sp>
-      <p:sp>
-        <p:nvSpPr>
-          <p:cNvPr id="4" name="Прямоугольник 3"/>
-          <p:cNvSpPr/>
+          <a:ln>
+            <a:noFill/>
+          </a:ln>
+          <a:effectLst>
+            <a:outerShdw blurRad="190500" algn="tl" rotWithShape="0">
+              <a:srgbClr val="000000">
+                <a:alpha val="70000"/>
+              </a:srgbClr>
+            </a:outerShdw>
+          </a:effectLst>
+        </p:spPr>
+      </p:pic>
+      <p:pic>
+        <p:nvPicPr>
+          <p:cNvPr id="6" name="Рисунок 5"/>
+          <p:cNvPicPr/>
           <p:nvPr/>
-        </p:nvSpPr>
-        <p:spPr>
-          <a:xfrm>
-            <a:off x="1013451" y="332655"/>
-            <a:ext cx="54815" cy="6186309"/>
+        </p:nvPicPr>
+        <p:blipFill>
+          <a:blip r:embed="rId3"/>
+          <a:stretch>
+            <a:fillRect/>
+          </a:stretch>
+        </p:blipFill>
+        <p:spPr>
+          <a:xfrm>
+            <a:off x="1115616" y="3248824"/>
+            <a:ext cx="6912768" cy="3473749"/>
           </a:xfrm>
           <a:prstGeom prst="rect">
             <a:avLst/>
           </a:prstGeom>
-          <a:solidFill>
-            <a:srgbClr val="D608CC"/>
-          </a:solidFill>
           <a:ln>
             <a:noFill/>
           </a:ln>
-        </p:spPr>
-        <p:style>
-          <a:lnRef idx="2">
-            <a:schemeClr val="accent1">
-              <a:shade val="50000"/>
-            </a:schemeClr>
-          </a:lnRef>
-          <a:fillRef idx="1">
-            <a:schemeClr val="accent1"/>
-          </a:fillRef>
-          <a:effectRef idx="0">
-            <a:schemeClr val="accent1"/>
-          </a:effectRef>
-          <a:fontRef idx="minor">
-            <a:schemeClr val="lt1"/>
-          </a:fontRef>
-        </p:style>
-        <p:txBody>
-          <a:bodyPr rtlCol="0" anchor="ctr"/>
-          <a:lstStyle/>
-          <a:p>
-            <a:pPr algn="ctr"/>
-            <a:endParaRPr lang="ru-RU"/>
-          </a:p>
-        </p:txBody>
-      </p:sp>
+          <a:effectLst>
+            <a:outerShdw blurRad="190500" algn="tl" rotWithShape="0">
+              <a:srgbClr val="000000">
+                <a:alpha val="70000"/>
+              </a:srgbClr>
+            </a:outerShdw>
+          </a:effectLst>
+        </p:spPr>
+      </p:pic>
     </p:spTree>
     <p:extLst>
       <p:ext uri="{BB962C8B-B14F-4D97-AF65-F5344CB8AC3E}">
-        <p14:creationId xmlns:p14="http://schemas.microsoft.com/office/powerpoint/2010/main" val="2781189500"/>
+        <p14:creationId xmlns:p14="http://schemas.microsoft.com/office/powerpoint/2010/main" val="2829787447"/>
       </p:ext>
     </p:extLst>
   </p:cSld>
@@ -6608,74 +6625,192 @@
           <a:chExt cx="0" cy="0"/>
         </a:xfrm>
       </p:grpSpPr>
-      <p:pic>
-        <p:nvPicPr>
-          <p:cNvPr id="5" name="Рисунок 4"/>
-          <p:cNvPicPr/>
+      <p:sp>
+        <p:nvSpPr>
+          <p:cNvPr id="3" name="Прямоугольник 2"/>
+          <p:cNvSpPr/>
           <p:nvPr/>
-        </p:nvPicPr>
-        <p:blipFill>
-          <a:blip r:embed="rId2"/>
-          <a:stretch>
-            <a:fillRect/>
-          </a:stretch>
-        </p:blipFill>
-        <p:spPr>
-          <a:xfrm>
-            <a:off x="1115616" y="188640"/>
-            <a:ext cx="6912768" cy="3060184"/>
+        </p:nvSpPr>
+        <p:spPr>
+          <a:xfrm>
+            <a:off x="1229475" y="1628800"/>
+            <a:ext cx="7078456" cy="3139321"/>
           </a:xfrm>
           <a:prstGeom prst="rect">
             <a:avLst/>
           </a:prstGeom>
+        </p:spPr>
+        <p:txBody>
+          <a:bodyPr wrap="square">
+            <a:spAutoFit/>
+          </a:bodyPr>
+          <a:lstStyle/>
+          <a:p>
+            <a:r>
+              <a:rPr lang="ru-RU" dirty="0">
+                <a:solidFill>
+                  <a:schemeClr val="bg1">
+                    <a:lumMod val="95000"/>
+                  </a:schemeClr>
+                </a:solidFill>
+                <a:latin typeface="Arial" pitchFamily="34" charset="0"/>
+                <a:cs typeface="Arial" pitchFamily="34" charset="0"/>
+              </a:rPr>
+              <a:t>В разделе «Календарно-тематические планы» можно просматривать и скачивать в формат .</a:t>
+            </a:r>
+            <a:r>
+              <a:rPr lang="en-US" dirty="0" err="1">
+                <a:solidFill>
+                  <a:schemeClr val="bg1">
+                    <a:lumMod val="95000"/>
+                  </a:schemeClr>
+                </a:solidFill>
+                <a:latin typeface="Arial" pitchFamily="34" charset="0"/>
+                <a:cs typeface="Arial" pitchFamily="34" charset="0"/>
+              </a:rPr>
+              <a:t>docx</a:t>
+            </a:r>
+            <a:r>
+              <a:rPr lang="ru-RU" dirty="0">
+                <a:solidFill>
+                  <a:schemeClr val="bg1">
+                    <a:lumMod val="95000"/>
+                  </a:schemeClr>
+                </a:solidFill>
+                <a:latin typeface="Arial" pitchFamily="34" charset="0"/>
+                <a:cs typeface="Arial" pitchFamily="34" charset="0"/>
+              </a:rPr>
+              <a:t> тематические планы на год, автоматически сформированные из </a:t>
+            </a:r>
+            <a:r>
+              <a:rPr lang="ru-RU" dirty="0" smtClean="0">
+                <a:solidFill>
+                  <a:schemeClr val="bg1">
+                    <a:lumMod val="95000"/>
+                  </a:schemeClr>
+                </a:solidFill>
+                <a:latin typeface="Arial" pitchFamily="34" charset="0"/>
+                <a:cs typeface="Arial" pitchFamily="34" charset="0"/>
+              </a:rPr>
+              <a:t>РП. </a:t>
+            </a:r>
+            <a:r>
+              <a:rPr lang="ru-RU" dirty="0">
+                <a:solidFill>
+                  <a:schemeClr val="bg1">
+                    <a:lumMod val="95000"/>
+                  </a:schemeClr>
+                </a:solidFill>
+                <a:latin typeface="Arial" pitchFamily="34" charset="0"/>
+                <a:cs typeface="Arial" pitchFamily="34" charset="0"/>
+              </a:rPr>
+              <a:t>Для перехода в план нужно найти его в списке, воспользовавшись фильтром по группе, курсу или дисциплине.</a:t>
+            </a:r>
+          </a:p>
+          <a:p>
+            <a:r>
+              <a:rPr lang="ru-RU" dirty="0" smtClean="0">
+                <a:solidFill>
+                  <a:schemeClr val="bg1">
+                    <a:lumMod val="95000"/>
+                  </a:schemeClr>
+                </a:solidFill>
+                <a:latin typeface="Arial" pitchFamily="34" charset="0"/>
+                <a:cs typeface="Arial" pitchFamily="34" charset="0"/>
+              </a:rPr>
+              <a:t>Если </a:t>
+            </a:r>
+            <a:r>
+              <a:rPr lang="ru-RU" dirty="0">
+                <a:solidFill>
+                  <a:schemeClr val="bg1">
+                    <a:lumMod val="95000"/>
+                  </a:schemeClr>
+                </a:solidFill>
+                <a:latin typeface="Arial" pitchFamily="34" charset="0"/>
+                <a:cs typeface="Arial" pitchFamily="34" charset="0"/>
+              </a:rPr>
+              <a:t>группа делится по данной дисциплине, то будут сформированы 2 плана для каждой подгруппы, при этом, если деление только на лабораторно-практические занятия, в КТП второй подгруппы попадут только часы ЛПЗ.</a:t>
+            </a:r>
+          </a:p>
+          <a:p>
+            <a:r>
+              <a:rPr lang="ru-RU" dirty="0" smtClean="0">
+                <a:solidFill>
+                  <a:schemeClr val="bg1">
+                    <a:lumMod val="95000"/>
+                  </a:schemeClr>
+                </a:solidFill>
+                <a:latin typeface="Arial" pitchFamily="34" charset="0"/>
+                <a:cs typeface="Arial" pitchFamily="34" charset="0"/>
+              </a:rPr>
+              <a:t>Даты </a:t>
+            </a:r>
+            <a:r>
+              <a:rPr lang="ru-RU" dirty="0">
+                <a:solidFill>
+                  <a:schemeClr val="bg1">
+                    <a:lumMod val="95000"/>
+                  </a:schemeClr>
+                </a:solidFill>
+                <a:latin typeface="Arial" pitchFamily="34" charset="0"/>
+                <a:cs typeface="Arial" pitchFamily="34" charset="0"/>
+              </a:rPr>
+              <a:t>занятий берутся из фактического расписания, тип занятия определяется по наличию часов ЛПЗ.</a:t>
+            </a:r>
+          </a:p>
+        </p:txBody>
+      </p:sp>
+      <p:sp>
+        <p:nvSpPr>
+          <p:cNvPr id="4" name="Прямоугольник 3"/>
+          <p:cNvSpPr/>
+          <p:nvPr/>
+        </p:nvSpPr>
+        <p:spPr>
+          <a:xfrm>
+            <a:off x="1013451" y="1628800"/>
+            <a:ext cx="45719" cy="3139322"/>
+          </a:xfrm>
+          <a:prstGeom prst="rect">
+            <a:avLst/>
+          </a:prstGeom>
+          <a:solidFill>
+            <a:srgbClr val="D608CC"/>
+          </a:solidFill>
           <a:ln>
             <a:noFill/>
           </a:ln>
-          <a:effectLst>
-            <a:outerShdw blurRad="190500" algn="tl" rotWithShape="0">
-              <a:srgbClr val="000000">
-                <a:alpha val="70000"/>
-              </a:srgbClr>
-            </a:outerShdw>
-          </a:effectLst>
-        </p:spPr>
-      </p:pic>
-      <p:pic>
-        <p:nvPicPr>
-          <p:cNvPr id="6" name="Рисунок 5"/>
-          <p:cNvPicPr/>
-          <p:nvPr/>
-        </p:nvPicPr>
-        <p:blipFill>
-          <a:blip r:embed="rId3"/>
-          <a:stretch>
-            <a:fillRect/>
-          </a:stretch>
-        </p:blipFill>
-        <p:spPr>
-          <a:xfrm>
-            <a:off x="1115616" y="3248824"/>
-            <a:ext cx="6912768" cy="3473749"/>
-          </a:xfrm>
-          <a:prstGeom prst="rect">
-            <a:avLst/>
-          </a:prstGeom>
-          <a:ln>
-            <a:noFill/>
-          </a:ln>
-          <a:effectLst>
-            <a:outerShdw blurRad="190500" algn="tl" rotWithShape="0">
-              <a:srgbClr val="000000">
-                <a:alpha val="70000"/>
-              </a:srgbClr>
-            </a:outerShdw>
-          </a:effectLst>
-        </p:spPr>
-      </p:pic>
+        </p:spPr>
+        <p:style>
+          <a:lnRef idx="2">
+            <a:schemeClr val="accent1">
+              <a:shade val="50000"/>
+            </a:schemeClr>
+          </a:lnRef>
+          <a:fillRef idx="1">
+            <a:schemeClr val="accent1"/>
+          </a:fillRef>
+          <a:effectRef idx="0">
+            <a:schemeClr val="accent1"/>
+          </a:effectRef>
+          <a:fontRef idx="minor">
+            <a:schemeClr val="lt1"/>
+          </a:fontRef>
+        </p:style>
+        <p:txBody>
+          <a:bodyPr rtlCol="0" anchor="ctr"/>
+          <a:lstStyle/>
+          <a:p>
+            <a:pPr algn="ctr"/>
+            <a:endParaRPr lang="ru-RU"/>
+          </a:p>
+        </p:txBody>
+      </p:sp>
     </p:spTree>
     <p:extLst>
       <p:ext uri="{BB962C8B-B14F-4D97-AF65-F5344CB8AC3E}">
-        <p14:creationId xmlns:p14="http://schemas.microsoft.com/office/powerpoint/2010/main" val="2829787447"/>
+        <p14:creationId xmlns:p14="http://schemas.microsoft.com/office/powerpoint/2010/main" val="1256744204"/>
       </p:ext>
     </p:extLst>
   </p:cSld>
@@ -6712,192 +6847,74 @@
           <a:chExt cx="0" cy="0"/>
         </a:xfrm>
       </p:grpSpPr>
-      <p:sp>
-        <p:nvSpPr>
-          <p:cNvPr id="3" name="Прямоугольник 2"/>
-          <p:cNvSpPr/>
+      <p:pic>
+        <p:nvPicPr>
+          <p:cNvPr id="2" name="Рисунок 1"/>
+          <p:cNvPicPr/>
           <p:nvPr/>
-        </p:nvSpPr>
-        <p:spPr>
-          <a:xfrm>
-            <a:off x="1229475" y="1628800"/>
-            <a:ext cx="7078456" cy="3139321"/>
+        </p:nvPicPr>
+        <p:blipFill>
+          <a:blip r:embed="rId2"/>
+          <a:stretch>
+            <a:fillRect/>
+          </a:stretch>
+        </p:blipFill>
+        <p:spPr>
+          <a:xfrm>
+            <a:off x="1403648" y="260648"/>
+            <a:ext cx="6408712" cy="3070428"/>
           </a:xfrm>
           <a:prstGeom prst="rect">
             <a:avLst/>
           </a:prstGeom>
-        </p:spPr>
-        <p:txBody>
-          <a:bodyPr wrap="square">
-            <a:spAutoFit/>
-          </a:bodyPr>
-          <a:lstStyle/>
-          <a:p>
-            <a:r>
-              <a:rPr lang="ru-RU" dirty="0">
-                <a:solidFill>
-                  <a:schemeClr val="bg1">
-                    <a:lumMod val="95000"/>
-                  </a:schemeClr>
-                </a:solidFill>
-                <a:latin typeface="Arial" pitchFamily="34" charset="0"/>
-                <a:cs typeface="Arial" pitchFamily="34" charset="0"/>
-              </a:rPr>
-              <a:t>В разделе «Календарно-тематические планы» можно просматривать и скачивать в формат .</a:t>
-            </a:r>
-            <a:r>
-              <a:rPr lang="en-US" dirty="0" err="1">
-                <a:solidFill>
-                  <a:schemeClr val="bg1">
-                    <a:lumMod val="95000"/>
-                  </a:schemeClr>
-                </a:solidFill>
-                <a:latin typeface="Arial" pitchFamily="34" charset="0"/>
-                <a:cs typeface="Arial" pitchFamily="34" charset="0"/>
-              </a:rPr>
-              <a:t>docx</a:t>
-            </a:r>
-            <a:r>
-              <a:rPr lang="ru-RU" dirty="0">
-                <a:solidFill>
-                  <a:schemeClr val="bg1">
-                    <a:lumMod val="95000"/>
-                  </a:schemeClr>
-                </a:solidFill>
-                <a:latin typeface="Arial" pitchFamily="34" charset="0"/>
-                <a:cs typeface="Arial" pitchFamily="34" charset="0"/>
-              </a:rPr>
-              <a:t> тематические планы на год, автоматически сформированные из </a:t>
-            </a:r>
-            <a:r>
-              <a:rPr lang="ru-RU" dirty="0" smtClean="0">
-                <a:solidFill>
-                  <a:schemeClr val="bg1">
-                    <a:lumMod val="95000"/>
-                  </a:schemeClr>
-                </a:solidFill>
-                <a:latin typeface="Arial" pitchFamily="34" charset="0"/>
-                <a:cs typeface="Arial" pitchFamily="34" charset="0"/>
-              </a:rPr>
-              <a:t>РП. </a:t>
-            </a:r>
-            <a:r>
-              <a:rPr lang="ru-RU" dirty="0">
-                <a:solidFill>
-                  <a:schemeClr val="bg1">
-                    <a:lumMod val="95000"/>
-                  </a:schemeClr>
-                </a:solidFill>
-                <a:latin typeface="Arial" pitchFamily="34" charset="0"/>
-                <a:cs typeface="Arial" pitchFamily="34" charset="0"/>
-              </a:rPr>
-              <a:t>Для перехода в план нужно найти его в списке, воспользовавшись фильтром по группе, курсу или дисциплине.</a:t>
-            </a:r>
-          </a:p>
-          <a:p>
-            <a:r>
-              <a:rPr lang="ru-RU" dirty="0" smtClean="0">
-                <a:solidFill>
-                  <a:schemeClr val="bg1">
-                    <a:lumMod val="95000"/>
-                  </a:schemeClr>
-                </a:solidFill>
-                <a:latin typeface="Arial" pitchFamily="34" charset="0"/>
-                <a:cs typeface="Arial" pitchFamily="34" charset="0"/>
-              </a:rPr>
-              <a:t>Если </a:t>
-            </a:r>
-            <a:r>
-              <a:rPr lang="ru-RU" dirty="0">
-                <a:solidFill>
-                  <a:schemeClr val="bg1">
-                    <a:lumMod val="95000"/>
-                  </a:schemeClr>
-                </a:solidFill>
-                <a:latin typeface="Arial" pitchFamily="34" charset="0"/>
-                <a:cs typeface="Arial" pitchFamily="34" charset="0"/>
-              </a:rPr>
-              <a:t>группа делится по данной дисциплине, то будут сформированы 2 плана для каждой подгруппы, при этом, если деление только на лабораторно-практические занятия, в КТП второй подгруппы попадут только часы ЛПЗ.</a:t>
-            </a:r>
-          </a:p>
-          <a:p>
-            <a:r>
-              <a:rPr lang="ru-RU" dirty="0" smtClean="0">
-                <a:solidFill>
-                  <a:schemeClr val="bg1">
-                    <a:lumMod val="95000"/>
-                  </a:schemeClr>
-                </a:solidFill>
-                <a:latin typeface="Arial" pitchFamily="34" charset="0"/>
-                <a:cs typeface="Arial" pitchFamily="34" charset="0"/>
-              </a:rPr>
-              <a:t>Даты </a:t>
-            </a:r>
-            <a:r>
-              <a:rPr lang="ru-RU" dirty="0">
-                <a:solidFill>
-                  <a:schemeClr val="bg1">
-                    <a:lumMod val="95000"/>
-                  </a:schemeClr>
-                </a:solidFill>
-                <a:latin typeface="Arial" pitchFamily="34" charset="0"/>
-                <a:cs typeface="Arial" pitchFamily="34" charset="0"/>
-              </a:rPr>
-              <a:t>занятий берутся из фактического расписания, тип занятия определяется по наличию часов ЛПЗ.</a:t>
-            </a:r>
-          </a:p>
-        </p:txBody>
-      </p:sp>
-      <p:sp>
-        <p:nvSpPr>
-          <p:cNvPr id="4" name="Прямоугольник 3"/>
-          <p:cNvSpPr/>
+          <a:ln>
+            <a:noFill/>
+          </a:ln>
+          <a:effectLst>
+            <a:outerShdw blurRad="190500" algn="tl" rotWithShape="0">
+              <a:srgbClr val="000000">
+                <a:alpha val="70000"/>
+              </a:srgbClr>
+            </a:outerShdw>
+          </a:effectLst>
+        </p:spPr>
+      </p:pic>
+      <p:pic>
+        <p:nvPicPr>
+          <p:cNvPr id="3" name="Рисунок 2"/>
+          <p:cNvPicPr/>
           <p:nvPr/>
-        </p:nvSpPr>
-        <p:spPr>
-          <a:xfrm>
-            <a:off x="1013451" y="1628800"/>
-            <a:ext cx="45719" cy="3139322"/>
+        </p:nvPicPr>
+        <p:blipFill>
+          <a:blip r:embed="rId3"/>
+          <a:stretch>
+            <a:fillRect/>
+          </a:stretch>
+        </p:blipFill>
+        <p:spPr>
+          <a:xfrm>
+            <a:off x="1403648" y="3331076"/>
+            <a:ext cx="6408712" cy="3240321"/>
           </a:xfrm>
           <a:prstGeom prst="rect">
             <a:avLst/>
           </a:prstGeom>
-          <a:solidFill>
-            <a:srgbClr val="D608CC"/>
-          </a:solidFill>
           <a:ln>
             <a:noFill/>
           </a:ln>
-        </p:spPr>
-        <p:style>
-          <a:lnRef idx="2">
-            <a:schemeClr val="accent1">
-              <a:shade val="50000"/>
-            </a:schemeClr>
-          </a:lnRef>
-          <a:fillRef idx="1">
-            <a:schemeClr val="accent1"/>
-          </a:fillRef>
-          <a:effectRef idx="0">
-            <a:schemeClr val="accent1"/>
-          </a:effectRef>
-          <a:fontRef idx="minor">
-            <a:schemeClr val="lt1"/>
-          </a:fontRef>
-        </p:style>
-        <p:txBody>
-          <a:bodyPr rtlCol="0" anchor="ctr"/>
-          <a:lstStyle/>
-          <a:p>
-            <a:pPr algn="ctr"/>
-            <a:endParaRPr lang="ru-RU"/>
-          </a:p>
-        </p:txBody>
-      </p:sp>
+          <a:effectLst>
+            <a:outerShdw blurRad="190500" algn="tl" rotWithShape="0">
+              <a:srgbClr val="000000">
+                <a:alpha val="70000"/>
+              </a:srgbClr>
+            </a:outerShdw>
+          </a:effectLst>
+        </p:spPr>
+      </p:pic>
     </p:spTree>
     <p:extLst>
       <p:ext uri="{BB962C8B-B14F-4D97-AF65-F5344CB8AC3E}">
-        <p14:creationId xmlns:p14="http://schemas.microsoft.com/office/powerpoint/2010/main" val="1256744204"/>
+        <p14:creationId xmlns:p14="http://schemas.microsoft.com/office/powerpoint/2010/main" val="903338160"/>
       </p:ext>
     </p:extLst>
   </p:cSld>
@@ -6934,9 +6951,189 @@
           <a:chExt cx="0" cy="0"/>
         </a:xfrm>
       </p:grpSpPr>
+      <p:sp>
+        <p:nvSpPr>
+          <p:cNvPr id="3" name="Прямоугольник 2"/>
+          <p:cNvSpPr/>
+          <p:nvPr/>
+        </p:nvSpPr>
+        <p:spPr>
+          <a:xfrm>
+            <a:off x="1229475" y="4005064"/>
+            <a:ext cx="7078456" cy="2554545"/>
+          </a:xfrm>
+          <a:prstGeom prst="rect">
+            <a:avLst/>
+          </a:prstGeom>
+        </p:spPr>
+        <p:txBody>
+          <a:bodyPr wrap="square">
+            <a:spAutoFit/>
+          </a:bodyPr>
+          <a:lstStyle/>
+          <a:p>
+            <a:r>
+              <a:rPr lang="ru-RU" sz="1600" dirty="0" smtClean="0">
+                <a:solidFill>
+                  <a:schemeClr val="bg1">
+                    <a:lumMod val="95000"/>
+                  </a:schemeClr>
+                </a:solidFill>
+                <a:latin typeface="Arial" pitchFamily="34" charset="0"/>
+                <a:cs typeface="Arial" pitchFamily="34" charset="0"/>
+              </a:rPr>
+              <a:t>На </a:t>
+            </a:r>
+            <a:r>
+              <a:rPr lang="ru-RU" sz="1600" dirty="0">
+                <a:solidFill>
+                  <a:schemeClr val="bg1">
+                    <a:lumMod val="95000"/>
+                  </a:schemeClr>
+                </a:solidFill>
+                <a:latin typeface="Arial" pitchFamily="34" charset="0"/>
+                <a:cs typeface="Arial" pitchFamily="34" charset="0"/>
+              </a:rPr>
+              <a:t>странице «Журналы успеваемости» отображается список </a:t>
+            </a:r>
+            <a:r>
+              <a:rPr lang="ru-RU" sz="1600" dirty="0" smtClean="0">
+                <a:solidFill>
+                  <a:schemeClr val="bg1">
+                    <a:lumMod val="95000"/>
+                  </a:schemeClr>
+                </a:solidFill>
+                <a:latin typeface="Arial" pitchFamily="34" charset="0"/>
+                <a:cs typeface="Arial" pitchFamily="34" charset="0"/>
+              </a:rPr>
+              <a:t>журналов. Если </a:t>
+            </a:r>
+            <a:r>
+              <a:rPr lang="ru-RU" sz="1600" dirty="0">
+                <a:solidFill>
+                  <a:schemeClr val="bg1">
+                    <a:lumMod val="95000"/>
+                  </a:schemeClr>
+                </a:solidFill>
+                <a:latin typeface="Arial" pitchFamily="34" charset="0"/>
+                <a:cs typeface="Arial" pitchFamily="34" charset="0"/>
+              </a:rPr>
+              <a:t>пользователь авторизован как преподаватель, то он видит только свои дисциплины, как и в модуле с тематическими планами.</a:t>
+            </a:r>
+          </a:p>
+          <a:p>
+            <a:r>
+              <a:rPr lang="ru-RU" sz="1600" dirty="0">
+                <a:solidFill>
+                  <a:schemeClr val="bg1">
+                    <a:lumMod val="95000"/>
+                  </a:schemeClr>
+                </a:solidFill>
+                <a:latin typeface="Arial" pitchFamily="34" charset="0"/>
+                <a:cs typeface="Arial" pitchFamily="34" charset="0"/>
+              </a:rPr>
+              <a:t>При нажатии на «Перейти» отображается журнал по данной дисциплине для всей группы или соответствующей </a:t>
+            </a:r>
+            <a:r>
+              <a:rPr lang="ru-RU" sz="1600" dirty="0" smtClean="0">
+                <a:solidFill>
+                  <a:schemeClr val="bg1">
+                    <a:lumMod val="95000"/>
+                  </a:schemeClr>
+                </a:solidFill>
+                <a:latin typeface="Arial" pitchFamily="34" charset="0"/>
+                <a:cs typeface="Arial" pitchFamily="34" charset="0"/>
+              </a:rPr>
+              <a:t>подгруппы. Если </a:t>
+            </a:r>
+            <a:r>
+              <a:rPr lang="ru-RU" sz="1600" dirty="0">
+                <a:solidFill>
+                  <a:schemeClr val="bg1">
+                    <a:lumMod val="95000"/>
+                  </a:schemeClr>
+                </a:solidFill>
+                <a:latin typeface="Arial" pitchFamily="34" charset="0"/>
+                <a:cs typeface="Arial" pitchFamily="34" charset="0"/>
+              </a:rPr>
+              <a:t>группа делится на практики, в журнале 1 подгруппы на лабораторных занятиях ячейки 2 подгруппы неактивны. Для редактирования доступны ячейки только тех уроков, что были назначены в расписание, т.е. по факту. Оценки вводятся в ячейки таблицы, после чего необходимо нажать «Сохранить». Если студент </a:t>
+            </a:r>
+            <a:r>
+              <a:rPr lang="ru-RU" sz="1600" dirty="0" smtClean="0">
+                <a:solidFill>
+                  <a:schemeClr val="bg1">
+                    <a:lumMod val="95000"/>
+                  </a:schemeClr>
+                </a:solidFill>
+                <a:latin typeface="Arial" pitchFamily="34" charset="0"/>
+                <a:cs typeface="Arial" pitchFamily="34" charset="0"/>
+              </a:rPr>
+              <a:t>отсутствовал</a:t>
+            </a:r>
+            <a:r>
+              <a:rPr lang="ru-RU" sz="1600" dirty="0">
+                <a:solidFill>
+                  <a:schemeClr val="bg1">
+                    <a:lumMod val="95000"/>
+                  </a:schemeClr>
+                </a:solidFill>
+                <a:latin typeface="Arial" pitchFamily="34" charset="0"/>
+                <a:cs typeface="Arial" pitchFamily="34" charset="0"/>
+              </a:rPr>
+              <a:t>, вводится «н».</a:t>
+            </a:r>
+          </a:p>
+        </p:txBody>
+      </p:sp>
+      <p:sp>
+        <p:nvSpPr>
+          <p:cNvPr id="4" name="Прямоугольник 3"/>
+          <p:cNvSpPr/>
+          <p:nvPr/>
+        </p:nvSpPr>
+        <p:spPr>
+          <a:xfrm>
+            <a:off x="1013451" y="4005064"/>
+            <a:ext cx="45719" cy="2554545"/>
+          </a:xfrm>
+          <a:prstGeom prst="rect">
+            <a:avLst/>
+          </a:prstGeom>
+          <a:solidFill>
+            <a:srgbClr val="D608CC"/>
+          </a:solidFill>
+          <a:ln>
+            <a:noFill/>
+          </a:ln>
+        </p:spPr>
+        <p:style>
+          <a:lnRef idx="2">
+            <a:schemeClr val="accent1">
+              <a:shade val="50000"/>
+            </a:schemeClr>
+          </a:lnRef>
+          <a:fillRef idx="1">
+            <a:schemeClr val="accent1"/>
+          </a:fillRef>
+          <a:effectRef idx="0">
+            <a:schemeClr val="accent1"/>
+          </a:effectRef>
+          <a:fontRef idx="minor">
+            <a:schemeClr val="lt1"/>
+          </a:fontRef>
+        </p:style>
+        <p:txBody>
+          <a:bodyPr rtlCol="0" anchor="ctr"/>
+          <a:lstStyle/>
+          <a:p>
+            <a:pPr algn="ctr"/>
+            <a:endParaRPr lang="ru-RU"/>
+          </a:p>
+        </p:txBody>
+      </p:sp>
       <p:pic>
         <p:nvPicPr>
-          <p:cNvPr id="2" name="Рисунок 1"/>
+          <p:cNvPr id="5" name="Рисунок 4"/>
           <p:cNvPicPr/>
           <p:nvPr/>
         </p:nvPicPr>
@@ -6948,8 +7145,8 @@
         </p:blipFill>
         <p:spPr>
           <a:xfrm>
-            <a:off x="1403648" y="260648"/>
-            <a:ext cx="6408712" cy="3070428"/>
+            <a:off x="1013451" y="548680"/>
+            <a:ext cx="6366861" cy="3284860"/>
           </a:xfrm>
           <a:prstGeom prst="rect">
             <a:avLst/>
@@ -6966,42 +7163,10 @@
           </a:effectLst>
         </p:spPr>
       </p:pic>
-      <p:pic>
-        <p:nvPicPr>
-          <p:cNvPr id="3" name="Рисунок 2"/>
-          <p:cNvPicPr/>
-          <p:nvPr/>
-        </p:nvPicPr>
-        <p:blipFill>
-          <a:blip r:embed="rId3"/>
-          <a:stretch>
-            <a:fillRect/>
-          </a:stretch>
-        </p:blipFill>
-        <p:spPr>
-          <a:xfrm>
-            <a:off x="1403648" y="3331076"/>
-            <a:ext cx="6408712" cy="3240321"/>
-          </a:xfrm>
-          <a:prstGeom prst="rect">
-            <a:avLst/>
-          </a:prstGeom>
-          <a:ln>
-            <a:noFill/>
-          </a:ln>
-          <a:effectLst>
-            <a:outerShdw blurRad="190500" algn="tl" rotWithShape="0">
-              <a:srgbClr val="000000">
-                <a:alpha val="70000"/>
-              </a:srgbClr>
-            </a:outerShdw>
-          </a:effectLst>
-        </p:spPr>
-      </p:pic>
     </p:spTree>
     <p:extLst>
       <p:ext uri="{BB962C8B-B14F-4D97-AF65-F5344CB8AC3E}">
-        <p14:creationId xmlns:p14="http://schemas.microsoft.com/office/powerpoint/2010/main" val="903338160"/>
+        <p14:creationId xmlns:p14="http://schemas.microsoft.com/office/powerpoint/2010/main" val="3234090432"/>
       </p:ext>
     </p:extLst>
   </p:cSld>
@@ -7046,8 +7211,8 @@
         </p:nvSpPr>
         <p:spPr>
           <a:xfrm>
-            <a:off x="1229475" y="4005064"/>
-            <a:ext cx="7078456" cy="2554545"/>
+            <a:off x="1229475" y="4593901"/>
+            <a:ext cx="7078456" cy="923330"/>
           </a:xfrm>
           <a:prstGeom prst="rect">
             <a:avLst/>
@@ -7060,115 +7225,38 @@
           <a:lstStyle/>
           <a:p>
             <a:r>
-              <a:rPr lang="ru-RU" sz="1600" dirty="0" smtClean="0">
-                <a:solidFill>
-                  <a:schemeClr val="bg1">
-                    <a:lumMod val="95000"/>
-                  </a:schemeClr>
-                </a:solidFill>
-                <a:latin typeface="Arial" pitchFamily="34" charset="0"/>
-                <a:cs typeface="Arial" pitchFamily="34" charset="0"/>
-              </a:rPr>
-              <a:t>На </a:t>
-            </a:r>
-            <a:r>
-              <a:rPr lang="ru-RU" sz="1600" dirty="0">
-                <a:solidFill>
-                  <a:schemeClr val="bg1">
-                    <a:lumMod val="95000"/>
-                  </a:schemeClr>
-                </a:solidFill>
-                <a:latin typeface="Arial" pitchFamily="34" charset="0"/>
-                <a:cs typeface="Arial" pitchFamily="34" charset="0"/>
-              </a:rPr>
-              <a:t>странице «Журналы успеваемости» отображается список </a:t>
-            </a:r>
-            <a:r>
-              <a:rPr lang="ru-RU" sz="1600" dirty="0" smtClean="0">
-                <a:solidFill>
-                  <a:schemeClr val="bg1">
-                    <a:lumMod val="95000"/>
-                  </a:schemeClr>
-                </a:solidFill>
-                <a:latin typeface="Arial" pitchFamily="34" charset="0"/>
-                <a:cs typeface="Arial" pitchFamily="34" charset="0"/>
-              </a:rPr>
-              <a:t>журналов. Если </a:t>
-            </a:r>
-            <a:r>
-              <a:rPr lang="ru-RU" sz="1600" dirty="0">
-                <a:solidFill>
-                  <a:schemeClr val="bg1">
-                    <a:lumMod val="95000"/>
-                  </a:schemeClr>
-                </a:solidFill>
-                <a:latin typeface="Arial" pitchFamily="34" charset="0"/>
-                <a:cs typeface="Arial" pitchFamily="34" charset="0"/>
-              </a:rPr>
-              <a:t>пользователь авторизован как преподаватель, то он видит только свои дисциплины, как и в модуле с тематическими планами.</a:t>
-            </a:r>
-          </a:p>
-          <a:p>
-            <a:r>
-              <a:rPr lang="ru-RU" sz="1600" dirty="0">
-                <a:solidFill>
-                  <a:schemeClr val="bg1">
-                    <a:lumMod val="95000"/>
-                  </a:schemeClr>
-                </a:solidFill>
-                <a:latin typeface="Arial" pitchFamily="34" charset="0"/>
-                <a:cs typeface="Arial" pitchFamily="34" charset="0"/>
-              </a:rPr>
-              <a:t>При нажатии на «Перейти» отображается журнал по данной дисциплине для всей группы или соответствующей </a:t>
-            </a:r>
-            <a:r>
-              <a:rPr lang="ru-RU" sz="1600" dirty="0" smtClean="0">
-                <a:solidFill>
-                  <a:schemeClr val="bg1">
-                    <a:lumMod val="95000"/>
-                  </a:schemeClr>
-                </a:solidFill>
-                <a:latin typeface="Arial" pitchFamily="34" charset="0"/>
-                <a:cs typeface="Arial" pitchFamily="34" charset="0"/>
-              </a:rPr>
-              <a:t>подгруппы. Если </a:t>
-            </a:r>
-            <a:r>
-              <a:rPr lang="ru-RU" sz="1600" dirty="0">
-                <a:solidFill>
-                  <a:schemeClr val="bg1">
-                    <a:lumMod val="95000"/>
-                  </a:schemeClr>
-                </a:solidFill>
-                <a:latin typeface="Arial" pitchFamily="34" charset="0"/>
-                <a:cs typeface="Arial" pitchFamily="34" charset="0"/>
-              </a:rPr>
-              <a:t>группа делится на практики, в журнале 1 подгруппы на лабораторных занятиях ячейки 2 подгруппы неактивны. Для редактирования доступны ячейки только тех уроков, что были назначены в расписание, т.е. по факту. Оценки вводятся в ячейки таблицы, после чего необходимо нажать «Сохранить». Если студент </a:t>
-            </a:r>
-            <a:r>
-              <a:rPr lang="ru-RU" sz="1600" dirty="0" smtClean="0">
-                <a:solidFill>
-                  <a:schemeClr val="bg1">
-                    <a:lumMod val="95000"/>
-                  </a:schemeClr>
-                </a:solidFill>
-                <a:latin typeface="Arial" pitchFamily="34" charset="0"/>
-                <a:cs typeface="Arial" pitchFamily="34" charset="0"/>
-              </a:rPr>
-              <a:t>отсутствовал</a:t>
-            </a:r>
-            <a:r>
-              <a:rPr lang="ru-RU" sz="1600" dirty="0">
-                <a:solidFill>
-                  <a:schemeClr val="bg1">
-                    <a:lumMod val="95000"/>
-                  </a:schemeClr>
-                </a:solidFill>
-                <a:latin typeface="Arial" pitchFamily="34" charset="0"/>
-                <a:cs typeface="Arial" pitchFamily="34" charset="0"/>
-              </a:rPr>
-              <a:t>, вводится «н».</a:t>
-            </a:r>
+              <a:rPr lang="ru-RU" dirty="0">
+                <a:solidFill>
+                  <a:schemeClr val="bg1">
+                    <a:lumMod val="95000"/>
+                  </a:schemeClr>
+                </a:solidFill>
+                <a:latin typeface="Arial" pitchFamily="34" charset="0"/>
+                <a:cs typeface="Arial" pitchFamily="34" charset="0"/>
+              </a:rPr>
+              <a:t>На странице «Текущая успеваемость» при выборе группы и семестра показываются средние текущие оценки каждого студента по каждому </a:t>
+            </a:r>
+            <a:r>
+              <a:rPr lang="ru-RU" dirty="0" smtClean="0">
+                <a:solidFill>
+                  <a:schemeClr val="bg1">
+                    <a:lumMod val="95000"/>
+                  </a:schemeClr>
+                </a:solidFill>
+                <a:latin typeface="Arial" pitchFamily="34" charset="0"/>
+                <a:cs typeface="Arial" pitchFamily="34" charset="0"/>
+              </a:rPr>
+              <a:t>предмету.</a:t>
+            </a:r>
+            <a:endParaRPr lang="ru-RU" dirty="0">
+              <a:solidFill>
+                <a:schemeClr val="bg1">
+                  <a:lumMod val="95000"/>
+                </a:schemeClr>
+              </a:solidFill>
+              <a:latin typeface="Arial" pitchFamily="34" charset="0"/>
+              <a:cs typeface="Arial" pitchFamily="34" charset="0"/>
+            </a:endParaRPr>
           </a:p>
         </p:txBody>
       </p:sp>
@@ -7180,8 +7268,8 @@
         </p:nvSpPr>
         <p:spPr>
           <a:xfrm>
-            <a:off x="1013451" y="4005064"/>
-            <a:ext cx="45719" cy="2554545"/>
+            <a:off x="1013451" y="4593902"/>
+            <a:ext cx="45719" cy="923330"/>
           </a:xfrm>
           <a:prstGeom prst="rect">
             <a:avLst/>
@@ -7220,7 +7308,7 @@
       </p:sp>
       <p:pic>
         <p:nvPicPr>
-          <p:cNvPr id="5" name="Рисунок 4"/>
+          <p:cNvPr id="6" name="Рисунок 5"/>
           <p:cNvPicPr/>
           <p:nvPr/>
         </p:nvPicPr>
@@ -7232,8 +7320,8 @@
         </p:blipFill>
         <p:spPr>
           <a:xfrm>
-            <a:off x="1013451" y="548680"/>
-            <a:ext cx="6366861" cy="3284860"/>
+            <a:off x="1013451" y="692696"/>
+            <a:ext cx="7294480" cy="3486517"/>
           </a:xfrm>
           <a:prstGeom prst="rect">
             <a:avLst/>
@@ -7253,7 +7341,7 @@
     </p:spTree>
     <p:extLst>
       <p:ext uri="{BB962C8B-B14F-4D97-AF65-F5344CB8AC3E}">
-        <p14:creationId xmlns:p14="http://schemas.microsoft.com/office/powerpoint/2010/main" val="3234090432"/>
+        <p14:creationId xmlns:p14="http://schemas.microsoft.com/office/powerpoint/2010/main" val="3504487353"/>
       </p:ext>
     </p:extLst>
   </p:cSld>
@@ -7298,8 +7386,8 @@
         </p:nvSpPr>
         <p:spPr>
           <a:xfrm>
-            <a:off x="1229475" y="4593901"/>
-            <a:ext cx="7078456" cy="923330"/>
+            <a:off x="1229475" y="4365104"/>
+            <a:ext cx="7078456" cy="2031325"/>
           </a:xfrm>
           <a:prstGeom prst="rect">
             <a:avLst/>
@@ -7321,7 +7409,7 @@
                 <a:latin typeface="Arial" pitchFamily="34" charset="0"/>
                 <a:cs typeface="Arial" pitchFamily="34" charset="0"/>
               </a:rPr>
-              <a:t>На странице «Текущая успеваемость» при выборе группы и семестра показываются средние текущие оценки каждого студента по каждому </a:t>
+              <a:t>На странице «Аттестация» при выборе группы и семестра отображен список дисциплин по плану. При переходе к дисциплине открывается список студентов, для каждого отображен средний балл по журналу и выставляется промежуточная аттестация, зачет, экзамен, курсовая (при наличии) и </a:t>
             </a:r>
             <a:r>
               <a:rPr lang="ru-RU" dirty="0" smtClean="0">
@@ -7333,17 +7421,20 @@
                 <a:latin typeface="Arial" pitchFamily="34" charset="0"/>
                 <a:cs typeface="Arial" pitchFamily="34" charset="0"/>
               </a:rPr>
-              <a:t>предмету.</a:t>
-            </a:r>
-            <a:endParaRPr lang="ru-RU" dirty="0">
-              <a:solidFill>
-                <a:schemeClr val="bg1">
-                  <a:lumMod val="95000"/>
-                </a:schemeClr>
-              </a:solidFill>
-              <a:latin typeface="Arial" pitchFamily="34" charset="0"/>
-              <a:cs typeface="Arial" pitchFamily="34" charset="0"/>
-            </a:endParaRPr>
+              <a:t>итоговая. </a:t>
+            </a:r>
+            <a:r>
+              <a:rPr lang="ru-RU" dirty="0">
+                <a:solidFill>
+                  <a:schemeClr val="bg1">
+                    <a:lumMod val="95000"/>
+                  </a:schemeClr>
+                </a:solidFill>
+                <a:latin typeface="Arial" pitchFamily="34" charset="0"/>
+                <a:cs typeface="Arial" pitchFamily="34" charset="0"/>
+              </a:rPr>
+              <a:t>Эти оценки студент будет видеть в своей зачетке.</a:t>
+            </a:r>
           </a:p>
         </p:txBody>
       </p:sp>
@@ -7355,8 +7446,8 @@
         </p:nvSpPr>
         <p:spPr>
           <a:xfrm>
-            <a:off x="1013451" y="4593902"/>
-            <a:ext cx="45719" cy="923330"/>
+            <a:off x="1013451" y="4365105"/>
+            <a:ext cx="45719" cy="2031324"/>
           </a:xfrm>
           <a:prstGeom prst="rect">
             <a:avLst/>
@@ -7395,7 +7486,7 @@
       </p:sp>
       <p:pic>
         <p:nvPicPr>
-          <p:cNvPr id="6" name="Рисунок 5"/>
+          <p:cNvPr id="5" name="Рисунок 4"/>
           <p:cNvPicPr/>
           <p:nvPr/>
         </p:nvPicPr>
@@ -7407,8 +7498,8 @@
         </p:blipFill>
         <p:spPr>
           <a:xfrm>
-            <a:off x="1013451" y="692696"/>
-            <a:ext cx="7294480" cy="3486517"/>
+            <a:off x="1059170" y="692696"/>
+            <a:ext cx="7113230" cy="3279128"/>
           </a:xfrm>
           <a:prstGeom prst="rect">
             <a:avLst/>
@@ -7428,7 +7519,7 @@
     </p:spTree>
     <p:extLst>
       <p:ext uri="{BB962C8B-B14F-4D97-AF65-F5344CB8AC3E}">
-        <p14:creationId xmlns:p14="http://schemas.microsoft.com/office/powerpoint/2010/main" val="3504487353"/>
+        <p14:creationId xmlns:p14="http://schemas.microsoft.com/office/powerpoint/2010/main" val="3183626300"/>
       </p:ext>
     </p:extLst>
   </p:cSld>
@@ -7465,15 +7556,400 @@
           <a:chExt cx="0" cy="0"/>
         </a:xfrm>
       </p:grpSpPr>
+      <p:sp>
+        <p:nvSpPr>
+          <p:cNvPr id="2" name="Прямоугольник 1"/>
+          <p:cNvSpPr/>
+          <p:nvPr/>
+        </p:nvSpPr>
+        <p:spPr>
+          <a:xfrm>
+            <a:off x="755576" y="332656"/>
+            <a:ext cx="45719" cy="6254291"/>
+          </a:xfrm>
+          <a:prstGeom prst="rect">
+            <a:avLst/>
+          </a:prstGeom>
+          <a:solidFill>
+            <a:srgbClr val="D608CC"/>
+          </a:solidFill>
+          <a:ln>
+            <a:noFill/>
+          </a:ln>
+        </p:spPr>
+        <p:style>
+          <a:lnRef idx="2">
+            <a:schemeClr val="accent1">
+              <a:shade val="50000"/>
+            </a:schemeClr>
+          </a:lnRef>
+          <a:fillRef idx="1">
+            <a:schemeClr val="accent1"/>
+          </a:fillRef>
+          <a:effectRef idx="0">
+            <a:schemeClr val="accent1"/>
+          </a:effectRef>
+          <a:fontRef idx="minor">
+            <a:schemeClr val="lt1"/>
+          </a:fontRef>
+        </p:style>
+        <p:txBody>
+          <a:bodyPr rtlCol="0" anchor="ctr"/>
+          <a:lstStyle/>
+          <a:p>
+            <a:pPr algn="ctr"/>
+            <a:endParaRPr lang="ru-RU"/>
+          </a:p>
+        </p:txBody>
+      </p:sp>
+      <p:sp>
+        <p:nvSpPr>
+          <p:cNvPr id="3" name="TextBox 2"/>
+          <p:cNvSpPr txBox="1"/>
+          <p:nvPr/>
+        </p:nvSpPr>
+        <p:spPr>
+          <a:xfrm>
+            <a:off x="899592" y="2887201"/>
+            <a:ext cx="7560840" cy="3785652"/>
+          </a:xfrm>
+          <a:prstGeom prst="rect">
+            <a:avLst/>
+          </a:prstGeom>
+          <a:noFill/>
+        </p:spPr>
+        <p:txBody>
+          <a:bodyPr wrap="square" rtlCol="0">
+            <a:spAutoFit/>
+          </a:bodyPr>
+          <a:lstStyle/>
+          <a:p>
+            <a:r>
+              <a:rPr lang="ru-RU" sz="1600" dirty="0" smtClean="0">
+                <a:solidFill>
+                  <a:schemeClr val="bg1"/>
+                </a:solidFill>
+                <a:latin typeface="Arial" pitchFamily="34" charset="0"/>
+                <a:cs typeface="Arial" pitchFamily="34" charset="0"/>
+              </a:rPr>
+              <a:t>При </a:t>
+            </a:r>
+            <a:r>
+              <a:rPr lang="ru-RU" sz="1600" dirty="0">
+                <a:solidFill>
+                  <a:schemeClr val="bg1"/>
+                </a:solidFill>
+                <a:latin typeface="Arial" pitchFamily="34" charset="0"/>
+                <a:cs typeface="Arial" pitchFamily="34" charset="0"/>
+              </a:rPr>
+              <a:t>создании приложения можно использовать Artisan - интерфейс командной строки для ввода встроенных команд, а также создания своих собственных.</a:t>
+            </a:r>
+          </a:p>
+          <a:p>
+            <a:r>
+              <a:rPr lang="en-US" sz="1600" dirty="0" smtClean="0">
+                <a:solidFill>
+                  <a:schemeClr val="bg1"/>
+                </a:solidFill>
+                <a:latin typeface="Arial" pitchFamily="34" charset="0"/>
+                <a:cs typeface="Arial" pitchFamily="34" charset="0"/>
+              </a:rPr>
+              <a:t>Laravel</a:t>
+            </a:r>
+            <a:r>
+              <a:rPr lang="ru-RU" sz="1600" dirty="0" smtClean="0">
+                <a:solidFill>
+                  <a:schemeClr val="bg1"/>
+                </a:solidFill>
+                <a:latin typeface="Arial" pitchFamily="34" charset="0"/>
+                <a:cs typeface="Arial" pitchFamily="34" charset="0"/>
+              </a:rPr>
+              <a:t> </a:t>
+            </a:r>
+            <a:r>
+              <a:rPr lang="ru-RU" sz="1600" dirty="0">
+                <a:solidFill>
+                  <a:schemeClr val="bg1"/>
+                </a:solidFill>
+                <a:latin typeface="Arial" pitchFamily="34" charset="0"/>
+                <a:cs typeface="Arial" pitchFamily="34" charset="0"/>
+              </a:rPr>
+              <a:t>поддерживает такие удобные функции, как:  настройка выполнения задач по расписанию, готовая пагинация, механизмы авторизации, в том числе с помощью </a:t>
+            </a:r>
+            <a:r>
+              <a:rPr lang="en-US" sz="1600" dirty="0" err="1">
+                <a:solidFill>
+                  <a:schemeClr val="bg1"/>
+                </a:solidFill>
+                <a:latin typeface="Arial" pitchFamily="34" charset="0"/>
+                <a:cs typeface="Arial" pitchFamily="34" charset="0"/>
+              </a:rPr>
+              <a:t>api</a:t>
+            </a:r>
+            <a:r>
+              <a:rPr lang="ru-RU" sz="1600" dirty="0">
+                <a:solidFill>
+                  <a:schemeClr val="bg1"/>
+                </a:solidFill>
+                <a:latin typeface="Arial" pitchFamily="34" charset="0"/>
+                <a:cs typeface="Arial" pitchFamily="34" charset="0"/>
+              </a:rPr>
+              <a:t>-</a:t>
+            </a:r>
+            <a:r>
+              <a:rPr lang="ru-RU" sz="1600" dirty="0" err="1">
+                <a:solidFill>
+                  <a:schemeClr val="bg1"/>
+                </a:solidFill>
+                <a:latin typeface="Arial" pitchFamily="34" charset="0"/>
+                <a:cs typeface="Arial" pitchFamily="34" charset="0"/>
+              </a:rPr>
+              <a:t>токенов</a:t>
+            </a:r>
+            <a:r>
+              <a:rPr lang="ru-RU" sz="1600" dirty="0">
+                <a:solidFill>
+                  <a:schemeClr val="bg1"/>
+                </a:solidFill>
+                <a:latin typeface="Arial" pitchFamily="34" charset="0"/>
+                <a:cs typeface="Arial" pitchFamily="34" charset="0"/>
+              </a:rPr>
+              <a:t>, практически готовые к использованию, разграничение прав доступа. Также имеется большое количество фасадов и хелперов, позволяющих писать лаконичный и понятный код, а также получить данные или вызвать функцию в любом месте приложения и пространстве имен.</a:t>
+            </a:r>
+          </a:p>
+          <a:p>
+            <a:r>
+              <a:rPr lang="ru-RU" sz="1600" dirty="0">
+                <a:solidFill>
+                  <a:schemeClr val="bg1"/>
+                </a:solidFill>
+                <a:latin typeface="Arial" pitchFamily="34" charset="0"/>
+                <a:cs typeface="Arial" pitchFamily="34" charset="0"/>
+              </a:rPr>
+              <a:t>В </a:t>
+            </a:r>
+            <a:r>
+              <a:rPr lang="en-US" sz="1600" dirty="0">
+                <a:solidFill>
+                  <a:schemeClr val="bg1"/>
+                </a:solidFill>
+                <a:latin typeface="Arial" pitchFamily="34" charset="0"/>
+                <a:cs typeface="Arial" pitchFamily="34" charset="0"/>
+              </a:rPr>
+              <a:t>Laravel</a:t>
+            </a:r>
+            <a:r>
+              <a:rPr lang="ru-RU" sz="1600" dirty="0">
+                <a:solidFill>
+                  <a:schemeClr val="bg1"/>
+                </a:solidFill>
+                <a:latin typeface="Arial" pitchFamily="34" charset="0"/>
+                <a:cs typeface="Arial" pitchFamily="34" charset="0"/>
+              </a:rPr>
+              <a:t> можно очень быстро написать </a:t>
+            </a:r>
+            <a:r>
+              <a:rPr lang="en-US" sz="1600" dirty="0">
+                <a:solidFill>
+                  <a:schemeClr val="bg1"/>
+                </a:solidFill>
+                <a:latin typeface="Arial" pitchFamily="34" charset="0"/>
+                <a:cs typeface="Arial" pitchFamily="34" charset="0"/>
+              </a:rPr>
+              <a:t>REST API</a:t>
+            </a:r>
+            <a:r>
+              <a:rPr lang="ru-RU" sz="1600" dirty="0">
+                <a:solidFill>
+                  <a:schemeClr val="bg1"/>
+                </a:solidFill>
+                <a:latin typeface="Arial" pitchFamily="34" charset="0"/>
+                <a:cs typeface="Arial" pitchFamily="34" charset="0"/>
+              </a:rPr>
+              <a:t> для интеграции с мобильными приложениями, использования на других сайтах и так далее. Также из коробки доступны </a:t>
+            </a:r>
+            <a:r>
+              <a:rPr lang="en-US" sz="1600" dirty="0">
+                <a:solidFill>
+                  <a:schemeClr val="bg1"/>
+                </a:solidFill>
+                <a:latin typeface="Arial" pitchFamily="34" charset="0"/>
+                <a:cs typeface="Arial" pitchFamily="34" charset="0"/>
+              </a:rPr>
+              <a:t>Bootstrap</a:t>
+            </a:r>
+            <a:r>
+              <a:rPr lang="ru-RU" sz="1600" dirty="0">
+                <a:solidFill>
+                  <a:schemeClr val="bg1"/>
+                </a:solidFill>
+                <a:latin typeface="Arial" pitchFamily="34" charset="0"/>
+                <a:cs typeface="Arial" pitchFamily="34" charset="0"/>
+              </a:rPr>
+              <a:t> 4, </a:t>
+            </a:r>
+            <a:r>
+              <a:rPr lang="en-US" sz="1600" dirty="0">
+                <a:solidFill>
+                  <a:schemeClr val="bg1"/>
+                </a:solidFill>
+                <a:latin typeface="Arial" pitchFamily="34" charset="0"/>
+                <a:cs typeface="Arial" pitchFamily="34" charset="0"/>
+              </a:rPr>
+              <a:t>VueJS</a:t>
+            </a:r>
+            <a:r>
+              <a:rPr lang="ru-RU" sz="1600" dirty="0">
+                <a:solidFill>
+                  <a:schemeClr val="bg1"/>
+                </a:solidFill>
+                <a:latin typeface="Arial" pitchFamily="34" charset="0"/>
+                <a:cs typeface="Arial" pitchFamily="34" charset="0"/>
+              </a:rPr>
+              <a:t>, </a:t>
+            </a:r>
+            <a:r>
+              <a:rPr lang="en-US" sz="1600" dirty="0">
+                <a:solidFill>
+                  <a:schemeClr val="bg1"/>
+                </a:solidFill>
+                <a:latin typeface="Arial" pitchFamily="34" charset="0"/>
+                <a:cs typeface="Arial" pitchFamily="34" charset="0"/>
+              </a:rPr>
+              <a:t>Webpack</a:t>
+            </a:r>
+            <a:r>
+              <a:rPr lang="ru-RU" sz="1600" dirty="0">
+                <a:solidFill>
+                  <a:schemeClr val="bg1"/>
+                </a:solidFill>
+                <a:latin typeface="Arial" pitchFamily="34" charset="0"/>
+                <a:cs typeface="Arial" pitchFamily="34" charset="0"/>
+              </a:rPr>
+              <a:t>. Таким образом, </a:t>
+            </a:r>
+            <a:r>
+              <a:rPr lang="en-US" sz="1600" dirty="0">
+                <a:solidFill>
+                  <a:schemeClr val="bg1"/>
+                </a:solidFill>
+                <a:latin typeface="Arial" pitchFamily="34" charset="0"/>
+                <a:cs typeface="Arial" pitchFamily="34" charset="0"/>
+              </a:rPr>
+              <a:t>Laravel</a:t>
+            </a:r>
+            <a:r>
+              <a:rPr lang="ru-RU" sz="1600" dirty="0">
+                <a:solidFill>
+                  <a:schemeClr val="bg1"/>
+                </a:solidFill>
+                <a:latin typeface="Arial" pitchFamily="34" charset="0"/>
+                <a:cs typeface="Arial" pitchFamily="34" charset="0"/>
+              </a:rPr>
+              <a:t> отлично подходит в качестве удобного, быстрого и надежного средства разработки.</a:t>
+            </a:r>
+          </a:p>
+        </p:txBody>
+      </p:sp>
+      <p:sp>
+        <p:nvSpPr>
+          <p:cNvPr id="4" name="Прямоугольник 3"/>
+          <p:cNvSpPr/>
+          <p:nvPr/>
+        </p:nvSpPr>
+        <p:spPr>
+          <a:xfrm>
+            <a:off x="899592" y="332656"/>
+            <a:ext cx="5616624" cy="2554545"/>
+          </a:xfrm>
+          <a:prstGeom prst="rect">
+            <a:avLst/>
+          </a:prstGeom>
+        </p:spPr>
+        <p:txBody>
+          <a:bodyPr wrap="square">
+            <a:spAutoFit/>
+          </a:bodyPr>
+          <a:lstStyle/>
+          <a:p>
+            <a:r>
+              <a:rPr lang="x-none" sz="1600">
+                <a:solidFill>
+                  <a:schemeClr val="bg1"/>
+                </a:solidFill>
+                <a:latin typeface="Arial" pitchFamily="34" charset="0"/>
+                <a:cs typeface="Arial" pitchFamily="34" charset="0"/>
+              </a:rPr>
+              <a:t>Laravel — бесплатный веб-фреймворк с открытым кодом, предназначенный для разработки с использованием архитектурной модели MVC (англ. </a:t>
+            </a:r>
+            <a:r>
+              <a:rPr lang="ru-RU" sz="1600" dirty="0">
+                <a:solidFill>
+                  <a:schemeClr val="bg1"/>
+                </a:solidFill>
+                <a:latin typeface="Arial" pitchFamily="34" charset="0"/>
+                <a:cs typeface="Arial" pitchFamily="34" charset="0"/>
+              </a:rPr>
+              <a:t>Model View Controller</a:t>
+            </a:r>
+            <a:r>
+              <a:rPr lang="x-none" sz="1600">
+                <a:solidFill>
+                  <a:schemeClr val="bg1"/>
+                </a:solidFill>
+                <a:latin typeface="Arial" pitchFamily="34" charset="0"/>
+                <a:cs typeface="Arial" pitchFamily="34" charset="0"/>
+              </a:rPr>
+              <a:t> — модель-представление-контроллер). Laravel выпущен под лицензией MIT.</a:t>
+            </a:r>
+            <a:endParaRPr lang="ru-RU" sz="1600" dirty="0">
+              <a:solidFill>
+                <a:schemeClr val="bg1"/>
+              </a:solidFill>
+              <a:latin typeface="Arial" pitchFamily="34" charset="0"/>
+              <a:cs typeface="Arial" pitchFamily="34" charset="0"/>
+            </a:endParaRPr>
+          </a:p>
+          <a:p>
+            <a:r>
+              <a:rPr lang="ru-RU" sz="1600" dirty="0">
+                <a:solidFill>
+                  <a:schemeClr val="bg1"/>
+                </a:solidFill>
+                <a:latin typeface="Arial" pitchFamily="34" charset="0"/>
+                <a:cs typeface="Arial" pitchFamily="34" charset="0"/>
+              </a:rPr>
+              <a:t>В Laravel есть встроенная поддержка движка шаблонов Blade, с помощью которого  можно делать простые представления веб-приложения используя специальный синтаксис</a:t>
+            </a:r>
+            <a:r>
+              <a:rPr lang="ru-RU" sz="1600" dirty="0" smtClean="0">
+                <a:solidFill>
+                  <a:schemeClr val="bg1"/>
+                </a:solidFill>
+                <a:latin typeface="Arial" pitchFamily="34" charset="0"/>
+                <a:cs typeface="Arial" pitchFamily="34" charset="0"/>
+              </a:rPr>
+              <a:t>.</a:t>
+            </a:r>
+            <a:endParaRPr lang="ru-RU" sz="1600" dirty="0">
+              <a:solidFill>
+                <a:schemeClr val="bg1"/>
+              </a:solidFill>
+              <a:latin typeface="Arial" pitchFamily="34" charset="0"/>
+              <a:cs typeface="Arial" pitchFamily="34" charset="0"/>
+            </a:endParaRPr>
+          </a:p>
+        </p:txBody>
+      </p:sp>
       <p:pic>
         <p:nvPicPr>
-          <p:cNvPr id="3074" name="Picture 2"/>
+          <p:cNvPr id="1036" name="Picture 12" descr="Agile web development with Laravel 5.7 -"/>
           <p:cNvPicPr>
             <a:picLocks noChangeAspect="1" noChangeArrowheads="1"/>
           </p:cNvPicPr>
           <p:nvPr/>
         </p:nvPicPr>
-        <p:blipFill>
+        <p:blipFill rotWithShape="1">
           <a:blip r:embed="rId2">
             <a:extLst>
               <a:ext uri="{28A0092B-C50C-407E-A947-70E740481C1C}">
@@ -7481,15 +7957,13 @@
               </a:ext>
             </a:extLst>
           </a:blip>
-          <a:srcRect/>
-          <a:stretch>
-            <a:fillRect/>
-          </a:stretch>
+          <a:srcRect l="13351" t="16395" r="8939" b="16795"/>
+          <a:stretch/>
         </p:blipFill>
         <p:spPr bwMode="auto">
           <a:xfrm>
-            <a:off x="1728788" y="692696"/>
-            <a:ext cx="5686425" cy="4762500"/>
+            <a:off x="6660232" y="476672"/>
+            <a:ext cx="2093917" cy="1800200"/>
           </a:xfrm>
           <a:prstGeom prst="rect">
             <a:avLst/>
@@ -7508,129 +7982,17 @@
             <a:ext uri="{909E8E84-426E-40DD-AFC4-6F175D3DCCD1}">
               <a14:hiddenFill xmlns:a14="http://schemas.microsoft.com/office/drawing/2010/main">
                 <a:solidFill>
-                  <a:schemeClr val="accent1"/>
+                  <a:srgbClr val="FFFFFF"/>
                 </a:solidFill>
               </a14:hiddenFill>
             </a:ext>
-            <a:ext uri="{91240B29-F687-4F45-9708-019B960494DF}">
-              <a14:hiddenLine xmlns:a14="http://schemas.microsoft.com/office/drawing/2010/main" w="9525">
-                <a:solidFill>
-                  <a:schemeClr val="tx1"/>
-                </a:solidFill>
-                <a:miter lim="800000"/>
-                <a:headEnd/>
-                <a:tailEnd/>
-              </a14:hiddenLine>
-            </a:ext>
-            <a:ext uri="{AF507438-7753-43E0-B8FC-AC1667EBCBE1}">
-              <a14:hiddenEffects xmlns:a14="http://schemas.microsoft.com/office/drawing/2010/main">
-                <a:effectLst>
-                  <a:outerShdw dist="35921" dir="2700000" algn="ctr" rotWithShape="0">
-                    <a:schemeClr val="bg2"/>
-                  </a:outerShdw>
-                </a:effectLst>
-              </a14:hiddenEffects>
-            </a:ext>
           </a:extLst>
         </p:spPr>
       </p:pic>
-      <p:sp>
-        <p:nvSpPr>
-          <p:cNvPr id="2" name="TextBox 1"/>
-          <p:cNvSpPr txBox="1"/>
-          <p:nvPr/>
-        </p:nvSpPr>
-        <p:spPr>
-          <a:xfrm>
-            <a:off x="2843808" y="5733256"/>
-            <a:ext cx="3672408" cy="369332"/>
-          </a:xfrm>
-          <a:prstGeom prst="rect">
-            <a:avLst/>
-          </a:prstGeom>
-          <a:noFill/>
-        </p:spPr>
-        <p:txBody>
-          <a:bodyPr wrap="square" rtlCol="0">
-            <a:spAutoFit/>
-          </a:bodyPr>
-          <a:lstStyle/>
-          <a:p>
-            <a:pPr algn="ctr"/>
-            <a:r>
-              <a:rPr lang="ru-RU" dirty="0" smtClean="0">
-                <a:solidFill>
-                  <a:schemeClr val="bg1">
-                    <a:lumMod val="95000"/>
-                  </a:schemeClr>
-                </a:solidFill>
-                <a:latin typeface="Arial" pitchFamily="34" charset="0"/>
-                <a:cs typeface="Arial" pitchFamily="34" charset="0"/>
-              </a:rPr>
-              <a:t>Общая структура проекта</a:t>
-            </a:r>
-            <a:endParaRPr lang="ru-RU" dirty="0">
-              <a:solidFill>
-                <a:schemeClr val="bg1">
-                  <a:lumMod val="95000"/>
-                </a:schemeClr>
-              </a:solidFill>
-              <a:latin typeface="Arial" pitchFamily="34" charset="0"/>
-              <a:cs typeface="Arial" pitchFamily="34" charset="0"/>
-            </a:endParaRPr>
-          </a:p>
-        </p:txBody>
-      </p:sp>
-      <p:sp>
-        <p:nvSpPr>
-          <p:cNvPr id="4" name="Прямоугольник 3"/>
-          <p:cNvSpPr/>
-          <p:nvPr/>
-        </p:nvSpPr>
-        <p:spPr>
-          <a:xfrm>
-            <a:off x="1093735" y="692696"/>
-            <a:ext cx="58752" cy="5282718"/>
-          </a:xfrm>
-          <a:prstGeom prst="rect">
-            <a:avLst/>
-          </a:prstGeom>
-          <a:solidFill>
-            <a:srgbClr val="D608CC"/>
-          </a:solidFill>
-          <a:ln>
-            <a:noFill/>
-          </a:ln>
-        </p:spPr>
-        <p:style>
-          <a:lnRef idx="2">
-            <a:schemeClr val="accent1">
-              <a:shade val="50000"/>
-            </a:schemeClr>
-          </a:lnRef>
-          <a:fillRef idx="1">
-            <a:schemeClr val="accent1"/>
-          </a:fillRef>
-          <a:effectRef idx="0">
-            <a:schemeClr val="accent1"/>
-          </a:effectRef>
-          <a:fontRef idx="minor">
-            <a:schemeClr val="lt1"/>
-          </a:fontRef>
-        </p:style>
-        <p:txBody>
-          <a:bodyPr rtlCol="0" anchor="ctr"/>
-          <a:lstStyle/>
-          <a:p>
-            <a:pPr algn="ctr"/>
-            <a:endParaRPr lang="ru-RU"/>
-          </a:p>
-        </p:txBody>
-      </p:sp>
     </p:spTree>
     <p:extLst>
       <p:ext uri="{BB962C8B-B14F-4D97-AF65-F5344CB8AC3E}">
-        <p14:creationId xmlns:p14="http://schemas.microsoft.com/office/powerpoint/2010/main" val="3209087119"/>
+        <p14:creationId xmlns:p14="http://schemas.microsoft.com/office/powerpoint/2010/main" val="3063657032"/>
       </p:ext>
     </p:extLst>
   </p:cSld>
@@ -7675,8 +8037,8 @@
         </p:nvSpPr>
         <p:spPr>
           <a:xfrm>
-            <a:off x="1229475" y="4365104"/>
-            <a:ext cx="7078456" cy="2031325"/>
+            <a:off x="1229475" y="260648"/>
+            <a:ext cx="7078456" cy="2554545"/>
           </a:xfrm>
           <a:prstGeom prst="rect">
             <a:avLst/>
@@ -7689,41 +8051,112 @@
           <a:lstStyle/>
           <a:p>
             <a:r>
-              <a:rPr lang="ru-RU" dirty="0">
-                <a:solidFill>
-                  <a:schemeClr val="bg1">
-                    <a:lumMod val="95000"/>
-                  </a:schemeClr>
-                </a:solidFill>
-                <a:latin typeface="Arial" pitchFamily="34" charset="0"/>
-                <a:cs typeface="Arial" pitchFamily="34" charset="0"/>
-              </a:rPr>
-              <a:t>На странице «Аттестация» при выборе группы и семестра отображен список дисциплин по плану. При переходе к дисциплине открывается список студентов, для каждого отображен средний балл по журналу и выставляется промежуточная аттестация, зачет, экзамен, курсовая (при наличии) и </a:t>
-            </a:r>
-            <a:r>
-              <a:rPr lang="ru-RU" dirty="0" smtClean="0">
-                <a:solidFill>
-                  <a:schemeClr val="bg1">
-                    <a:lumMod val="95000"/>
-                  </a:schemeClr>
-                </a:solidFill>
-                <a:latin typeface="Arial" pitchFamily="34" charset="0"/>
-                <a:cs typeface="Arial" pitchFamily="34" charset="0"/>
-              </a:rPr>
-              <a:t>итоговая. </a:t>
-            </a:r>
-            <a:r>
-              <a:rPr lang="ru-RU" dirty="0">
-                <a:solidFill>
-                  <a:schemeClr val="bg1">
-                    <a:lumMod val="95000"/>
-                  </a:schemeClr>
-                </a:solidFill>
-                <a:latin typeface="Arial" pitchFamily="34" charset="0"/>
-                <a:cs typeface="Arial" pitchFamily="34" charset="0"/>
-              </a:rPr>
-              <a:t>Эти оценки студент будет видеть в своей зачетке.</a:t>
-            </a:r>
+              <a:rPr lang="ru-RU" sz="1600" dirty="0">
+                <a:solidFill>
+                  <a:schemeClr val="bg1">
+                    <a:lumMod val="95000"/>
+                  </a:schemeClr>
+                </a:solidFill>
+                <a:latin typeface="Arial" pitchFamily="34" charset="0"/>
+                <a:cs typeface="Arial" pitchFamily="34" charset="0"/>
+              </a:rPr>
+              <a:t>В разделе «Форум» можно создавать темы (групповые чаты) и общаться. Отображен список тем, к которым авторизованный пользователь имеет </a:t>
+            </a:r>
+            <a:r>
+              <a:rPr lang="ru-RU" sz="1600" dirty="0" smtClean="0">
+                <a:solidFill>
+                  <a:schemeClr val="bg1">
+                    <a:lumMod val="95000"/>
+                  </a:schemeClr>
+                </a:solidFill>
+                <a:latin typeface="Arial" pitchFamily="34" charset="0"/>
+                <a:cs typeface="Arial" pitchFamily="34" charset="0"/>
+              </a:rPr>
+              <a:t>доступ. </a:t>
+            </a:r>
+            <a:r>
+              <a:rPr lang="ru-RU" sz="1600" dirty="0">
+                <a:solidFill>
+                  <a:schemeClr val="bg1">
+                    <a:lumMod val="95000"/>
+                  </a:schemeClr>
+                </a:solidFill>
+                <a:latin typeface="Arial" pitchFamily="34" charset="0"/>
+                <a:cs typeface="Arial" pitchFamily="34" charset="0"/>
+              </a:rPr>
+              <a:t>Для создания новой темы нужно кликнуть «Создать тему» и ввести название и описание</a:t>
+            </a:r>
+            <a:r>
+              <a:rPr lang="ru-RU" sz="1600" dirty="0" smtClean="0">
+                <a:solidFill>
+                  <a:schemeClr val="bg1">
+                    <a:lumMod val="95000"/>
+                  </a:schemeClr>
+                </a:solidFill>
+                <a:latin typeface="Arial" pitchFamily="34" charset="0"/>
+                <a:cs typeface="Arial" pitchFamily="34" charset="0"/>
+              </a:rPr>
+              <a:t>.</a:t>
+            </a:r>
+          </a:p>
+          <a:p>
+            <a:r>
+              <a:rPr lang="ru-RU" sz="1600" dirty="0">
+                <a:solidFill>
+                  <a:schemeClr val="bg1">
+                    <a:lumMod val="95000"/>
+                  </a:schemeClr>
+                </a:solidFill>
+                <a:latin typeface="Arial" pitchFamily="34" charset="0"/>
+                <a:cs typeface="Arial" pitchFamily="34" charset="0"/>
+              </a:rPr>
+              <a:t>Автор темы может ограничить права доступа. Для этого нужно кликнуть «Редактировать». На открывшейся странице назначаются права доступа для студентов и преподавателей. Для каждой категории пользователей можно установить опции «Все», «Никто» или выбрать галочками определенных </a:t>
+            </a:r>
+            <a:r>
+              <a:rPr lang="ru-RU" sz="1600" dirty="0" smtClean="0">
+                <a:solidFill>
+                  <a:schemeClr val="bg1">
+                    <a:lumMod val="95000"/>
+                  </a:schemeClr>
+                </a:solidFill>
+                <a:latin typeface="Arial" pitchFamily="34" charset="0"/>
+                <a:cs typeface="Arial" pitchFamily="34" charset="0"/>
+              </a:rPr>
+              <a:t>пользователей. </a:t>
+            </a:r>
+            <a:r>
+              <a:rPr lang="ru-RU" sz="1600" dirty="0">
+                <a:solidFill>
+                  <a:schemeClr val="bg1">
+                    <a:lumMod val="95000"/>
+                  </a:schemeClr>
+                </a:solidFill>
+                <a:latin typeface="Arial" pitchFamily="34" charset="0"/>
+                <a:cs typeface="Arial" pitchFamily="34" charset="0"/>
+              </a:rPr>
+              <a:t>Администраторы по умолчанию имеют доступ ко всем темам</a:t>
+            </a:r>
+            <a:r>
+              <a:rPr lang="ru-RU" sz="1600" dirty="0" smtClean="0">
+                <a:solidFill>
+                  <a:schemeClr val="bg1">
+                    <a:lumMod val="95000"/>
+                  </a:schemeClr>
+                </a:solidFill>
+                <a:latin typeface="Arial" pitchFamily="34" charset="0"/>
+                <a:cs typeface="Arial" pitchFamily="34" charset="0"/>
+              </a:rPr>
+              <a:t>.</a:t>
+            </a:r>
+            <a:endParaRPr lang="ru-RU" sz="1600" dirty="0">
+              <a:solidFill>
+                <a:schemeClr val="bg1">
+                  <a:lumMod val="95000"/>
+                </a:schemeClr>
+              </a:solidFill>
+              <a:latin typeface="Arial" pitchFamily="34" charset="0"/>
+              <a:cs typeface="Arial" pitchFamily="34" charset="0"/>
+            </a:endParaRPr>
           </a:p>
         </p:txBody>
       </p:sp>
@@ -7735,8 +8168,8 @@
         </p:nvSpPr>
         <p:spPr>
           <a:xfrm>
-            <a:off x="1013451" y="4365105"/>
-            <a:ext cx="45719" cy="2031324"/>
+            <a:off x="1013451" y="260649"/>
+            <a:ext cx="45719" cy="2554544"/>
           </a:xfrm>
           <a:prstGeom prst="rect">
             <a:avLst/>
@@ -7775,7 +8208,7 @@
       </p:sp>
       <p:pic>
         <p:nvPicPr>
-          <p:cNvPr id="5" name="Рисунок 4"/>
+          <p:cNvPr id="6" name="Рисунок 5"/>
           <p:cNvPicPr/>
           <p:nvPr/>
         </p:nvPicPr>
@@ -7787,8 +8220,8 @@
         </p:blipFill>
         <p:spPr>
           <a:xfrm>
-            <a:off x="1059170" y="692696"/>
-            <a:ext cx="7113230" cy="3279128"/>
+            <a:off x="1005958" y="2924944"/>
+            <a:ext cx="7484832" cy="1584176"/>
           </a:xfrm>
           <a:prstGeom prst="rect">
             <a:avLst/>
@@ -7805,10 +8238,46 @@
           </a:effectLst>
         </p:spPr>
       </p:pic>
+      <p:pic>
+        <p:nvPicPr>
+          <p:cNvPr id="7" name="Рисунок 6"/>
+          <p:cNvPicPr/>
+          <p:nvPr/>
+        </p:nvPicPr>
+        <p:blipFill rotWithShape="1">
+          <a:blip r:embed="rId3"/>
+          <a:srcRect t="45490"/>
+          <a:stretch/>
+        </p:blipFill>
+        <p:spPr bwMode="auto">
+          <a:xfrm>
+            <a:off x="1005958" y="4641800"/>
+            <a:ext cx="7484832" cy="2027560"/>
+          </a:xfrm>
+          <a:prstGeom prst="rect">
+            <a:avLst/>
+          </a:prstGeom>
+          <a:ln>
+            <a:noFill/>
+          </a:ln>
+          <a:effectLst>
+            <a:outerShdw blurRad="190500" algn="tl" rotWithShape="0">
+              <a:srgbClr val="000000">
+                <a:alpha val="70000"/>
+              </a:srgbClr>
+            </a:outerShdw>
+          </a:effectLst>
+          <a:extLst>
+            <a:ext uri="{53640926-AAD7-44D8-BBD7-CCE9431645EC}">
+              <a14:shadowObscured xmlns:a14="http://schemas.microsoft.com/office/drawing/2010/main"/>
+            </a:ext>
+          </a:extLst>
+        </p:spPr>
+      </p:pic>
     </p:spTree>
     <p:extLst>
       <p:ext uri="{BB962C8B-B14F-4D97-AF65-F5344CB8AC3E}">
-        <p14:creationId xmlns:p14="http://schemas.microsoft.com/office/powerpoint/2010/main" val="3183626300"/>
+        <p14:creationId xmlns:p14="http://schemas.microsoft.com/office/powerpoint/2010/main" val="1659734742"/>
       </p:ext>
     </p:extLst>
   </p:cSld>
@@ -7853,8 +8322,8 @@
         </p:nvSpPr>
         <p:spPr>
           <a:xfrm>
-            <a:off x="1229475" y="260648"/>
-            <a:ext cx="7078456" cy="2554545"/>
+            <a:off x="1229475" y="4653136"/>
+            <a:ext cx="7078456" cy="1477328"/>
           </a:xfrm>
           <a:prstGeom prst="rect">
             <a:avLst/>
@@ -7867,112 +8336,41 @@
           <a:lstStyle/>
           <a:p>
             <a:r>
-              <a:rPr lang="ru-RU" sz="1600" dirty="0">
-                <a:solidFill>
-                  <a:schemeClr val="bg1">
-                    <a:lumMod val="95000"/>
-                  </a:schemeClr>
-                </a:solidFill>
-                <a:latin typeface="Arial" pitchFamily="34" charset="0"/>
-                <a:cs typeface="Arial" pitchFamily="34" charset="0"/>
-              </a:rPr>
-              <a:t>В разделе «Форум» можно создавать темы (групповые чаты) и общаться. Отображен список тем, к которым авторизованный пользователь имеет </a:t>
-            </a:r>
-            <a:r>
-              <a:rPr lang="ru-RU" sz="1600" dirty="0" smtClean="0">
-                <a:solidFill>
-                  <a:schemeClr val="bg1">
-                    <a:lumMod val="95000"/>
-                  </a:schemeClr>
-                </a:solidFill>
-                <a:latin typeface="Arial" pitchFamily="34" charset="0"/>
-                <a:cs typeface="Arial" pitchFamily="34" charset="0"/>
-              </a:rPr>
-              <a:t>доступ. </a:t>
-            </a:r>
-            <a:r>
-              <a:rPr lang="ru-RU" sz="1600" dirty="0">
-                <a:solidFill>
-                  <a:schemeClr val="bg1">
-                    <a:lumMod val="95000"/>
-                  </a:schemeClr>
-                </a:solidFill>
-                <a:latin typeface="Arial" pitchFamily="34" charset="0"/>
-                <a:cs typeface="Arial" pitchFamily="34" charset="0"/>
-              </a:rPr>
-              <a:t>Для создания новой темы нужно кликнуть «Создать тему» и ввести название и описание</a:t>
-            </a:r>
-            <a:r>
-              <a:rPr lang="ru-RU" sz="1600" dirty="0" smtClean="0">
-                <a:solidFill>
-                  <a:schemeClr val="bg1">
-                    <a:lumMod val="95000"/>
-                  </a:schemeClr>
-                </a:solidFill>
-                <a:latin typeface="Arial" pitchFamily="34" charset="0"/>
-                <a:cs typeface="Arial" pitchFamily="34" charset="0"/>
-              </a:rPr>
-              <a:t>.</a:t>
-            </a:r>
-          </a:p>
-          <a:p>
-            <a:r>
-              <a:rPr lang="ru-RU" sz="1600" dirty="0">
-                <a:solidFill>
-                  <a:schemeClr val="bg1">
-                    <a:lumMod val="95000"/>
-                  </a:schemeClr>
-                </a:solidFill>
-                <a:latin typeface="Arial" pitchFamily="34" charset="0"/>
-                <a:cs typeface="Arial" pitchFamily="34" charset="0"/>
-              </a:rPr>
-              <a:t>Автор темы может ограничить права доступа. Для этого нужно кликнуть «Редактировать». На открывшейся странице назначаются права доступа для студентов и преподавателей. Для каждой категории пользователей можно установить опции «Все», «Никто» или выбрать галочками определенных </a:t>
-            </a:r>
-            <a:r>
-              <a:rPr lang="ru-RU" sz="1600" dirty="0" smtClean="0">
-                <a:solidFill>
-                  <a:schemeClr val="bg1">
-                    <a:lumMod val="95000"/>
-                  </a:schemeClr>
-                </a:solidFill>
-                <a:latin typeface="Arial" pitchFamily="34" charset="0"/>
-                <a:cs typeface="Arial" pitchFamily="34" charset="0"/>
-              </a:rPr>
-              <a:t>пользователей. </a:t>
-            </a:r>
-            <a:r>
-              <a:rPr lang="ru-RU" sz="1600" dirty="0">
-                <a:solidFill>
-                  <a:schemeClr val="bg1">
-                    <a:lumMod val="95000"/>
-                  </a:schemeClr>
-                </a:solidFill>
-                <a:latin typeface="Arial" pitchFamily="34" charset="0"/>
-                <a:cs typeface="Arial" pitchFamily="34" charset="0"/>
-              </a:rPr>
-              <a:t>Администраторы по умолчанию имеют доступ ко всем темам</a:t>
-            </a:r>
-            <a:r>
-              <a:rPr lang="ru-RU" sz="1600" dirty="0" smtClean="0">
-                <a:solidFill>
-                  <a:schemeClr val="bg1">
-                    <a:lumMod val="95000"/>
-                  </a:schemeClr>
-                </a:solidFill>
-                <a:latin typeface="Arial" pitchFamily="34" charset="0"/>
-                <a:cs typeface="Arial" pitchFamily="34" charset="0"/>
-              </a:rPr>
-              <a:t>.</a:t>
-            </a:r>
-            <a:endParaRPr lang="ru-RU" sz="1600" dirty="0">
-              <a:solidFill>
-                <a:schemeClr val="bg1">
-                  <a:lumMod val="95000"/>
-                </a:schemeClr>
-              </a:solidFill>
-              <a:latin typeface="Arial" pitchFamily="34" charset="0"/>
-              <a:cs typeface="Arial" pitchFamily="34" charset="0"/>
-            </a:endParaRPr>
+              <a:rPr lang="ru-RU" dirty="0">
+                <a:solidFill>
+                  <a:schemeClr val="bg1">
+                    <a:lumMod val="95000"/>
+                  </a:schemeClr>
+                </a:solidFill>
+                <a:latin typeface="Arial" pitchFamily="34" charset="0"/>
+                <a:cs typeface="Arial" pitchFamily="34" charset="0"/>
+              </a:rPr>
+              <a:t>При переходе в тему открывается окно </a:t>
+            </a:r>
+            <a:r>
+              <a:rPr lang="ru-RU" dirty="0" smtClean="0">
+                <a:solidFill>
+                  <a:schemeClr val="bg1">
+                    <a:lumMod val="95000"/>
+                  </a:schemeClr>
+                </a:solidFill>
+                <a:latin typeface="Arial" pitchFamily="34" charset="0"/>
+                <a:cs typeface="Arial" pitchFamily="34" charset="0"/>
+              </a:rPr>
+              <a:t>чата. </a:t>
+            </a:r>
+            <a:r>
+              <a:rPr lang="ru-RU" dirty="0">
+                <a:solidFill>
+                  <a:schemeClr val="bg1">
+                    <a:lumMod val="95000"/>
+                  </a:schemeClr>
+                </a:solidFill>
+                <a:latin typeface="Arial" pitchFamily="34" charset="0"/>
+                <a:cs typeface="Arial" pitchFamily="34" charset="0"/>
+              </a:rPr>
+              <a:t>Есть функция ответа на сообщения, а также отправки файлов. При отправке файла определяется его тип. Если это изображение, оно будет отображено в окне чата, в противном случае текст сообщения будет содержать ссылку на скачивание файла.</a:t>
+            </a:r>
           </a:p>
         </p:txBody>
       </p:sp>
@@ -7984,8 +8382,8 @@
         </p:nvSpPr>
         <p:spPr>
           <a:xfrm>
-            <a:off x="1013451" y="260649"/>
-            <a:ext cx="45719" cy="2554544"/>
+            <a:off x="1013451" y="4653137"/>
+            <a:ext cx="45719" cy="1477327"/>
           </a:xfrm>
           <a:prstGeom prst="rect">
             <a:avLst/>
@@ -8024,7 +8422,7 @@
       </p:sp>
       <p:pic>
         <p:nvPicPr>
-          <p:cNvPr id="6" name="Рисунок 5"/>
+          <p:cNvPr id="8" name="Рисунок 7"/>
           <p:cNvPicPr/>
           <p:nvPr/>
         </p:nvPicPr>
@@ -8036,8 +8434,8 @@
         </p:blipFill>
         <p:spPr>
           <a:xfrm>
-            <a:off x="1005958" y="2924944"/>
-            <a:ext cx="7484832" cy="1584176"/>
+            <a:off x="1013451" y="692696"/>
+            <a:ext cx="7258613" cy="3672408"/>
           </a:xfrm>
           <a:prstGeom prst="rect">
             <a:avLst/>
@@ -8054,46 +8452,10 @@
           </a:effectLst>
         </p:spPr>
       </p:pic>
-      <p:pic>
-        <p:nvPicPr>
-          <p:cNvPr id="7" name="Рисунок 6"/>
-          <p:cNvPicPr/>
-          <p:nvPr/>
-        </p:nvPicPr>
-        <p:blipFill rotWithShape="1">
-          <a:blip r:embed="rId3"/>
-          <a:srcRect t="45490"/>
-          <a:stretch/>
-        </p:blipFill>
-        <p:spPr bwMode="auto">
-          <a:xfrm>
-            <a:off x="1005958" y="4641800"/>
-            <a:ext cx="7484832" cy="2027560"/>
-          </a:xfrm>
-          <a:prstGeom prst="rect">
-            <a:avLst/>
-          </a:prstGeom>
-          <a:ln>
-            <a:noFill/>
-          </a:ln>
-          <a:effectLst>
-            <a:outerShdw blurRad="190500" algn="tl" rotWithShape="0">
-              <a:srgbClr val="000000">
-                <a:alpha val="70000"/>
-              </a:srgbClr>
-            </a:outerShdw>
-          </a:effectLst>
-          <a:extLst>
-            <a:ext uri="{53640926-AAD7-44D8-BBD7-CCE9431645EC}">
-              <a14:shadowObscured xmlns:a14="http://schemas.microsoft.com/office/drawing/2010/main"/>
-            </a:ext>
-          </a:extLst>
-        </p:spPr>
-      </p:pic>
     </p:spTree>
     <p:extLst>
       <p:ext uri="{BB962C8B-B14F-4D97-AF65-F5344CB8AC3E}">
-        <p14:creationId xmlns:p14="http://schemas.microsoft.com/office/powerpoint/2010/main" val="1659734742"/>
+        <p14:creationId xmlns:p14="http://schemas.microsoft.com/office/powerpoint/2010/main" val="3341615008"/>
       </p:ext>
     </p:extLst>
   </p:cSld>
@@ -8138,8 +8500,8 @@
         </p:nvSpPr>
         <p:spPr>
           <a:xfrm>
-            <a:off x="1229475" y="4653136"/>
-            <a:ext cx="7078456" cy="1477328"/>
+            <a:off x="1229475" y="921494"/>
+            <a:ext cx="7078456" cy="923330"/>
           </a:xfrm>
           <a:prstGeom prst="rect">
             <a:avLst/>
@@ -8161,7 +8523,7 @@
                 <a:latin typeface="Arial" pitchFamily="34" charset="0"/>
                 <a:cs typeface="Arial" pitchFamily="34" charset="0"/>
               </a:rPr>
-              <a:t>При переходе в тему открывается окно </a:t>
+              <a:t>На странице «Топ – 100» отображается рейтинг студентов по среднему баллу по итогам </a:t>
             </a:r>
             <a:r>
               <a:rPr lang="ru-RU" dirty="0" smtClean="0">
@@ -8173,7 +8535,7 @@
                 <a:latin typeface="Arial" pitchFamily="34" charset="0"/>
                 <a:cs typeface="Arial" pitchFamily="34" charset="0"/>
               </a:rPr>
-              <a:t>чата. </a:t>
+              <a:t>семестра. </a:t>
             </a:r>
             <a:r>
               <a:rPr lang="ru-RU" dirty="0">
@@ -8185,7 +8547,7 @@
                 <a:latin typeface="Arial" pitchFamily="34" charset="0"/>
                 <a:cs typeface="Arial" pitchFamily="34" charset="0"/>
               </a:rPr>
-              <a:t>Есть функция ответа на сообщения, а также отправки файлов. При отправке файла определяется его тип. Если это изображение, оно будет отображено в окне чата, в противном случае текст сообщения будет содержать ссылку на скачивание файла.</a:t>
+              <a:t>Также имеется фильтр по группе.</a:t>
             </a:r>
           </a:p>
         </p:txBody>
@@ -8198,8 +8560,8 @@
         </p:nvSpPr>
         <p:spPr>
           <a:xfrm>
-            <a:off x="1013451" y="4653137"/>
-            <a:ext cx="45719" cy="1477327"/>
+            <a:off x="1013451" y="921495"/>
+            <a:ext cx="45719" cy="923329"/>
           </a:xfrm>
           <a:prstGeom prst="rect">
             <a:avLst/>
@@ -8238,20 +8600,19 @@
       </p:sp>
       <p:pic>
         <p:nvPicPr>
-          <p:cNvPr id="8" name="Рисунок 7"/>
+          <p:cNvPr id="5" name="Рисунок 4"/>
           <p:cNvPicPr/>
           <p:nvPr/>
         </p:nvPicPr>
-        <p:blipFill>
+        <p:blipFill rotWithShape="1">
           <a:blip r:embed="rId2"/>
-          <a:stretch>
-            <a:fillRect/>
-          </a:stretch>
+          <a:srcRect b="18293"/>
+          <a:stretch/>
         </p:blipFill>
-        <p:spPr>
-          <a:xfrm>
-            <a:off x="1013451" y="692696"/>
-            <a:ext cx="7258613" cy="3672408"/>
+        <p:spPr bwMode="auto">
+          <a:xfrm>
+            <a:off x="1059170" y="2420888"/>
+            <a:ext cx="7183985" cy="2664296"/>
           </a:xfrm>
           <a:prstGeom prst="rect">
             <a:avLst/>
@@ -8266,12 +8627,17 @@
               </a:srgbClr>
             </a:outerShdw>
           </a:effectLst>
+          <a:extLst>
+            <a:ext uri="{53640926-AAD7-44D8-BBD7-CCE9431645EC}">
+              <a14:shadowObscured xmlns:a14="http://schemas.microsoft.com/office/drawing/2010/main"/>
+            </a:ext>
+          </a:extLst>
         </p:spPr>
       </p:pic>
     </p:spTree>
     <p:extLst>
       <p:ext uri="{BB962C8B-B14F-4D97-AF65-F5344CB8AC3E}">
-        <p14:creationId xmlns:p14="http://schemas.microsoft.com/office/powerpoint/2010/main" val="3341615008"/>
+        <p14:creationId xmlns:p14="http://schemas.microsoft.com/office/powerpoint/2010/main" val="2098238961"/>
       </p:ext>
     </p:extLst>
   </p:cSld>
@@ -8316,188 +8682,6 @@
         </p:nvSpPr>
         <p:spPr>
           <a:xfrm>
-            <a:off x="1229475" y="921494"/>
-            <a:ext cx="7078456" cy="923330"/>
-          </a:xfrm>
-          <a:prstGeom prst="rect">
-            <a:avLst/>
-          </a:prstGeom>
-        </p:spPr>
-        <p:txBody>
-          <a:bodyPr wrap="square">
-            <a:spAutoFit/>
-          </a:bodyPr>
-          <a:lstStyle/>
-          <a:p>
-            <a:r>
-              <a:rPr lang="ru-RU" dirty="0">
-                <a:solidFill>
-                  <a:schemeClr val="bg1">
-                    <a:lumMod val="95000"/>
-                  </a:schemeClr>
-                </a:solidFill>
-                <a:latin typeface="Arial" pitchFamily="34" charset="0"/>
-                <a:cs typeface="Arial" pitchFamily="34" charset="0"/>
-              </a:rPr>
-              <a:t>На странице «Топ – 100» отображается рейтинг студентов по среднему баллу по итогам </a:t>
-            </a:r>
-            <a:r>
-              <a:rPr lang="ru-RU" dirty="0" smtClean="0">
-                <a:solidFill>
-                  <a:schemeClr val="bg1">
-                    <a:lumMod val="95000"/>
-                  </a:schemeClr>
-                </a:solidFill>
-                <a:latin typeface="Arial" pitchFamily="34" charset="0"/>
-                <a:cs typeface="Arial" pitchFamily="34" charset="0"/>
-              </a:rPr>
-              <a:t>семестра. </a:t>
-            </a:r>
-            <a:r>
-              <a:rPr lang="ru-RU" dirty="0">
-                <a:solidFill>
-                  <a:schemeClr val="bg1">
-                    <a:lumMod val="95000"/>
-                  </a:schemeClr>
-                </a:solidFill>
-                <a:latin typeface="Arial" pitchFamily="34" charset="0"/>
-                <a:cs typeface="Arial" pitchFamily="34" charset="0"/>
-              </a:rPr>
-              <a:t>Также имеется фильтр по группе.</a:t>
-            </a:r>
-          </a:p>
-        </p:txBody>
-      </p:sp>
-      <p:sp>
-        <p:nvSpPr>
-          <p:cNvPr id="4" name="Прямоугольник 3"/>
-          <p:cNvSpPr/>
-          <p:nvPr/>
-        </p:nvSpPr>
-        <p:spPr>
-          <a:xfrm>
-            <a:off x="1013451" y="921495"/>
-            <a:ext cx="45719" cy="923329"/>
-          </a:xfrm>
-          <a:prstGeom prst="rect">
-            <a:avLst/>
-          </a:prstGeom>
-          <a:solidFill>
-            <a:srgbClr val="D608CC"/>
-          </a:solidFill>
-          <a:ln>
-            <a:noFill/>
-          </a:ln>
-        </p:spPr>
-        <p:style>
-          <a:lnRef idx="2">
-            <a:schemeClr val="accent1">
-              <a:shade val="50000"/>
-            </a:schemeClr>
-          </a:lnRef>
-          <a:fillRef idx="1">
-            <a:schemeClr val="accent1"/>
-          </a:fillRef>
-          <a:effectRef idx="0">
-            <a:schemeClr val="accent1"/>
-          </a:effectRef>
-          <a:fontRef idx="minor">
-            <a:schemeClr val="lt1"/>
-          </a:fontRef>
-        </p:style>
-        <p:txBody>
-          <a:bodyPr rtlCol="0" anchor="ctr"/>
-          <a:lstStyle/>
-          <a:p>
-            <a:pPr algn="ctr"/>
-            <a:endParaRPr lang="ru-RU"/>
-          </a:p>
-        </p:txBody>
-      </p:sp>
-      <p:pic>
-        <p:nvPicPr>
-          <p:cNvPr id="5" name="Рисунок 4"/>
-          <p:cNvPicPr/>
-          <p:nvPr/>
-        </p:nvPicPr>
-        <p:blipFill rotWithShape="1">
-          <a:blip r:embed="rId2"/>
-          <a:srcRect b="18293"/>
-          <a:stretch/>
-        </p:blipFill>
-        <p:spPr bwMode="auto">
-          <a:xfrm>
-            <a:off x="1059170" y="2420888"/>
-            <a:ext cx="7183985" cy="2664296"/>
-          </a:xfrm>
-          <a:prstGeom prst="rect">
-            <a:avLst/>
-          </a:prstGeom>
-          <a:ln>
-            <a:noFill/>
-          </a:ln>
-          <a:effectLst>
-            <a:outerShdw blurRad="190500" algn="tl" rotWithShape="0">
-              <a:srgbClr val="000000">
-                <a:alpha val="70000"/>
-              </a:srgbClr>
-            </a:outerShdw>
-          </a:effectLst>
-          <a:extLst>
-            <a:ext uri="{53640926-AAD7-44D8-BBD7-CCE9431645EC}">
-              <a14:shadowObscured xmlns:a14="http://schemas.microsoft.com/office/drawing/2010/main"/>
-            </a:ext>
-          </a:extLst>
-        </p:spPr>
-      </p:pic>
-    </p:spTree>
-    <p:extLst>
-      <p:ext uri="{BB962C8B-B14F-4D97-AF65-F5344CB8AC3E}">
-        <p14:creationId xmlns:p14="http://schemas.microsoft.com/office/powerpoint/2010/main" val="2098238961"/>
-      </p:ext>
-    </p:extLst>
-  </p:cSld>
-  <p:clrMapOvr>
-    <a:masterClrMapping/>
-  </p:clrMapOvr>
-  <p:transition spd="slow">
-    <p:push dir="u"/>
-  </p:transition>
-  <p:timing>
-    <p:tnLst>
-      <p:par>
-        <p:cTn id="1" dur="indefinite" restart="never" nodeType="tmRoot"/>
-      </p:par>
-    </p:tnLst>
-  </p:timing>
-</p:sld>
-</file>
-
-<file path=ppt/slides/slide34.xml><?xml version="1.0" encoding="utf-8"?>
-<p:sld xmlns:a="http://schemas.openxmlformats.org/drawingml/2006/main" xmlns:r="http://schemas.openxmlformats.org/officeDocument/2006/relationships" xmlns:p="http://schemas.openxmlformats.org/presentationml/2006/main">
-  <p:cSld>
-    <p:spTree>
-      <p:nvGrpSpPr>
-        <p:cNvPr id="1" name=""/>
-        <p:cNvGrpSpPr/>
-        <p:nvPr/>
-      </p:nvGrpSpPr>
-      <p:grpSpPr>
-        <a:xfrm>
-          <a:off x="0" y="0"/>
-          <a:ext cx="0" cy="0"/>
-          <a:chOff x="0" y="0"/>
-          <a:chExt cx="0" cy="0"/>
-        </a:xfrm>
-      </p:grpSpPr>
-      <p:sp>
-        <p:nvSpPr>
-          <p:cNvPr id="3" name="Прямоугольник 2"/>
-          <p:cNvSpPr/>
-          <p:nvPr/>
-        </p:nvSpPr>
-        <p:spPr>
-          <a:xfrm>
             <a:off x="1021936" y="921494"/>
             <a:ext cx="7078456" cy="923330"/>
           </a:xfrm>
@@ -8652,7 +8836,7 @@
 </p:sld>
 </file>
 
-<file path=ppt/slides/slide35.xml><?xml version="1.0" encoding="utf-8"?>
+<file path=ppt/slides/slide34.xml><?xml version="1.0" encoding="utf-8"?>
 <p:sld xmlns:a="http://schemas.openxmlformats.org/drawingml/2006/main" xmlns:r="http://schemas.openxmlformats.org/officeDocument/2006/relationships" xmlns:p="http://schemas.openxmlformats.org/presentationml/2006/main">
   <p:cSld>
     <p:spTree>
@@ -9510,52 +9694,20 @@
           <a:chExt cx="0" cy="0"/>
         </a:xfrm>
       </p:grpSpPr>
-      <p:pic>
-        <p:nvPicPr>
-          <p:cNvPr id="2" name="Рисунок 1"/>
-          <p:cNvPicPr/>
+      <p:sp>
+        <p:nvSpPr>
+          <p:cNvPr id="3" name="Прямоугольник 2"/>
+          <p:cNvSpPr/>
           <p:nvPr/>
-        </p:nvPicPr>
-        <p:blipFill>
-          <a:blip r:embed="rId2"/>
-          <a:stretch>
-            <a:fillRect/>
-          </a:stretch>
-        </p:blipFill>
-        <p:spPr>
-          <a:xfrm>
-            <a:off x="2156172" y="980728"/>
-            <a:ext cx="5324769" cy="2808312"/>
+        </p:nvSpPr>
+        <p:spPr>
+          <a:xfrm>
+            <a:off x="971405" y="4410977"/>
+            <a:ext cx="7200995" cy="1754326"/>
           </a:xfrm>
           <a:prstGeom prst="rect">
             <a:avLst/>
           </a:prstGeom>
-          <a:ln>
-            <a:noFill/>
-          </a:ln>
-          <a:effectLst>
-            <a:outerShdw blurRad="190500" algn="tl" rotWithShape="0">
-              <a:srgbClr val="000000">
-                <a:alpha val="70000"/>
-              </a:srgbClr>
-            </a:outerShdw>
-          </a:effectLst>
-        </p:spPr>
-      </p:pic>
-      <p:sp>
-        <p:nvSpPr>
-          <p:cNvPr id="3" name="Прямоугольник 2"/>
-          <p:cNvSpPr/>
-          <p:nvPr/>
-        </p:nvSpPr>
-        <p:spPr>
-          <a:xfrm>
-            <a:off x="1254161" y="4244895"/>
-            <a:ext cx="7128792" cy="1200329"/>
-          </a:xfrm>
-          <a:prstGeom prst="rect">
-            <a:avLst/>
-          </a:prstGeom>
         </p:spPr>
         <p:txBody>
           <a:bodyPr wrap="square">
@@ -9573,7 +9725,31 @@
                 <a:latin typeface="Arial" pitchFamily="34" charset="0"/>
                 <a:cs typeface="Arial" pitchFamily="34" charset="0"/>
               </a:rPr>
-              <a:t>В разделе Администрирование имеются 2 вкладки – «Список пользователей, где отображены данные пользователей системы и их роли и «Добавить пользователя», где можно ввести в систему нового администратора, заведующего или диспетчера</a:t>
+              <a:t>В разделе Личная карта есть 2 пункта – «Студенты» и «Преподаватели». На странице «Студенты» </a:t>
+            </a:r>
+            <a:r>
+              <a:rPr lang="ru-RU" dirty="0" smtClean="0">
+                <a:solidFill>
+                  <a:schemeClr val="bg1">
+                    <a:lumMod val="95000"/>
+                  </a:schemeClr>
+                </a:solidFill>
+                <a:latin typeface="Arial" pitchFamily="34" charset="0"/>
+                <a:cs typeface="Arial" pitchFamily="34" charset="0"/>
+              </a:rPr>
+              <a:t>отображен </a:t>
+            </a:r>
+            <a:r>
+              <a:rPr lang="ru-RU" dirty="0">
+                <a:solidFill>
+                  <a:schemeClr val="bg1">
+                    <a:lumMod val="95000"/>
+                  </a:schemeClr>
+                </a:solidFill>
+                <a:latin typeface="Arial" pitchFamily="34" charset="0"/>
+                <a:cs typeface="Arial" pitchFamily="34" charset="0"/>
+              </a:rPr>
+              <a:t>список студентов колледжа, также имеется фильтр по специальности, курсу, базе, группе, языку обучения, форме оплаты и поиск по ФИО. Напротив каждой записи есть ссылки на личную карту и зачетку студента. </a:t>
             </a:r>
           </a:p>
         </p:txBody>
@@ -9586,8 +9762,8 @@
         </p:nvSpPr>
         <p:spPr>
           <a:xfrm>
-            <a:off x="1115616" y="4244895"/>
-            <a:ext cx="45719" cy="1200329"/>
+            <a:off x="805703" y="4410978"/>
+            <a:ext cx="58752" cy="1754326"/>
           </a:xfrm>
           <a:prstGeom prst="rect">
             <a:avLst/>
@@ -9624,10 +9800,39 @@
           </a:p>
         </p:txBody>
       </p:sp>
+      <p:pic>
+        <p:nvPicPr>
+          <p:cNvPr id="5" name="Рисунок 4"/>
+          <p:cNvPicPr/>
+          <p:nvPr/>
+        </p:nvPicPr>
+        <p:blipFill rotWithShape="1">
+          <a:blip r:embed="rId2"/>
+          <a:srcRect b="12760"/>
+          <a:stretch/>
+        </p:blipFill>
+        <p:spPr bwMode="auto">
+          <a:xfrm>
+            <a:off x="808960" y="683033"/>
+            <a:ext cx="7507456" cy="3250023"/>
+          </a:xfrm>
+          <a:prstGeom prst="rect">
+            <a:avLst/>
+          </a:prstGeom>
+          <a:ln>
+            <a:noFill/>
+          </a:ln>
+          <a:extLst>
+            <a:ext uri="{53640926-AAD7-44D8-BBD7-CCE9431645EC}">
+              <a14:shadowObscured xmlns:a14="http://schemas.microsoft.com/office/drawing/2010/main"/>
+            </a:ext>
+          </a:extLst>
+        </p:spPr>
+      </p:pic>
     </p:spTree>
     <p:extLst>
       <p:ext uri="{BB962C8B-B14F-4D97-AF65-F5344CB8AC3E}">
-        <p14:creationId xmlns:p14="http://schemas.microsoft.com/office/powerpoint/2010/main" val="3796728884"/>
+        <p14:creationId xmlns:p14="http://schemas.microsoft.com/office/powerpoint/2010/main" val="3090994815"/>
       </p:ext>
     </p:extLst>
   </p:cSld>
@@ -9664,21 +9869,264 @@
           <a:chExt cx="0" cy="0"/>
         </a:xfrm>
       </p:grpSpPr>
+      <p:sp>
+        <p:nvSpPr>
+          <p:cNvPr id="2" name="Прямоугольник 1"/>
+          <p:cNvSpPr/>
+          <p:nvPr/>
+        </p:nvSpPr>
+        <p:spPr>
+          <a:xfrm>
+            <a:off x="1187624" y="476672"/>
+            <a:ext cx="7416824" cy="2862322"/>
+          </a:xfrm>
+          <a:prstGeom prst="rect">
+            <a:avLst/>
+          </a:prstGeom>
+        </p:spPr>
+        <p:txBody>
+          <a:bodyPr wrap="square">
+            <a:spAutoFit/>
+          </a:bodyPr>
+          <a:lstStyle/>
+          <a:p>
+            <a:r>
+              <a:rPr lang="ru-RU" dirty="0">
+                <a:solidFill>
+                  <a:schemeClr val="bg1">
+                    <a:lumMod val="95000"/>
+                  </a:schemeClr>
+                </a:solidFill>
+                <a:latin typeface="Arial" pitchFamily="34" charset="0"/>
+                <a:cs typeface="Arial" pitchFamily="34" charset="0"/>
+              </a:rPr>
+              <a:t>При нажатии на кнопку «Действия» доступные следующие опции:</a:t>
+            </a:r>
+          </a:p>
+          <a:p>
+            <a:r>
+              <a:rPr lang="ru-RU" dirty="0">
+                <a:solidFill>
+                  <a:schemeClr val="bg1">
+                    <a:lumMod val="95000"/>
+                  </a:schemeClr>
+                </a:solidFill>
+                <a:latin typeface="Arial" pitchFamily="34" charset="0"/>
+                <a:cs typeface="Arial" pitchFamily="34" charset="0"/>
+              </a:rPr>
+              <a:t>- «Добавить» - откроется страница добавления нового студента;</a:t>
+            </a:r>
+          </a:p>
+          <a:p>
+            <a:r>
+              <a:rPr lang="ru-RU" dirty="0">
+                <a:solidFill>
+                  <a:schemeClr val="bg1">
+                    <a:lumMod val="95000"/>
+                  </a:schemeClr>
+                </a:solidFill>
+                <a:latin typeface="Arial" pitchFamily="34" charset="0"/>
+                <a:cs typeface="Arial" pitchFamily="34" charset="0"/>
+              </a:rPr>
+              <a:t>- «Загрузить» - появится модальное окно с формой выбора файла .</a:t>
+            </a:r>
+            <a:r>
+              <a:rPr lang="en-US" dirty="0" err="1">
+                <a:solidFill>
+                  <a:schemeClr val="bg1">
+                    <a:lumMod val="95000"/>
+                  </a:schemeClr>
+                </a:solidFill>
+                <a:latin typeface="Arial" pitchFamily="34" charset="0"/>
+                <a:cs typeface="Arial" pitchFamily="34" charset="0"/>
+              </a:rPr>
+              <a:t>xlsx</a:t>
+            </a:r>
+            <a:r>
+              <a:rPr lang="ru-RU" dirty="0">
+                <a:solidFill>
+                  <a:schemeClr val="bg1">
+                    <a:lumMod val="95000"/>
+                  </a:schemeClr>
+                </a:solidFill>
+                <a:latin typeface="Arial" pitchFamily="34" charset="0"/>
+                <a:cs typeface="Arial" pitchFamily="34" charset="0"/>
+              </a:rPr>
+              <a:t> для загрузки. Файл должен иметь следующие столбцы: Фамилия, Имя, </a:t>
+            </a:r>
+            <a:r>
+              <a:rPr lang="ru-RU" dirty="0" smtClean="0">
+                <a:solidFill>
+                  <a:schemeClr val="bg1">
+                    <a:lumMod val="95000"/>
+                  </a:schemeClr>
+                </a:solidFill>
+                <a:latin typeface="Arial" pitchFamily="34" charset="0"/>
+                <a:cs typeface="Arial" pitchFamily="34" charset="0"/>
+              </a:rPr>
+              <a:t>Отчество</a:t>
+            </a:r>
+            <a:r>
+              <a:rPr lang="ru-RU" dirty="0">
+                <a:solidFill>
+                  <a:schemeClr val="bg1">
+                    <a:lumMod val="95000"/>
+                  </a:schemeClr>
+                </a:solidFill>
+                <a:latin typeface="Arial" pitchFamily="34" charset="0"/>
+                <a:cs typeface="Arial" pitchFamily="34" charset="0"/>
+              </a:rPr>
+              <a:t>, Дата рождения;</a:t>
+            </a:r>
+          </a:p>
+          <a:p>
+            <a:r>
+              <a:rPr lang="ru-RU" dirty="0">
+                <a:solidFill>
+                  <a:schemeClr val="bg1">
+                    <a:lumMod val="95000"/>
+                  </a:schemeClr>
+                </a:solidFill>
+                <a:latin typeface="Arial" pitchFamily="34" charset="0"/>
+                <a:cs typeface="Arial" pitchFamily="34" charset="0"/>
+              </a:rPr>
+              <a:t>- «Создать </a:t>
+            </a:r>
+            <a:r>
+              <a:rPr lang="ru-RU" dirty="0" err="1">
+                <a:solidFill>
+                  <a:schemeClr val="bg1">
+                    <a:lumMod val="95000"/>
+                  </a:schemeClr>
+                </a:solidFill>
+                <a:latin typeface="Arial" pitchFamily="34" charset="0"/>
+                <a:cs typeface="Arial" pitchFamily="34" charset="0"/>
+              </a:rPr>
+              <a:t>учетки</a:t>
+            </a:r>
+            <a:r>
+              <a:rPr lang="ru-RU" dirty="0">
+                <a:solidFill>
+                  <a:schemeClr val="bg1">
+                    <a:lumMod val="95000"/>
+                  </a:schemeClr>
+                </a:solidFill>
+                <a:latin typeface="Arial" pitchFamily="34" charset="0"/>
+                <a:cs typeface="Arial" pitchFamily="34" charset="0"/>
+              </a:rPr>
+              <a:t>» - перед каждой строкой появится </a:t>
+            </a:r>
+            <a:r>
+              <a:rPr lang="ru-RU" dirty="0" err="1">
+                <a:solidFill>
+                  <a:schemeClr val="bg1">
+                    <a:lumMod val="95000"/>
+                  </a:schemeClr>
+                </a:solidFill>
+                <a:latin typeface="Arial" pitchFamily="34" charset="0"/>
+                <a:cs typeface="Arial" pitchFamily="34" charset="0"/>
+              </a:rPr>
+              <a:t>чекбокс</a:t>
+            </a:r>
+            <a:r>
+              <a:rPr lang="ru-RU" dirty="0">
+                <a:solidFill>
+                  <a:schemeClr val="bg1">
+                    <a:lumMod val="95000"/>
+                  </a:schemeClr>
+                </a:solidFill>
+                <a:latin typeface="Arial" pitchFamily="34" charset="0"/>
+                <a:cs typeface="Arial" pitchFamily="34" charset="0"/>
+              </a:rPr>
+              <a:t>. Необходимо отметить нужных студентов или нажать «Выбрать все» и </a:t>
+            </a:r>
+            <a:r>
+              <a:rPr lang="ru-RU" dirty="0" smtClean="0">
+                <a:solidFill>
+                  <a:schemeClr val="bg1">
+                    <a:lumMod val="95000"/>
+                  </a:schemeClr>
+                </a:solidFill>
+                <a:latin typeface="Arial" pitchFamily="34" charset="0"/>
+                <a:cs typeface="Arial" pitchFamily="34" charset="0"/>
+              </a:rPr>
+              <a:t>нажать </a:t>
+            </a:r>
+            <a:r>
+              <a:rPr lang="ru-RU" dirty="0">
+                <a:solidFill>
+                  <a:schemeClr val="bg1">
+                    <a:lumMod val="95000"/>
+                  </a:schemeClr>
+                </a:solidFill>
+                <a:latin typeface="Arial" pitchFamily="34" charset="0"/>
+                <a:cs typeface="Arial" pitchFamily="34" charset="0"/>
+              </a:rPr>
+              <a:t>«Создать </a:t>
+            </a:r>
+            <a:r>
+              <a:rPr lang="ru-RU" dirty="0" err="1">
+                <a:solidFill>
+                  <a:schemeClr val="bg1">
+                    <a:lumMod val="95000"/>
+                  </a:schemeClr>
+                </a:solidFill>
+                <a:latin typeface="Arial" pitchFamily="34" charset="0"/>
+                <a:cs typeface="Arial" pitchFamily="34" charset="0"/>
+              </a:rPr>
+              <a:t>учетки</a:t>
+            </a:r>
+            <a:r>
+              <a:rPr lang="ru-RU" dirty="0">
+                <a:solidFill>
+                  <a:schemeClr val="bg1">
+                    <a:lumMod val="95000"/>
+                  </a:schemeClr>
+                </a:solidFill>
+                <a:latin typeface="Arial" pitchFamily="34" charset="0"/>
+                <a:cs typeface="Arial" pitchFamily="34" charset="0"/>
+              </a:rPr>
+              <a:t>». Для выбранных студентов будут сгенерированы учетные записи и на экране появятся данные для </a:t>
+            </a:r>
+            <a:r>
+              <a:rPr lang="ru-RU" dirty="0" smtClean="0">
+                <a:solidFill>
+                  <a:schemeClr val="bg1">
+                    <a:lumMod val="95000"/>
+                  </a:schemeClr>
+                </a:solidFill>
+                <a:latin typeface="Arial" pitchFamily="34" charset="0"/>
+                <a:cs typeface="Arial" pitchFamily="34" charset="0"/>
+              </a:rPr>
+              <a:t>входа. </a:t>
+            </a:r>
+            <a:endParaRPr lang="ru-RU" dirty="0">
+              <a:solidFill>
+                <a:schemeClr val="bg1">
+                  <a:lumMod val="95000"/>
+                </a:schemeClr>
+              </a:solidFill>
+              <a:latin typeface="Arial" pitchFamily="34" charset="0"/>
+              <a:cs typeface="Arial" pitchFamily="34" charset="0"/>
+            </a:endParaRPr>
+          </a:p>
+        </p:txBody>
+      </p:sp>
       <p:pic>
         <p:nvPicPr>
-          <p:cNvPr id="2" name="Рисунок 1"/>
+          <p:cNvPr id="3" name="Рисунок 2"/>
           <p:cNvPicPr/>
           <p:nvPr/>
         </p:nvPicPr>
         <p:blipFill rotWithShape="1">
           <a:blip r:embed="rId2"/>
-          <a:srcRect l="13232" t="9868"/>
+          <a:srcRect l="13095" t="15663" r="16012" b="6828"/>
           <a:stretch/>
         </p:blipFill>
         <p:spPr bwMode="auto">
           <a:xfrm>
-            <a:off x="1093734" y="620688"/>
-            <a:ext cx="7200995" cy="3617118"/>
+            <a:off x="2042222" y="3332423"/>
+            <a:ext cx="5275580" cy="3242310"/>
           </a:xfrm>
           <a:prstGeom prst="rect">
             <a:avLst/>
@@ -9702,74 +10150,14 @@
       </p:pic>
       <p:sp>
         <p:nvSpPr>
-          <p:cNvPr id="3" name="Прямоугольник 2"/>
-          <p:cNvSpPr/>
-          <p:nvPr/>
-        </p:nvSpPr>
-        <p:spPr>
-          <a:xfrm>
-            <a:off x="1259437" y="4653136"/>
-            <a:ext cx="7200995" cy="1754326"/>
-          </a:xfrm>
-          <a:prstGeom prst="rect">
-            <a:avLst/>
-          </a:prstGeom>
-        </p:spPr>
-        <p:txBody>
-          <a:bodyPr wrap="square">
-            <a:spAutoFit/>
-          </a:bodyPr>
-          <a:lstStyle/>
-          <a:p>
-            <a:r>
-              <a:rPr lang="ru-RU" dirty="0">
-                <a:solidFill>
-                  <a:schemeClr val="bg1">
-                    <a:lumMod val="95000"/>
-                  </a:schemeClr>
-                </a:solidFill>
-                <a:latin typeface="Arial" pitchFamily="34" charset="0"/>
-                <a:cs typeface="Arial" pitchFamily="34" charset="0"/>
-              </a:rPr>
-              <a:t>В разделе Личная карта есть 2 пункта – «Студенты» и «Преподаватели». На странице «Студенты» </a:t>
-            </a:r>
-            <a:r>
-              <a:rPr lang="ru-RU" dirty="0" smtClean="0">
-                <a:solidFill>
-                  <a:schemeClr val="bg1">
-                    <a:lumMod val="95000"/>
-                  </a:schemeClr>
-                </a:solidFill>
-                <a:latin typeface="Arial" pitchFamily="34" charset="0"/>
-                <a:cs typeface="Arial" pitchFamily="34" charset="0"/>
-              </a:rPr>
-              <a:t>отображен </a:t>
-            </a:r>
-            <a:r>
-              <a:rPr lang="ru-RU" dirty="0">
-                <a:solidFill>
-                  <a:schemeClr val="bg1">
-                    <a:lumMod val="95000"/>
-                  </a:schemeClr>
-                </a:solidFill>
-                <a:latin typeface="Arial" pitchFamily="34" charset="0"/>
-                <a:cs typeface="Arial" pitchFamily="34" charset="0"/>
-              </a:rPr>
-              <a:t>список студентов колледжа, также имеется фильтр по специальности, курсу, базе, группе, языку обучения, форме оплаты и поиск по ФИО. Напротив каждой записи есть ссылки на личную карту и зачетку студента. </a:t>
-            </a:r>
-          </a:p>
-        </p:txBody>
-      </p:sp>
-      <p:sp>
-        <p:nvSpPr>
           <p:cNvPr id="4" name="Прямоугольник 3"/>
           <p:cNvSpPr/>
           <p:nvPr/>
         </p:nvSpPr>
         <p:spPr>
           <a:xfrm>
-            <a:off x="1093735" y="4653137"/>
-            <a:ext cx="58752" cy="1754326"/>
+            <a:off x="922813" y="476672"/>
+            <a:ext cx="45719" cy="2783743"/>
           </a:xfrm>
           <a:prstGeom prst="rect">
             <a:avLst/>
@@ -9809,7 +10197,7 @@
     </p:spTree>
     <p:extLst>
       <p:ext uri="{BB962C8B-B14F-4D97-AF65-F5344CB8AC3E}">
-        <p14:creationId xmlns:p14="http://schemas.microsoft.com/office/powerpoint/2010/main" val="3090994815"/>
+        <p14:creationId xmlns:p14="http://schemas.microsoft.com/office/powerpoint/2010/main" val="359333702"/>
       </p:ext>
     </p:extLst>
   </p:cSld>
@@ -9854,15 +10242,15 @@
         </p:nvSpPr>
         <p:spPr>
           <a:xfrm>
-            <a:off x="1187624" y="476672"/>
-            <a:ext cx="7416824" cy="2862322"/>
+            <a:off x="1187624" y="4581128"/>
+            <a:ext cx="4572000" cy="1754326"/>
           </a:xfrm>
           <a:prstGeom prst="rect">
             <a:avLst/>
           </a:prstGeom>
         </p:spPr>
         <p:txBody>
-          <a:bodyPr wrap="square">
+          <a:bodyPr>
             <a:spAutoFit/>
           </a:bodyPr>
           <a:lstStyle/>
@@ -9877,10 +10265,20 @@
                 <a:latin typeface="Arial" pitchFamily="34" charset="0"/>
                 <a:cs typeface="Arial" pitchFamily="34" charset="0"/>
               </a:rPr>
-              <a:t>При нажатии на кнопку «Действия» доступные следующие опции:</a:t>
-            </a:r>
-          </a:p>
-          <a:p>
+              <a:t>При переходе по ссылке «Личная карта» напротив записи откроется личная карта </a:t>
+            </a:r>
+            <a:r>
+              <a:rPr lang="ru-RU" dirty="0" smtClean="0">
+                <a:solidFill>
+                  <a:schemeClr val="bg1">
+                    <a:lumMod val="95000"/>
+                  </a:schemeClr>
+                </a:solidFill>
+                <a:latin typeface="Arial" pitchFamily="34" charset="0"/>
+                <a:cs typeface="Arial" pitchFamily="34" charset="0"/>
+              </a:rPr>
+              <a:t>студента, </a:t>
+            </a:r>
             <a:r>
               <a:rPr lang="ru-RU" dirty="0">
                 <a:solidFill>
@@ -9891,201 +10289,8 @@
                 <a:latin typeface="Arial" pitchFamily="34" charset="0"/>
                 <a:cs typeface="Arial" pitchFamily="34" charset="0"/>
               </a:rPr>
-              <a:t>- «Добавить» - откроется страница добавления нового студента;</a:t>
-            </a:r>
-          </a:p>
-          <a:p>
-            <a:r>
-              <a:rPr lang="ru-RU" dirty="0">
-                <a:solidFill>
-                  <a:schemeClr val="bg1">
-                    <a:lumMod val="95000"/>
-                  </a:schemeClr>
-                </a:solidFill>
-                <a:latin typeface="Arial" pitchFamily="34" charset="0"/>
-                <a:cs typeface="Arial" pitchFamily="34" charset="0"/>
-              </a:rPr>
-              <a:t>- «Загрузить» - появится модальное окно с формой выбора файла .</a:t>
-            </a:r>
-            <a:r>
-              <a:rPr lang="en-US" dirty="0" err="1">
-                <a:solidFill>
-                  <a:schemeClr val="bg1">
-                    <a:lumMod val="95000"/>
-                  </a:schemeClr>
-                </a:solidFill>
-                <a:latin typeface="Arial" pitchFamily="34" charset="0"/>
-                <a:cs typeface="Arial" pitchFamily="34" charset="0"/>
-              </a:rPr>
-              <a:t>xlsx</a:t>
-            </a:r>
-            <a:r>
-              <a:rPr lang="ru-RU" dirty="0">
-                <a:solidFill>
-                  <a:schemeClr val="bg1">
-                    <a:lumMod val="95000"/>
-                  </a:schemeClr>
-                </a:solidFill>
-                <a:latin typeface="Arial" pitchFamily="34" charset="0"/>
-                <a:cs typeface="Arial" pitchFamily="34" charset="0"/>
-              </a:rPr>
-              <a:t> для загрузки. Файл должен иметь следующие столбцы: Фамилия, Имя, </a:t>
-            </a:r>
-            <a:r>
-              <a:rPr lang="ru-RU" dirty="0" smtClean="0">
-                <a:solidFill>
-                  <a:schemeClr val="bg1">
-                    <a:lumMod val="95000"/>
-                  </a:schemeClr>
-                </a:solidFill>
-                <a:latin typeface="Arial" pitchFamily="34" charset="0"/>
-                <a:cs typeface="Arial" pitchFamily="34" charset="0"/>
-              </a:rPr>
-              <a:t>Отчество</a:t>
-            </a:r>
-            <a:r>
-              <a:rPr lang="ru-RU" dirty="0">
-                <a:solidFill>
-                  <a:schemeClr val="bg1">
-                    <a:lumMod val="95000"/>
-                  </a:schemeClr>
-                </a:solidFill>
-                <a:latin typeface="Arial" pitchFamily="34" charset="0"/>
-                <a:cs typeface="Arial" pitchFamily="34" charset="0"/>
-              </a:rPr>
-              <a:t>, Дата рождения;</a:t>
-            </a:r>
-          </a:p>
-          <a:p>
-            <a:r>
-              <a:rPr lang="ru-RU" dirty="0">
-                <a:solidFill>
-                  <a:schemeClr val="bg1">
-                    <a:lumMod val="95000"/>
-                  </a:schemeClr>
-                </a:solidFill>
-                <a:latin typeface="Arial" pitchFamily="34" charset="0"/>
-                <a:cs typeface="Arial" pitchFamily="34" charset="0"/>
-              </a:rPr>
-              <a:t>- «Создать </a:t>
-            </a:r>
-            <a:r>
-              <a:rPr lang="ru-RU" dirty="0" err="1">
-                <a:solidFill>
-                  <a:schemeClr val="bg1">
-                    <a:lumMod val="95000"/>
-                  </a:schemeClr>
-                </a:solidFill>
-                <a:latin typeface="Arial" pitchFamily="34" charset="0"/>
-                <a:cs typeface="Arial" pitchFamily="34" charset="0"/>
-              </a:rPr>
-              <a:t>учетки</a:t>
-            </a:r>
-            <a:r>
-              <a:rPr lang="ru-RU" dirty="0">
-                <a:solidFill>
-                  <a:schemeClr val="bg1">
-                    <a:lumMod val="95000"/>
-                  </a:schemeClr>
-                </a:solidFill>
-                <a:latin typeface="Arial" pitchFamily="34" charset="0"/>
-                <a:cs typeface="Arial" pitchFamily="34" charset="0"/>
-              </a:rPr>
-              <a:t>» - перед каждой строкой появится </a:t>
-            </a:r>
-            <a:r>
-              <a:rPr lang="ru-RU" dirty="0" err="1">
-                <a:solidFill>
-                  <a:schemeClr val="bg1">
-                    <a:lumMod val="95000"/>
-                  </a:schemeClr>
-                </a:solidFill>
-                <a:latin typeface="Arial" pitchFamily="34" charset="0"/>
-                <a:cs typeface="Arial" pitchFamily="34" charset="0"/>
-              </a:rPr>
-              <a:t>чекбокс</a:t>
-            </a:r>
-            <a:r>
-              <a:rPr lang="ru-RU" dirty="0">
-                <a:solidFill>
-                  <a:schemeClr val="bg1">
-                    <a:lumMod val="95000"/>
-                  </a:schemeClr>
-                </a:solidFill>
-                <a:latin typeface="Arial" pitchFamily="34" charset="0"/>
-                <a:cs typeface="Arial" pitchFamily="34" charset="0"/>
-              </a:rPr>
-              <a:t>. Необходимо отметить нужных студентов или нажать «Выбрать все» и </a:t>
-            </a:r>
-            <a:r>
-              <a:rPr lang="ru-RU" dirty="0" smtClean="0">
-                <a:solidFill>
-                  <a:schemeClr val="bg1">
-                    <a:lumMod val="95000"/>
-                  </a:schemeClr>
-                </a:solidFill>
-                <a:latin typeface="Arial" pitchFamily="34" charset="0"/>
-                <a:cs typeface="Arial" pitchFamily="34" charset="0"/>
-              </a:rPr>
-              <a:t>нажать </a:t>
-            </a:r>
-            <a:r>
-              <a:rPr lang="ru-RU" dirty="0">
-                <a:solidFill>
-                  <a:schemeClr val="bg1">
-                    <a:lumMod val="95000"/>
-                  </a:schemeClr>
-                </a:solidFill>
-                <a:latin typeface="Arial" pitchFamily="34" charset="0"/>
-                <a:cs typeface="Arial" pitchFamily="34" charset="0"/>
-              </a:rPr>
-              <a:t>«Создать </a:t>
-            </a:r>
-            <a:r>
-              <a:rPr lang="ru-RU" dirty="0" err="1">
-                <a:solidFill>
-                  <a:schemeClr val="bg1">
-                    <a:lumMod val="95000"/>
-                  </a:schemeClr>
-                </a:solidFill>
-                <a:latin typeface="Arial" pitchFamily="34" charset="0"/>
-                <a:cs typeface="Arial" pitchFamily="34" charset="0"/>
-              </a:rPr>
-              <a:t>учетки</a:t>
-            </a:r>
-            <a:r>
-              <a:rPr lang="ru-RU" dirty="0">
-                <a:solidFill>
-                  <a:schemeClr val="bg1">
-                    <a:lumMod val="95000"/>
-                  </a:schemeClr>
-                </a:solidFill>
-                <a:latin typeface="Arial" pitchFamily="34" charset="0"/>
-                <a:cs typeface="Arial" pitchFamily="34" charset="0"/>
-              </a:rPr>
-              <a:t>». Для выбранных студентов будут сгенерированы учетные записи и на экране появятся данные для </a:t>
-            </a:r>
-            <a:r>
-              <a:rPr lang="ru-RU" dirty="0" smtClean="0">
-                <a:solidFill>
-                  <a:schemeClr val="bg1">
-                    <a:lumMod val="95000"/>
-                  </a:schemeClr>
-                </a:solidFill>
-                <a:latin typeface="Arial" pitchFamily="34" charset="0"/>
-                <a:cs typeface="Arial" pitchFamily="34" charset="0"/>
-              </a:rPr>
-              <a:t>входа. </a:t>
-            </a:r>
-            <a:endParaRPr lang="ru-RU" dirty="0">
-              <a:solidFill>
-                <a:schemeClr val="bg1">
-                  <a:lumMod val="95000"/>
-                </a:schemeClr>
-              </a:solidFill>
-              <a:latin typeface="Arial" pitchFamily="34" charset="0"/>
-              <a:cs typeface="Arial" pitchFamily="34" charset="0"/>
-            </a:endParaRPr>
+              <a:t>в которой можно редактировать личные сведения и сведения об образовании, а также загрузить фото.</a:t>
+            </a:r>
           </a:p>
         </p:txBody>
       </p:sp>
@@ -10095,15 +10300,16 @@
           <p:cNvPicPr/>
           <p:nvPr/>
         </p:nvPicPr>
-        <p:blipFill rotWithShape="1">
+        <p:blipFill>
           <a:blip r:embed="rId2"/>
-          <a:srcRect l="13095" t="15663" r="16012" b="6828"/>
-          <a:stretch/>
+          <a:stretch>
+            <a:fillRect/>
+          </a:stretch>
         </p:blipFill>
-        <p:spPr bwMode="auto">
-          <a:xfrm>
-            <a:off x="2042222" y="3332423"/>
-            <a:ext cx="5275580" cy="3242310"/>
+        <p:spPr>
+          <a:xfrm>
+            <a:off x="853152" y="404664"/>
+            <a:ext cx="7442610" cy="3816424"/>
           </a:xfrm>
           <a:prstGeom prst="rect">
             <a:avLst/>
@@ -10118,11 +10324,6 @@
               </a:srgbClr>
             </a:outerShdw>
           </a:effectLst>
-          <a:extLst>
-            <a:ext uri="{53640926-AAD7-44D8-BBD7-CCE9431645EC}">
-              <a14:shadowObscured xmlns:a14="http://schemas.microsoft.com/office/drawing/2010/main"/>
-            </a:ext>
-          </a:extLst>
         </p:spPr>
       </p:pic>
       <p:sp>
@@ -10133,8 +10334,8 @@
         </p:nvSpPr>
         <p:spPr>
           <a:xfrm>
-            <a:off x="922813" y="476672"/>
-            <a:ext cx="45719" cy="2783743"/>
+            <a:off x="971600" y="4581128"/>
+            <a:ext cx="45719" cy="1754326"/>
           </a:xfrm>
           <a:prstGeom prst="rect">
             <a:avLst/>
@@ -10174,7 +10375,7 @@
     </p:spTree>
     <p:extLst>
       <p:ext uri="{BB962C8B-B14F-4D97-AF65-F5344CB8AC3E}">
-        <p14:creationId xmlns:p14="http://schemas.microsoft.com/office/powerpoint/2010/main" val="359333702"/>
+        <p14:creationId xmlns:p14="http://schemas.microsoft.com/office/powerpoint/2010/main" val="1497118974"/>
       </p:ext>
     </p:extLst>
   </p:cSld>
@@ -10211,69 +10412,9 @@
           <a:chExt cx="0" cy="0"/>
         </a:xfrm>
       </p:grpSpPr>
-      <p:sp>
-        <p:nvSpPr>
-          <p:cNvPr id="2" name="Прямоугольник 1"/>
-          <p:cNvSpPr/>
-          <p:nvPr/>
-        </p:nvSpPr>
-        <p:spPr>
-          <a:xfrm>
-            <a:off x="1187624" y="4581128"/>
-            <a:ext cx="4572000" cy="1754326"/>
-          </a:xfrm>
-          <a:prstGeom prst="rect">
-            <a:avLst/>
-          </a:prstGeom>
-        </p:spPr>
-        <p:txBody>
-          <a:bodyPr>
-            <a:spAutoFit/>
-          </a:bodyPr>
-          <a:lstStyle/>
-          <a:p>
-            <a:r>
-              <a:rPr lang="ru-RU" dirty="0">
-                <a:solidFill>
-                  <a:schemeClr val="bg1">
-                    <a:lumMod val="95000"/>
-                  </a:schemeClr>
-                </a:solidFill>
-                <a:latin typeface="Arial" pitchFamily="34" charset="0"/>
-                <a:cs typeface="Arial" pitchFamily="34" charset="0"/>
-              </a:rPr>
-              <a:t>При переходе по ссылке «Личная карта» напротив записи откроется личная карта </a:t>
-            </a:r>
-            <a:r>
-              <a:rPr lang="ru-RU" dirty="0" smtClean="0">
-                <a:solidFill>
-                  <a:schemeClr val="bg1">
-                    <a:lumMod val="95000"/>
-                  </a:schemeClr>
-                </a:solidFill>
-                <a:latin typeface="Arial" pitchFamily="34" charset="0"/>
-                <a:cs typeface="Arial" pitchFamily="34" charset="0"/>
-              </a:rPr>
-              <a:t>студента, </a:t>
-            </a:r>
-            <a:r>
-              <a:rPr lang="ru-RU" dirty="0">
-                <a:solidFill>
-                  <a:schemeClr val="bg1">
-                    <a:lumMod val="95000"/>
-                  </a:schemeClr>
-                </a:solidFill>
-                <a:latin typeface="Arial" pitchFamily="34" charset="0"/>
-                <a:cs typeface="Arial" pitchFamily="34" charset="0"/>
-              </a:rPr>
-              <a:t>в которой можно редактировать личные сведения и сведения об образовании, а также загрузить фото.</a:t>
-            </a:r>
-          </a:p>
-        </p:txBody>
-      </p:sp>
       <p:pic>
         <p:nvPicPr>
-          <p:cNvPr id="3" name="Рисунок 2"/>
+          <p:cNvPr id="2" name="Рисунок 1"/>
           <p:cNvPicPr/>
           <p:nvPr/>
         </p:nvPicPr>
@@ -10285,8 +10426,8 @@
         </p:blipFill>
         <p:spPr>
           <a:xfrm>
-            <a:off x="853152" y="404664"/>
-            <a:ext cx="7442610" cy="3816424"/>
+            <a:off x="899592" y="692696"/>
+            <a:ext cx="7501766" cy="3744416"/>
           </a:xfrm>
           <a:prstGeom prst="rect">
             <a:avLst/>
@@ -10305,14 +10446,71 @@
       </p:pic>
       <p:sp>
         <p:nvSpPr>
+          <p:cNvPr id="3" name="Прямоугольник 2"/>
+          <p:cNvSpPr/>
+          <p:nvPr/>
+        </p:nvSpPr>
+        <p:spPr>
+          <a:xfrm>
+            <a:off x="1187624" y="4820959"/>
+            <a:ext cx="4572000" cy="1200329"/>
+          </a:xfrm>
+          <a:prstGeom prst="rect">
+            <a:avLst/>
+          </a:prstGeom>
+        </p:spPr>
+        <p:txBody>
+          <a:bodyPr>
+            <a:spAutoFit/>
+          </a:bodyPr>
+          <a:lstStyle/>
+          <a:p>
+            <a:r>
+              <a:rPr lang="ru-RU" dirty="0">
+                <a:solidFill>
+                  <a:schemeClr val="bg1">
+                    <a:lumMod val="95000"/>
+                  </a:schemeClr>
+                </a:solidFill>
+                <a:latin typeface="Arial" pitchFamily="34" charset="0"/>
+                <a:cs typeface="Arial" pitchFamily="34" charset="0"/>
+              </a:rPr>
+              <a:t>При переходе по ссылке «Зачетка» откроется зачетка студента с вкладками, соответствующими прошедшим </a:t>
+            </a:r>
+            <a:r>
+              <a:rPr lang="ru-RU" dirty="0" smtClean="0">
+                <a:solidFill>
+                  <a:schemeClr val="bg1">
+                    <a:lumMod val="95000"/>
+                  </a:schemeClr>
+                </a:solidFill>
+                <a:latin typeface="Arial" pitchFamily="34" charset="0"/>
+                <a:cs typeface="Arial" pitchFamily="34" charset="0"/>
+              </a:rPr>
+              <a:t>семестрам.</a:t>
+            </a:r>
+            <a:endParaRPr lang="ru-RU" dirty="0">
+              <a:solidFill>
+                <a:schemeClr val="bg1">
+                  <a:lumMod val="95000"/>
+                </a:schemeClr>
+              </a:solidFill>
+              <a:latin typeface="Arial" pitchFamily="34" charset="0"/>
+              <a:cs typeface="Arial" pitchFamily="34" charset="0"/>
+            </a:endParaRPr>
+          </a:p>
+        </p:txBody>
+      </p:sp>
+      <p:sp>
+        <p:nvSpPr>
           <p:cNvPr id="4" name="Прямоугольник 3"/>
           <p:cNvSpPr/>
           <p:nvPr/>
         </p:nvSpPr>
         <p:spPr>
           <a:xfrm>
-            <a:off x="971600" y="4581128"/>
-            <a:ext cx="45719" cy="1754326"/>
+            <a:off x="971600" y="4820959"/>
+            <a:ext cx="45719" cy="1200329"/>
           </a:xfrm>
           <a:prstGeom prst="rect">
             <a:avLst/>
@@ -10352,7 +10550,7 @@
     </p:spTree>
     <p:extLst>
       <p:ext uri="{BB962C8B-B14F-4D97-AF65-F5344CB8AC3E}">
-        <p14:creationId xmlns:p14="http://schemas.microsoft.com/office/powerpoint/2010/main" val="1497118974"/>
+        <p14:creationId xmlns:p14="http://schemas.microsoft.com/office/powerpoint/2010/main" val="2941867954"/>
       </p:ext>
     </p:extLst>
   </p:cSld>
@@ -10389,55 +10587,23 @@
           <a:chExt cx="0" cy="0"/>
         </a:xfrm>
       </p:grpSpPr>
-      <p:pic>
-        <p:nvPicPr>
-          <p:cNvPr id="2" name="Рисунок 1"/>
-          <p:cNvPicPr/>
+      <p:sp>
+        <p:nvSpPr>
+          <p:cNvPr id="3" name="Прямоугольник 2"/>
+          <p:cNvSpPr/>
           <p:nvPr/>
-        </p:nvPicPr>
-        <p:blipFill>
-          <a:blip r:embed="rId2"/>
-          <a:stretch>
-            <a:fillRect/>
-          </a:stretch>
-        </p:blipFill>
-        <p:spPr>
-          <a:xfrm>
-            <a:off x="899592" y="692696"/>
-            <a:ext cx="7501766" cy="3744416"/>
+        </p:nvSpPr>
+        <p:spPr>
+          <a:xfrm>
+            <a:off x="1187624" y="4581128"/>
+            <a:ext cx="7056784" cy="2031325"/>
           </a:xfrm>
           <a:prstGeom prst="rect">
             <a:avLst/>
           </a:prstGeom>
-          <a:ln>
-            <a:noFill/>
-          </a:ln>
-          <a:effectLst>
-            <a:outerShdw blurRad="190500" algn="tl" rotWithShape="0">
-              <a:srgbClr val="000000">
-                <a:alpha val="70000"/>
-              </a:srgbClr>
-            </a:outerShdw>
-          </a:effectLst>
-        </p:spPr>
-      </p:pic>
-      <p:sp>
-        <p:nvSpPr>
-          <p:cNvPr id="3" name="Прямоугольник 2"/>
-          <p:cNvSpPr/>
-          <p:nvPr/>
-        </p:nvSpPr>
-        <p:spPr>
-          <a:xfrm>
-            <a:off x="1187624" y="4820959"/>
-            <a:ext cx="4572000" cy="1200329"/>
-          </a:xfrm>
-          <a:prstGeom prst="rect">
-            <a:avLst/>
-          </a:prstGeom>
-        </p:spPr>
-        <p:txBody>
-          <a:bodyPr>
+        </p:spPr>
+        <p:txBody>
+          <a:bodyPr wrap="square">
             <a:spAutoFit/>
           </a:bodyPr>
           <a:lstStyle/>
@@ -10452,29 +10618,8 @@
                 <a:latin typeface="Arial" pitchFamily="34" charset="0"/>
                 <a:cs typeface="Arial" pitchFamily="34" charset="0"/>
               </a:rPr>
-              <a:t>При переходе по ссылке «Зачетка» откроется зачетка студента с вкладками, соответствующими прошедшим </a:t>
-            </a:r>
-            <a:r>
-              <a:rPr lang="ru-RU" dirty="0" smtClean="0">
-                <a:solidFill>
-                  <a:schemeClr val="bg1">
-                    <a:lumMod val="95000"/>
-                  </a:schemeClr>
-                </a:solidFill>
-                <a:latin typeface="Arial" pitchFamily="34" charset="0"/>
-                <a:cs typeface="Arial" pitchFamily="34" charset="0"/>
-              </a:rPr>
-              <a:t>семестрам.</a:t>
-            </a:r>
-            <a:endParaRPr lang="ru-RU" dirty="0">
-              <a:solidFill>
-                <a:schemeClr val="bg1">
-                  <a:lumMod val="95000"/>
-                </a:schemeClr>
-              </a:solidFill>
-              <a:latin typeface="Arial" pitchFamily="34" charset="0"/>
-              <a:cs typeface="Arial" pitchFamily="34" charset="0"/>
-            </a:endParaRPr>
+              <a:t>На странице списка групп имеется фильтр по специальности, курсу, базе и языку обучения. Для группы указывается название, база, год поступления и выпуска, курс, специальность, язык обучения и куратор. Ссылка «Студенты» открывает список студентов данной группы, где можно также добавить нового, создать учетные записи и сформировать подгруппы.</a:t>
+            </a:r>
           </a:p>
         </p:txBody>
       </p:sp>
@@ -10486,8 +10631,8 @@
         </p:nvSpPr>
         <p:spPr>
           <a:xfrm>
-            <a:off x="971600" y="4820959"/>
-            <a:ext cx="45719" cy="1200329"/>
+            <a:off x="971600" y="4653136"/>
+            <a:ext cx="45719" cy="1959317"/>
           </a:xfrm>
           <a:prstGeom prst="rect">
             <a:avLst/>
@@ -10524,10 +10669,46 @@
           </a:p>
         </p:txBody>
       </p:sp>
+      <p:pic>
+        <p:nvPicPr>
+          <p:cNvPr id="5" name="Рисунок 4"/>
+          <p:cNvPicPr/>
+          <p:nvPr/>
+        </p:nvPicPr>
+        <p:blipFill rotWithShape="1">
+          <a:blip r:embed="rId2"/>
+          <a:srcRect t="9167" r="1617" b="5000"/>
+          <a:stretch/>
+        </p:blipFill>
+        <p:spPr bwMode="auto">
+          <a:xfrm>
+            <a:off x="1017319" y="692696"/>
+            <a:ext cx="7227089" cy="3544686"/>
+          </a:xfrm>
+          <a:prstGeom prst="rect">
+            <a:avLst/>
+          </a:prstGeom>
+          <a:ln>
+            <a:noFill/>
+          </a:ln>
+          <a:effectLst>
+            <a:outerShdw blurRad="190500" algn="tl" rotWithShape="0">
+              <a:srgbClr val="000000">
+                <a:alpha val="70000"/>
+              </a:srgbClr>
+            </a:outerShdw>
+          </a:effectLst>
+          <a:extLst>
+            <a:ext uri="{53640926-AAD7-44D8-BBD7-CCE9431645EC}">
+              <a14:shadowObscured xmlns:a14="http://schemas.microsoft.com/office/drawing/2010/main"/>
+            </a:ext>
+          </a:extLst>
+        </p:spPr>
+      </p:pic>
     </p:spTree>
     <p:extLst>
       <p:ext uri="{BB962C8B-B14F-4D97-AF65-F5344CB8AC3E}">
-        <p14:creationId xmlns:p14="http://schemas.microsoft.com/office/powerpoint/2010/main" val="2941867954"/>
+        <p14:creationId xmlns:p14="http://schemas.microsoft.com/office/powerpoint/2010/main" val="191485690"/>
       </p:ext>
     </p:extLst>
   </p:cSld>
